--- a/Course project.pptx
+++ b/Course project.pptx
@@ -1,6 +1,6 @@
 
 <file path=ppt/presentation.xml><?xml version="1.0" encoding="utf-8"?>
-<p:presentation xmlns:a="http://schemas.openxmlformats.org/drawingml/2006/main" xmlns:r="http://schemas.openxmlformats.org/officeDocument/2006/relationships" xmlns:p="http://schemas.openxmlformats.org/presentationml/2006/main" autoCompressPictures="0">
+<p:presentation xmlns:a="http://schemas.openxmlformats.org/drawingml/2006/main" xmlns:r="http://schemas.openxmlformats.org/officeDocument/2006/relationships" xmlns:p="http://schemas.openxmlformats.org/presentationml/2006/main" saveSubsetFonts="1" autoCompressPictures="0">
   <p:sldMasterIdLst>
     <p:sldMasterId id="2147483648" r:id="rId1"/>
   </p:sldMasterIdLst>
@@ -112,6 +112,11 @@
       </a:defRPr>
     </a:lvl9pPr>
   </p:defaultTextStyle>
+  <p:extLst>
+    <p:ext uri="{EFAFB233-063F-42B5-8137-9DF3F51BA10A}">
+      <p15:sldGuideLst xmlns:p15="http://schemas.microsoft.com/office/powerpoint/2012/main"/>
+    </p:ext>
+  </p:extLst>
 </p:presentation>
 </file>
 
@@ -172,7 +177,7 @@
           <a:noFill/>
           <a:extLst>
             <a:ext uri="{909E8E84-426E-40dd-AFC4-6F175D3DCCD1}">
-              <a14:hiddenFill xmlns:a14="http://schemas.microsoft.com/office/drawing/2010/main" xmlns="">
+              <a14:hiddenFill xmlns="" xmlns:a14="http://schemas.microsoft.com/office/drawing/2010/main">
                 <a:solidFill>
                   <a:srgbClr val="FFFFFF"/>
                 </a:solidFill>
@@ -231,7 +236,7 @@
             </a:ln>
             <a:extLst>
               <a:ext uri="{91240B29-F687-4f45-9708-019B960494DF}">
-                <a14:hiddenLine xmlns:a14="http://schemas.microsoft.com/office/drawing/2010/main" xmlns="" w="9525">
+                <a14:hiddenLine xmlns="" xmlns:a14="http://schemas.microsoft.com/office/drawing/2010/main" w="9525">
                   <a:solidFill>
                     <a:srgbClr val="000000"/>
                   </a:solidFill>
@@ -321,7 +326,7 @@
             </a:ln>
             <a:extLst>
               <a:ext uri="{91240B29-F687-4f45-9708-019B960494DF}">
-                <a14:hiddenLine xmlns:a14="http://schemas.microsoft.com/office/drawing/2010/main" xmlns="" w="9525">
+                <a14:hiddenLine xmlns="" xmlns:a14="http://schemas.microsoft.com/office/drawing/2010/main" w="9525">
                   <a:solidFill>
                     <a:srgbClr val="000000"/>
                   </a:solidFill>
@@ -411,7 +416,7 @@
             </a:ln>
             <a:extLst>
               <a:ext uri="{91240B29-F687-4f45-9708-019B960494DF}">
-                <a14:hiddenLine xmlns:a14="http://schemas.microsoft.com/office/drawing/2010/main" xmlns="" w="9525">
+                <a14:hiddenLine xmlns="" xmlns:a14="http://schemas.microsoft.com/office/drawing/2010/main" w="9525">
                   <a:solidFill>
                     <a:srgbClr val="000000"/>
                   </a:solidFill>
@@ -445,7 +450,7 @@
             </a:ln>
             <a:extLst>
               <a:ext uri="{91240B29-F687-4f45-9708-019B960494DF}">
-                <a14:hiddenLine xmlns:a14="http://schemas.microsoft.com/office/drawing/2010/main" xmlns="" w="9525">
+                <a14:hiddenLine xmlns="" xmlns:a14="http://schemas.microsoft.com/office/drawing/2010/main" w="9525">
                   <a:solidFill>
                     <a:srgbClr val="000000"/>
                   </a:solidFill>
@@ -535,7 +540,7 @@
             </a:ln>
             <a:extLst>
               <a:ext uri="{91240B29-F687-4f45-9708-019B960494DF}">
-                <a14:hiddenLine xmlns:a14="http://schemas.microsoft.com/office/drawing/2010/main" xmlns="" w="9525">
+                <a14:hiddenLine xmlns="" xmlns:a14="http://schemas.microsoft.com/office/drawing/2010/main" w="9525">
                   <a:solidFill>
                     <a:srgbClr val="000000"/>
                   </a:solidFill>
@@ -597,7 +602,7 @@
             </a:ln>
             <a:extLst>
               <a:ext uri="{91240B29-F687-4f45-9708-019B960494DF}">
-                <a14:hiddenLine xmlns:a14="http://schemas.microsoft.com/office/drawing/2010/main" xmlns="" w="9525">
+                <a14:hiddenLine xmlns="" xmlns:a14="http://schemas.microsoft.com/office/drawing/2010/main" w="9525">
                   <a:solidFill>
                     <a:srgbClr val="000000"/>
                   </a:solidFill>
@@ -659,7 +664,7 @@
             </a:ln>
             <a:extLst>
               <a:ext uri="{91240B29-F687-4f45-9708-019B960494DF}">
-                <a14:hiddenLine xmlns:a14="http://schemas.microsoft.com/office/drawing/2010/main" xmlns="" w="9525">
+                <a14:hiddenLine xmlns="" xmlns:a14="http://schemas.microsoft.com/office/drawing/2010/main" w="9525">
                   <a:solidFill>
                     <a:srgbClr val="000000"/>
                   </a:solidFill>
@@ -749,7 +754,7 @@
             </a:ln>
             <a:extLst>
               <a:ext uri="{91240B29-F687-4f45-9708-019B960494DF}">
-                <a14:hiddenLine xmlns:a14="http://schemas.microsoft.com/office/drawing/2010/main" xmlns="" w="9525">
+                <a14:hiddenLine xmlns="" xmlns:a14="http://schemas.microsoft.com/office/drawing/2010/main" w="9525">
                   <a:solidFill>
                     <a:srgbClr val="000000"/>
                   </a:solidFill>
@@ -811,7 +816,7 @@
             </a:ln>
             <a:extLst>
               <a:ext uri="{91240B29-F687-4f45-9708-019B960494DF}">
-                <a14:hiddenLine xmlns:a14="http://schemas.microsoft.com/office/drawing/2010/main" xmlns="" w="9525">
+                <a14:hiddenLine xmlns="" xmlns:a14="http://schemas.microsoft.com/office/drawing/2010/main" w="9525">
                   <a:solidFill>
                     <a:srgbClr val="000000"/>
                   </a:solidFill>
@@ -873,7 +878,7 @@
             </a:ln>
             <a:extLst>
               <a:ext uri="{91240B29-F687-4f45-9708-019B960494DF}">
-                <a14:hiddenLine xmlns:a14="http://schemas.microsoft.com/office/drawing/2010/main" xmlns="" w="9525">
+                <a14:hiddenLine xmlns="" xmlns:a14="http://schemas.microsoft.com/office/drawing/2010/main" w="9525">
                   <a:solidFill>
                     <a:srgbClr val="000000"/>
                   </a:solidFill>
@@ -963,7 +968,7 @@
             </a:ln>
             <a:extLst>
               <a:ext uri="{91240B29-F687-4f45-9708-019B960494DF}">
-                <a14:hiddenLine xmlns:a14="http://schemas.microsoft.com/office/drawing/2010/main" xmlns="" w="9525">
+                <a14:hiddenLine xmlns="" xmlns:a14="http://schemas.microsoft.com/office/drawing/2010/main" w="9525">
                   <a:solidFill>
                     <a:srgbClr val="000000"/>
                   </a:solidFill>
@@ -1053,7 +1058,7 @@
             </a:ln>
             <a:extLst>
               <a:ext uri="{91240B29-F687-4f45-9708-019B960494DF}">
-                <a14:hiddenLine xmlns:a14="http://schemas.microsoft.com/office/drawing/2010/main" xmlns="" w="9525">
+                <a14:hiddenLine xmlns="" xmlns:a14="http://schemas.microsoft.com/office/drawing/2010/main" w="9525">
                   <a:solidFill>
                     <a:srgbClr val="000000"/>
                   </a:solidFill>
@@ -1115,7 +1120,7 @@
             </a:ln>
             <a:extLst>
               <a:ext uri="{91240B29-F687-4f45-9708-019B960494DF}">
-                <a14:hiddenLine xmlns:a14="http://schemas.microsoft.com/office/drawing/2010/main" xmlns="" w="9525">
+                <a14:hiddenLine xmlns="" xmlns:a14="http://schemas.microsoft.com/office/drawing/2010/main" w="9525">
                   <a:solidFill>
                     <a:srgbClr val="000000"/>
                   </a:solidFill>
@@ -1225,7 +1230,7 @@
             </a:ln>
             <a:extLst>
               <a:ext uri="{91240B29-F687-4f45-9708-019B960494DF}">
-                <a14:hiddenLine xmlns:a14="http://schemas.microsoft.com/office/drawing/2010/main" xmlns="" w="9525">
+                <a14:hiddenLine xmlns="" xmlns:a14="http://schemas.microsoft.com/office/drawing/2010/main" w="9525">
                   <a:solidFill>
                     <a:srgbClr val="000000"/>
                   </a:solidFill>
@@ -1287,7 +1292,7 @@
             </a:ln>
             <a:extLst>
               <a:ext uri="{91240B29-F687-4f45-9708-019B960494DF}">
-                <a14:hiddenLine xmlns:a14="http://schemas.microsoft.com/office/drawing/2010/main" xmlns="" w="9525">
+                <a14:hiddenLine xmlns="" xmlns:a14="http://schemas.microsoft.com/office/drawing/2010/main" w="9525">
                   <a:solidFill>
                     <a:srgbClr val="000000"/>
                   </a:solidFill>
@@ -1377,7 +1382,7 @@
             </a:ln>
             <a:extLst>
               <a:ext uri="{91240B29-F687-4f45-9708-019B960494DF}">
-                <a14:hiddenLine xmlns:a14="http://schemas.microsoft.com/office/drawing/2010/main" xmlns="" w="9525">
+                <a14:hiddenLine xmlns="" xmlns:a14="http://schemas.microsoft.com/office/drawing/2010/main" w="9525">
                   <a:solidFill>
                     <a:srgbClr val="000000"/>
                   </a:solidFill>
@@ -1467,7 +1472,7 @@
             </a:ln>
             <a:extLst>
               <a:ext uri="{91240B29-F687-4f45-9708-019B960494DF}">
-                <a14:hiddenLine xmlns:a14="http://schemas.microsoft.com/office/drawing/2010/main" xmlns="" w="9525">
+                <a14:hiddenLine xmlns="" xmlns:a14="http://schemas.microsoft.com/office/drawing/2010/main" w="9525">
                   <a:solidFill>
                     <a:srgbClr val="000000"/>
                   </a:solidFill>
@@ -1529,7 +1534,7 @@
             </a:ln>
             <a:extLst>
               <a:ext uri="{91240B29-F687-4f45-9708-019B960494DF}">
-                <a14:hiddenLine xmlns:a14="http://schemas.microsoft.com/office/drawing/2010/main" xmlns="" w="9525">
+                <a14:hiddenLine xmlns="" xmlns:a14="http://schemas.microsoft.com/office/drawing/2010/main" w="9525">
                   <a:solidFill>
                     <a:srgbClr val="000000"/>
                   </a:solidFill>
@@ -1619,7 +1624,7 @@
             </a:ln>
             <a:extLst>
               <a:ext uri="{91240B29-F687-4f45-9708-019B960494DF}">
-                <a14:hiddenLine xmlns:a14="http://schemas.microsoft.com/office/drawing/2010/main" xmlns="" w="9525">
+                <a14:hiddenLine xmlns="" xmlns:a14="http://schemas.microsoft.com/office/drawing/2010/main" w="9525">
                   <a:solidFill>
                     <a:srgbClr val="000000"/>
                   </a:solidFill>
@@ -1709,7 +1714,7 @@
             </a:ln>
             <a:extLst>
               <a:ext uri="{91240B29-F687-4f45-9708-019B960494DF}">
-                <a14:hiddenLine xmlns:a14="http://schemas.microsoft.com/office/drawing/2010/main" xmlns="" w="9525">
+                <a14:hiddenLine xmlns="" xmlns:a14="http://schemas.microsoft.com/office/drawing/2010/main" w="9525">
                   <a:solidFill>
                     <a:srgbClr val="000000"/>
                   </a:solidFill>
@@ -1765,7 +1770,7 @@
             </a:ln>
             <a:extLst>
               <a:ext uri="{91240B29-F687-4f45-9708-019B960494DF}">
-                <a14:hiddenLine xmlns:a14="http://schemas.microsoft.com/office/drawing/2010/main" xmlns="" w="9525">
+                <a14:hiddenLine xmlns="" xmlns:a14="http://schemas.microsoft.com/office/drawing/2010/main" w="9525">
                   <a:solidFill>
                     <a:srgbClr val="000000"/>
                   </a:solidFill>
@@ -1855,7 +1860,7 @@
             </a:ln>
             <a:extLst>
               <a:ext uri="{91240B29-F687-4f45-9708-019B960494DF}">
-                <a14:hiddenLine xmlns:a14="http://schemas.microsoft.com/office/drawing/2010/main" xmlns="" w="9525">
+                <a14:hiddenLine xmlns="" xmlns:a14="http://schemas.microsoft.com/office/drawing/2010/main" w="9525">
                   <a:solidFill>
                     <a:srgbClr val="000000"/>
                   </a:solidFill>
@@ -1911,7 +1916,7 @@
             </a:ln>
             <a:extLst>
               <a:ext uri="{91240B29-F687-4f45-9708-019B960494DF}">
-                <a14:hiddenLine xmlns:a14="http://schemas.microsoft.com/office/drawing/2010/main" xmlns="" w="9525">
+                <a14:hiddenLine xmlns="" xmlns:a14="http://schemas.microsoft.com/office/drawing/2010/main" w="9525">
                   <a:solidFill>
                     <a:srgbClr val="000000"/>
                   </a:solidFill>
@@ -2001,7 +2006,7 @@
             </a:ln>
             <a:extLst>
               <a:ext uri="{91240B29-F687-4f45-9708-019B960494DF}">
-                <a14:hiddenLine xmlns:a14="http://schemas.microsoft.com/office/drawing/2010/main" xmlns="" w="9525">
+                <a14:hiddenLine xmlns="" xmlns:a14="http://schemas.microsoft.com/office/drawing/2010/main" w="9525">
                   <a:solidFill>
                     <a:srgbClr val="000000"/>
                   </a:solidFill>
@@ -2069,7 +2074,7 @@
             </a:ln>
             <a:extLst>
               <a:ext uri="{91240B29-F687-4f45-9708-019B960494DF}">
-                <a14:hiddenLine xmlns:a14="http://schemas.microsoft.com/office/drawing/2010/main" xmlns="" w="9525">
+                <a14:hiddenLine xmlns="" xmlns:a14="http://schemas.microsoft.com/office/drawing/2010/main" w="9525">
                   <a:solidFill>
                     <a:srgbClr val="000000"/>
                   </a:solidFill>
@@ -2159,7 +2164,7 @@
             </a:ln>
             <a:extLst>
               <a:ext uri="{91240B29-F687-4f45-9708-019B960494DF}">
-                <a14:hiddenLine xmlns:a14="http://schemas.microsoft.com/office/drawing/2010/main" xmlns="" w="9525">
+                <a14:hiddenLine xmlns="" xmlns:a14="http://schemas.microsoft.com/office/drawing/2010/main" w="9525">
                   <a:solidFill>
                     <a:srgbClr val="000000"/>
                   </a:solidFill>
@@ -2227,7 +2232,7 @@
             </a:ln>
             <a:extLst>
               <a:ext uri="{91240B29-F687-4f45-9708-019B960494DF}">
-                <a14:hiddenLine xmlns:a14="http://schemas.microsoft.com/office/drawing/2010/main" xmlns="" w="9525">
+                <a14:hiddenLine xmlns="" xmlns:a14="http://schemas.microsoft.com/office/drawing/2010/main" w="9525">
                   <a:solidFill>
                     <a:srgbClr val="000000"/>
                   </a:solidFill>
@@ -2317,7 +2322,7 @@
             </a:ln>
             <a:extLst>
               <a:ext uri="{91240B29-F687-4f45-9708-019B960494DF}">
-                <a14:hiddenLine xmlns:a14="http://schemas.microsoft.com/office/drawing/2010/main" xmlns="" w="9525">
+                <a14:hiddenLine xmlns="" xmlns:a14="http://schemas.microsoft.com/office/drawing/2010/main" w="9525">
                   <a:solidFill>
                     <a:srgbClr val="000000"/>
                   </a:solidFill>
@@ -2351,7 +2356,7 @@
             </a:ln>
             <a:extLst>
               <a:ext uri="{91240B29-F687-4f45-9708-019B960494DF}">
-                <a14:hiddenLine xmlns:a14="http://schemas.microsoft.com/office/drawing/2010/main" xmlns="" w="9525">
+                <a14:hiddenLine xmlns="" xmlns:a14="http://schemas.microsoft.com/office/drawing/2010/main" w="9525">
                   <a:solidFill>
                     <a:srgbClr val="000000"/>
                   </a:solidFill>
@@ -2441,7 +2446,7 @@
             </a:ln>
             <a:extLst>
               <a:ext uri="{91240B29-F687-4f45-9708-019B960494DF}">
-                <a14:hiddenLine xmlns:a14="http://schemas.microsoft.com/office/drawing/2010/main" xmlns="" w="9525">
+                <a14:hiddenLine xmlns="" xmlns:a14="http://schemas.microsoft.com/office/drawing/2010/main" w="9525">
                   <a:solidFill>
                     <a:srgbClr val="000000"/>
                   </a:solidFill>
@@ -2503,7 +2508,7 @@
             </a:ln>
             <a:extLst>
               <a:ext uri="{91240B29-F687-4f45-9708-019B960494DF}">
-                <a14:hiddenLine xmlns:a14="http://schemas.microsoft.com/office/drawing/2010/main" xmlns="" w="9525">
+                <a14:hiddenLine xmlns="" xmlns:a14="http://schemas.microsoft.com/office/drawing/2010/main" w="9525">
                   <a:solidFill>
                     <a:srgbClr val="000000"/>
                   </a:solidFill>
@@ -2565,7 +2570,7 @@
             </a:ln>
             <a:extLst>
               <a:ext uri="{91240B29-F687-4f45-9708-019B960494DF}">
-                <a14:hiddenLine xmlns:a14="http://schemas.microsoft.com/office/drawing/2010/main" xmlns="" w="9525">
+                <a14:hiddenLine xmlns="" xmlns:a14="http://schemas.microsoft.com/office/drawing/2010/main" w="9525">
                   <a:solidFill>
                     <a:srgbClr val="000000"/>
                   </a:solidFill>
@@ -2655,7 +2660,7 @@
             </a:ln>
             <a:extLst>
               <a:ext uri="{91240B29-F687-4f45-9708-019B960494DF}">
-                <a14:hiddenLine xmlns:a14="http://schemas.microsoft.com/office/drawing/2010/main" xmlns="" w="9525">
+                <a14:hiddenLine xmlns="" xmlns:a14="http://schemas.microsoft.com/office/drawing/2010/main" w="9525">
                   <a:solidFill>
                     <a:srgbClr val="000000"/>
                   </a:solidFill>
@@ -2723,7 +2728,7 @@
             </a:ln>
             <a:extLst>
               <a:ext uri="{91240B29-F687-4f45-9708-019B960494DF}">
-                <a14:hiddenLine xmlns:a14="http://schemas.microsoft.com/office/drawing/2010/main" xmlns="" w="9525">
+                <a14:hiddenLine xmlns="" xmlns:a14="http://schemas.microsoft.com/office/drawing/2010/main" w="9525">
                   <a:solidFill>
                     <a:srgbClr val="000000"/>
                   </a:solidFill>
@@ -2785,7 +2790,7 @@
             </a:ln>
             <a:extLst>
               <a:ext uri="{91240B29-F687-4f45-9708-019B960494DF}">
-                <a14:hiddenLine xmlns:a14="http://schemas.microsoft.com/office/drawing/2010/main" xmlns="" w="9525">
+                <a14:hiddenLine xmlns="" xmlns:a14="http://schemas.microsoft.com/office/drawing/2010/main" w="9525">
                   <a:solidFill>
                     <a:srgbClr val="000000"/>
                   </a:solidFill>
@@ -2875,7 +2880,7 @@
             </a:ln>
             <a:extLst>
               <a:ext uri="{91240B29-F687-4f45-9708-019B960494DF}">
-                <a14:hiddenLine xmlns:a14="http://schemas.microsoft.com/office/drawing/2010/main" xmlns="" w="9525">
+                <a14:hiddenLine xmlns="" xmlns:a14="http://schemas.microsoft.com/office/drawing/2010/main" w="9525">
                   <a:solidFill>
                     <a:srgbClr val="000000"/>
                   </a:solidFill>
@@ -2937,7 +2942,7 @@
             </a:ln>
             <a:extLst>
               <a:ext uri="{91240B29-F687-4f45-9708-019B960494DF}">
-                <a14:hiddenLine xmlns:a14="http://schemas.microsoft.com/office/drawing/2010/main" xmlns="" w="9525">
+                <a14:hiddenLine xmlns="" xmlns:a14="http://schemas.microsoft.com/office/drawing/2010/main" w="9525">
                   <a:solidFill>
                     <a:srgbClr val="000000"/>
                   </a:solidFill>
@@ -3027,7 +3032,7 @@
             </a:ln>
             <a:extLst>
               <a:ext uri="{91240B29-F687-4f45-9708-019B960494DF}">
-                <a14:hiddenLine xmlns:a14="http://schemas.microsoft.com/office/drawing/2010/main" xmlns="" w="9525">
+                <a14:hiddenLine xmlns="" xmlns:a14="http://schemas.microsoft.com/office/drawing/2010/main" w="9525">
                   <a:solidFill>
                     <a:srgbClr val="000000"/>
                   </a:solidFill>
@@ -3089,7 +3094,7 @@
             </a:ln>
             <a:extLst>
               <a:ext uri="{91240B29-F687-4f45-9708-019B960494DF}">
-                <a14:hiddenLine xmlns:a14="http://schemas.microsoft.com/office/drawing/2010/main" xmlns="" w="9525">
+                <a14:hiddenLine xmlns="" xmlns:a14="http://schemas.microsoft.com/office/drawing/2010/main" w="9525">
                   <a:solidFill>
                     <a:srgbClr val="000000"/>
                   </a:solidFill>
@@ -3179,7 +3184,7 @@
             </a:ln>
             <a:extLst>
               <a:ext uri="{91240B29-F687-4f45-9708-019B960494DF}">
-                <a14:hiddenLine xmlns:a14="http://schemas.microsoft.com/office/drawing/2010/main" xmlns="" w="9525">
+                <a14:hiddenLine xmlns="" xmlns:a14="http://schemas.microsoft.com/office/drawing/2010/main" w="9525">
                   <a:solidFill>
                     <a:srgbClr val="000000"/>
                   </a:solidFill>
@@ -3213,7 +3218,7 @@
             </a:ln>
             <a:extLst>
               <a:ext uri="{91240B29-F687-4f45-9708-019B960494DF}">
-                <a14:hiddenLine xmlns:a14="http://schemas.microsoft.com/office/drawing/2010/main" xmlns="" w="9525">
+                <a14:hiddenLine xmlns="" xmlns:a14="http://schemas.microsoft.com/office/drawing/2010/main" w="9525">
                   <a:solidFill>
                     <a:srgbClr val="000000"/>
                   </a:solidFill>
@@ -3278,7 +3283,7 @@
             </a:ln>
             <a:extLst>
               <a:ext uri="{91240B29-F687-4f45-9708-019B960494DF}">
-                <a14:hiddenLine xmlns:a14="http://schemas.microsoft.com/office/drawing/2010/main" xmlns="" w="9525">
+                <a14:hiddenLine xmlns="" xmlns:a14="http://schemas.microsoft.com/office/drawing/2010/main" w="9525">
                   <a:solidFill>
                     <a:srgbClr val="000000"/>
                   </a:solidFill>
@@ -3368,7 +3373,7 @@
             </a:ln>
             <a:extLst>
               <a:ext uri="{91240B29-F687-4f45-9708-019B960494DF}">
-                <a14:hiddenLine xmlns:a14="http://schemas.microsoft.com/office/drawing/2010/main" xmlns="" w="9525">
+                <a14:hiddenLine xmlns="" xmlns:a14="http://schemas.microsoft.com/office/drawing/2010/main" w="9525">
                   <a:solidFill>
                     <a:srgbClr val="000000"/>
                   </a:solidFill>
@@ -3430,7 +3435,7 @@
             </a:ln>
             <a:extLst>
               <a:ext uri="{91240B29-F687-4f45-9708-019B960494DF}">
-                <a14:hiddenLine xmlns:a14="http://schemas.microsoft.com/office/drawing/2010/main" xmlns="" w="9525">
+                <a14:hiddenLine xmlns="" xmlns:a14="http://schemas.microsoft.com/office/drawing/2010/main" w="9525">
                   <a:solidFill>
                     <a:srgbClr val="000000"/>
                   </a:solidFill>
@@ -3520,7 +3525,7 @@
             </a:ln>
             <a:extLst>
               <a:ext uri="{91240B29-F687-4f45-9708-019B960494DF}">
-                <a14:hiddenLine xmlns:a14="http://schemas.microsoft.com/office/drawing/2010/main" xmlns="" w="9525">
+                <a14:hiddenLine xmlns="" xmlns:a14="http://schemas.microsoft.com/office/drawing/2010/main" w="9525">
                   <a:solidFill>
                     <a:srgbClr val="000000"/>
                   </a:solidFill>
@@ -3610,7 +3615,7 @@
             </a:ln>
             <a:extLst>
               <a:ext uri="{91240B29-F687-4f45-9708-019B960494DF}">
-                <a14:hiddenLine xmlns:a14="http://schemas.microsoft.com/office/drawing/2010/main" xmlns="" w="9525">
+                <a14:hiddenLine xmlns="" xmlns:a14="http://schemas.microsoft.com/office/drawing/2010/main" w="9525">
                   <a:solidFill>
                     <a:srgbClr val="000000"/>
                   </a:solidFill>
@@ -3675,7 +3680,7 @@
             </a:ln>
             <a:extLst>
               <a:ext uri="{91240B29-F687-4f45-9708-019B960494DF}">
-                <a14:hiddenLine xmlns:a14="http://schemas.microsoft.com/office/drawing/2010/main" xmlns="" w="9525">
+                <a14:hiddenLine xmlns="" xmlns:a14="http://schemas.microsoft.com/office/drawing/2010/main" w="9525">
                   <a:solidFill>
                     <a:srgbClr val="000000"/>
                   </a:solidFill>
@@ -3737,7 +3742,7 @@
             </a:ln>
             <a:extLst>
               <a:ext uri="{91240B29-F687-4f45-9708-019B960494DF}">
-                <a14:hiddenLine xmlns:a14="http://schemas.microsoft.com/office/drawing/2010/main" xmlns="" w="9525">
+                <a14:hiddenLine xmlns="" xmlns:a14="http://schemas.microsoft.com/office/drawing/2010/main" w="9525">
                   <a:solidFill>
                     <a:srgbClr val="000000"/>
                   </a:solidFill>
@@ -3827,7 +3832,7 @@
             </a:ln>
             <a:extLst>
               <a:ext uri="{91240B29-F687-4f45-9708-019B960494DF}">
-                <a14:hiddenLine xmlns:a14="http://schemas.microsoft.com/office/drawing/2010/main" xmlns="" w="9525">
+                <a14:hiddenLine xmlns="" xmlns:a14="http://schemas.microsoft.com/office/drawing/2010/main" w="9525">
                   <a:solidFill>
                     <a:srgbClr val="000000"/>
                   </a:solidFill>
@@ -3917,7 +3922,7 @@
             </a:ln>
             <a:extLst>
               <a:ext uri="{91240B29-F687-4f45-9708-019B960494DF}">
-                <a14:hiddenLine xmlns:a14="http://schemas.microsoft.com/office/drawing/2010/main" xmlns="" w="9525">
+                <a14:hiddenLine xmlns="" xmlns:a14="http://schemas.microsoft.com/office/drawing/2010/main" w="9525">
                   <a:solidFill>
                     <a:srgbClr val="000000"/>
                   </a:solidFill>
@@ -3979,7 +3984,7 @@
             </a:ln>
             <a:extLst>
               <a:ext uri="{91240B29-F687-4f45-9708-019B960494DF}">
-                <a14:hiddenLine xmlns:a14="http://schemas.microsoft.com/office/drawing/2010/main" xmlns="" w="9525">
+                <a14:hiddenLine xmlns="" xmlns:a14="http://schemas.microsoft.com/office/drawing/2010/main" w="9525">
                   <a:solidFill>
                     <a:srgbClr val="000000"/>
                   </a:solidFill>
@@ -4099,7 +4104,7 @@
             </a:ln>
             <a:extLst>
               <a:ext uri="{91240B29-F687-4f45-9708-019B960494DF}">
-                <a14:hiddenLine xmlns:a14="http://schemas.microsoft.com/office/drawing/2010/main" xmlns="" w="9525">
+                <a14:hiddenLine xmlns="" xmlns:a14="http://schemas.microsoft.com/office/drawing/2010/main" w="9525">
                   <a:solidFill>
                     <a:srgbClr val="000000"/>
                   </a:solidFill>
@@ -4167,7 +4172,7 @@
             </a:ln>
             <a:extLst>
               <a:ext uri="{91240B29-F687-4f45-9708-019B960494DF}">
-                <a14:hiddenLine xmlns:a14="http://schemas.microsoft.com/office/drawing/2010/main" xmlns="" w="9525">
+                <a14:hiddenLine xmlns="" xmlns:a14="http://schemas.microsoft.com/office/drawing/2010/main" w="9525">
                   <a:solidFill>
                     <a:srgbClr val="000000"/>
                   </a:solidFill>
@@ -4257,7 +4262,7 @@
             </a:ln>
             <a:extLst>
               <a:ext uri="{91240B29-F687-4f45-9708-019B960494DF}">
-                <a14:hiddenLine xmlns:a14="http://schemas.microsoft.com/office/drawing/2010/main" xmlns="" w="9525">
+                <a14:hiddenLine xmlns="" xmlns:a14="http://schemas.microsoft.com/office/drawing/2010/main" w="9525">
                   <a:solidFill>
                     <a:srgbClr val="000000"/>
                   </a:solidFill>
@@ -4397,7 +4402,7 @@
           <a:p>
             <a:fld id="{48A87A34-81AB-432B-8DAE-1953F412C126}" type="datetimeFigureOut">
               <a:rPr lang="en-US" dirty="0"/>
-              <a:t>12/3/2016</a:t>
+              <a:t>12/5/16</a:t>
             </a:fld>
             <a:endParaRPr lang="en-US" dirty="0"/>
           </a:p>
@@ -4659,7 +4664,7 @@
           <a:p>
             <a:fld id="{48A87A34-81AB-432B-8DAE-1953F412C126}" type="datetimeFigureOut">
               <a:rPr lang="en-US" dirty="0"/>
-              <a:t>12/3/2016</a:t>
+              <a:t>12/5/16</a:t>
             </a:fld>
             <a:endParaRPr lang="en-US" dirty="0"/>
           </a:p>
@@ -4850,7 +4855,7 @@
           <a:p>
             <a:fld id="{48A87A34-81AB-432B-8DAE-1953F412C126}" type="datetimeFigureOut">
               <a:rPr lang="en-US" dirty="0"/>
-              <a:t>12/3/2016</a:t>
+              <a:t>12/5/16</a:t>
             </a:fld>
             <a:endParaRPr lang="en-US" dirty="0"/>
           </a:p>
@@ -5108,7 +5113,7 @@
           <a:p>
             <a:fld id="{48A87A34-81AB-432B-8DAE-1953F412C126}" type="datetimeFigureOut">
               <a:rPr lang="en-US" dirty="0"/>
-              <a:t>12/3/2016</a:t>
+              <a:t>12/5/16</a:t>
             </a:fld>
             <a:endParaRPr lang="en-US" dirty="0"/>
           </a:p>
@@ -5537,7 +5542,7 @@
           <a:p>
             <a:fld id="{48A87A34-81AB-432B-8DAE-1953F412C126}" type="datetimeFigureOut">
               <a:rPr lang="en-US" dirty="0"/>
-              <a:t>12/3/2016</a:t>
+              <a:t>12/5/16</a:t>
             </a:fld>
             <a:endParaRPr lang="en-US" dirty="0"/>
           </a:p>
@@ -6078,7 +6083,7 @@
           <a:p>
             <a:fld id="{48A87A34-81AB-432B-8DAE-1953F412C126}" type="datetimeFigureOut">
               <a:rPr lang="en-US" dirty="0"/>
-              <a:t>12/3/2016</a:t>
+              <a:t>12/5/16</a:t>
             </a:fld>
             <a:endParaRPr lang="en-US" dirty="0"/>
           </a:p>
@@ -6793,7 +6798,7 @@
           <a:p>
             <a:fld id="{48A87A34-81AB-432B-8DAE-1953F412C126}" type="datetimeFigureOut">
               <a:rPr lang="en-US" dirty="0"/>
-              <a:t>12/3/2016</a:t>
+              <a:t>12/5/16</a:t>
             </a:fld>
             <a:endParaRPr lang="en-US" dirty="0"/>
           </a:p>
@@ -6958,7 +6963,7 @@
           <a:p>
             <a:fld id="{48A87A34-81AB-432B-8DAE-1953F412C126}" type="datetimeFigureOut">
               <a:rPr lang="en-US" dirty="0"/>
-              <a:t>12/3/2016</a:t>
+              <a:t>12/5/16</a:t>
             </a:fld>
             <a:endParaRPr lang="en-US" dirty="0"/>
           </a:p>
@@ -7133,7 +7138,7 @@
           <a:p>
             <a:fld id="{48A87A34-81AB-432B-8DAE-1953F412C126}" type="datetimeFigureOut">
               <a:rPr lang="en-US" dirty="0"/>
-              <a:t>12/3/2016</a:t>
+              <a:t>12/5/16</a:t>
             </a:fld>
             <a:endParaRPr lang="en-US" dirty="0"/>
           </a:p>
@@ -7298,7 +7303,7 @@
           <a:p>
             <a:fld id="{48A87A34-81AB-432B-8DAE-1953F412C126}" type="datetimeFigureOut">
               <a:rPr lang="en-US" dirty="0"/>
-              <a:t>12/3/2016</a:t>
+              <a:t>12/5/16</a:t>
             </a:fld>
             <a:endParaRPr lang="en-US" dirty="0"/>
           </a:p>
@@ -7543,7 +7548,7 @@
           <a:p>
             <a:fld id="{48A87A34-81AB-432B-8DAE-1953F412C126}" type="datetimeFigureOut">
               <a:rPr lang="en-US" dirty="0"/>
-              <a:t>12/3/2016</a:t>
+              <a:t>12/5/16</a:t>
             </a:fld>
             <a:endParaRPr lang="en-US" dirty="0"/>
           </a:p>
@@ -7770,7 +7775,7 @@
           <a:p>
             <a:fld id="{48A87A34-81AB-432B-8DAE-1953F412C126}" type="datetimeFigureOut">
               <a:rPr lang="en-US" dirty="0"/>
-              <a:t>12/3/2016</a:t>
+              <a:t>12/5/16</a:t>
             </a:fld>
             <a:endParaRPr lang="en-US" dirty="0"/>
           </a:p>
@@ -8146,7 +8151,7 @@
           <a:p>
             <a:fld id="{48A87A34-81AB-432B-8DAE-1953F412C126}" type="datetimeFigureOut">
               <a:rPr lang="en-US" dirty="0"/>
-              <a:t>12/3/2016</a:t>
+              <a:t>12/5/16</a:t>
             </a:fld>
             <a:endParaRPr lang="en-US" dirty="0"/>
           </a:p>
@@ -8259,7 +8264,7 @@
           <a:p>
             <a:fld id="{48A87A34-81AB-432B-8DAE-1953F412C126}" type="datetimeFigureOut">
               <a:rPr lang="en-US" dirty="0"/>
-              <a:t>12/3/2016</a:t>
+              <a:t>12/5/16</a:t>
             </a:fld>
             <a:endParaRPr lang="en-US" dirty="0"/>
           </a:p>
@@ -8349,7 +8354,7 @@
           <a:p>
             <a:fld id="{48A87A34-81AB-432B-8DAE-1953F412C126}" type="datetimeFigureOut">
               <a:rPr lang="en-US" dirty="0"/>
-              <a:t>12/3/2016</a:t>
+              <a:t>12/5/16</a:t>
             </a:fld>
             <a:endParaRPr lang="en-US" dirty="0"/>
           </a:p>
@@ -8593,7 +8598,7 @@
           <a:p>
             <a:fld id="{48A87A34-81AB-432B-8DAE-1953F412C126}" type="datetimeFigureOut">
               <a:rPr lang="en-US" dirty="0"/>
-              <a:t>12/3/2016</a:t>
+              <a:t>12/5/16</a:t>
             </a:fld>
             <a:endParaRPr lang="en-US" dirty="0"/>
           </a:p>
@@ -8868,7 +8873,7 @@
           <a:p>
             <a:fld id="{48A87A34-81AB-432B-8DAE-1953F412C126}" type="datetimeFigureOut">
               <a:rPr lang="en-US" dirty="0"/>
-              <a:t>12/3/2016</a:t>
+              <a:t>12/5/16</a:t>
             </a:fld>
             <a:endParaRPr lang="en-US" dirty="0"/>
           </a:p>
@@ -8986,7 +8991,7 @@
           <a:noFill/>
           <a:extLst>
             <a:ext uri="{909E8E84-426E-40dd-AFC4-6F175D3DCCD1}">
-              <a14:hiddenFill xmlns:a14="http://schemas.microsoft.com/office/drawing/2010/main" xmlns="">
+              <a14:hiddenFill xmlns="" xmlns:a14="http://schemas.microsoft.com/office/drawing/2010/main">
                 <a:solidFill>
                   <a:srgbClr val="FFFFFF"/>
                 </a:solidFill>
@@ -9060,7 +9065,7 @@
               </a:ln>
               <a:extLst>
                 <a:ext uri="{91240B29-F687-4f45-9708-019B960494DF}">
-                  <a14:hiddenLine xmlns:a14="http://schemas.microsoft.com/office/drawing/2010/main" xmlns="" w="9525">
+                  <a14:hiddenLine xmlns="" xmlns:a14="http://schemas.microsoft.com/office/drawing/2010/main" w="9525">
                     <a:solidFill>
                       <a:srgbClr val="000000"/>
                     </a:solidFill>
@@ -9150,7 +9155,7 @@
               </a:ln>
               <a:extLst>
                 <a:ext uri="{91240B29-F687-4f45-9708-019B960494DF}">
-                  <a14:hiddenLine xmlns:a14="http://schemas.microsoft.com/office/drawing/2010/main" xmlns="" w="9525">
+                  <a14:hiddenLine xmlns="" xmlns:a14="http://schemas.microsoft.com/office/drawing/2010/main" w="9525">
                     <a:solidFill>
                       <a:srgbClr val="000000"/>
                     </a:solidFill>
@@ -9240,7 +9245,7 @@
               </a:ln>
               <a:extLst>
                 <a:ext uri="{91240B29-F687-4f45-9708-019B960494DF}">
-                  <a14:hiddenLine xmlns:a14="http://schemas.microsoft.com/office/drawing/2010/main" xmlns="" w="9525">
+                  <a14:hiddenLine xmlns="" xmlns:a14="http://schemas.microsoft.com/office/drawing/2010/main" w="9525">
                     <a:solidFill>
                       <a:srgbClr val="000000"/>
                     </a:solidFill>
@@ -9302,7 +9307,7 @@
               </a:ln>
               <a:extLst>
                 <a:ext uri="{91240B29-F687-4f45-9708-019B960494DF}">
-                  <a14:hiddenLine xmlns:a14="http://schemas.microsoft.com/office/drawing/2010/main" xmlns="" w="9525">
+                  <a14:hiddenLine xmlns="" xmlns:a14="http://schemas.microsoft.com/office/drawing/2010/main" w="9525">
                     <a:solidFill>
                       <a:srgbClr val="000000"/>
                     </a:solidFill>
@@ -9392,7 +9397,7 @@
               </a:ln>
               <a:extLst>
                 <a:ext uri="{91240B29-F687-4f45-9708-019B960494DF}">
-                  <a14:hiddenLine xmlns:a14="http://schemas.microsoft.com/office/drawing/2010/main" xmlns="" w="9525">
+                  <a14:hiddenLine xmlns="" xmlns:a14="http://schemas.microsoft.com/office/drawing/2010/main" w="9525">
                     <a:solidFill>
                       <a:srgbClr val="000000"/>
                     </a:solidFill>
@@ -9454,7 +9459,7 @@
               </a:ln>
               <a:extLst>
                 <a:ext uri="{91240B29-F687-4f45-9708-019B960494DF}">
-                  <a14:hiddenLine xmlns:a14="http://schemas.microsoft.com/office/drawing/2010/main" xmlns="" w="9525">
+                  <a14:hiddenLine xmlns="" xmlns:a14="http://schemas.microsoft.com/office/drawing/2010/main" w="9525">
                     <a:solidFill>
                       <a:srgbClr val="000000"/>
                     </a:solidFill>
@@ -9516,7 +9521,7 @@
               </a:ln>
               <a:extLst>
                 <a:ext uri="{91240B29-F687-4f45-9708-019B960494DF}">
-                  <a14:hiddenLine xmlns:a14="http://schemas.microsoft.com/office/drawing/2010/main" xmlns="" w="9525">
+                  <a14:hiddenLine xmlns="" xmlns:a14="http://schemas.microsoft.com/office/drawing/2010/main" w="9525">
                     <a:solidFill>
                       <a:srgbClr val="000000"/>
                     </a:solidFill>
@@ -9606,7 +9611,7 @@
               </a:ln>
               <a:extLst>
                 <a:ext uri="{91240B29-F687-4f45-9708-019B960494DF}">
-                  <a14:hiddenLine xmlns:a14="http://schemas.microsoft.com/office/drawing/2010/main" xmlns="" w="9525">
+                  <a14:hiddenLine xmlns="" xmlns:a14="http://schemas.microsoft.com/office/drawing/2010/main" w="9525">
                     <a:solidFill>
                       <a:srgbClr val="000000"/>
                     </a:solidFill>
@@ -9696,7 +9701,7 @@
               </a:ln>
               <a:extLst>
                 <a:ext uri="{91240B29-F687-4f45-9708-019B960494DF}">
-                  <a14:hiddenLine xmlns:a14="http://schemas.microsoft.com/office/drawing/2010/main" xmlns="" w="9525">
+                  <a14:hiddenLine xmlns="" xmlns:a14="http://schemas.microsoft.com/office/drawing/2010/main" w="9525">
                     <a:solidFill>
                       <a:srgbClr val="000000"/>
                     </a:solidFill>
@@ -9758,7 +9763,7 @@
               </a:ln>
               <a:extLst>
                 <a:ext uri="{91240B29-F687-4f45-9708-019B960494DF}">
-                  <a14:hiddenLine xmlns:a14="http://schemas.microsoft.com/office/drawing/2010/main" xmlns="" w="9525">
+                  <a14:hiddenLine xmlns="" xmlns:a14="http://schemas.microsoft.com/office/drawing/2010/main" w="9525">
                     <a:solidFill>
                       <a:srgbClr val="000000"/>
                     </a:solidFill>
@@ -9868,7 +9873,7 @@
               </a:ln>
               <a:extLst>
                 <a:ext uri="{91240B29-F687-4f45-9708-019B960494DF}">
-                  <a14:hiddenLine xmlns:a14="http://schemas.microsoft.com/office/drawing/2010/main" xmlns="" w="9525">
+                  <a14:hiddenLine xmlns="" xmlns:a14="http://schemas.microsoft.com/office/drawing/2010/main" w="9525">
                     <a:solidFill>
                       <a:srgbClr val="000000"/>
                     </a:solidFill>
@@ -9952,7 +9957,7 @@
               </a:ln>
               <a:extLst>
                 <a:ext uri="{91240B29-F687-4f45-9708-019B960494DF}">
-                  <a14:hiddenLine xmlns:a14="http://schemas.microsoft.com/office/drawing/2010/main" xmlns="" w="9525">
+                  <a14:hiddenLine xmlns="" xmlns:a14="http://schemas.microsoft.com/office/drawing/2010/main" w="9525">
                     <a:solidFill>
                       <a:srgbClr val="000000"/>
                     </a:solidFill>
@@ -10014,7 +10019,7 @@
               </a:ln>
               <a:extLst>
                 <a:ext uri="{91240B29-F687-4f45-9708-019B960494DF}">
-                  <a14:hiddenLine xmlns:a14="http://schemas.microsoft.com/office/drawing/2010/main" xmlns="" w="9525">
+                  <a14:hiddenLine xmlns="" xmlns:a14="http://schemas.microsoft.com/office/drawing/2010/main" w="9525">
                     <a:solidFill>
                       <a:srgbClr val="000000"/>
                     </a:solidFill>
@@ -10076,7 +10081,7 @@
               </a:ln>
               <a:extLst>
                 <a:ext uri="{91240B29-F687-4f45-9708-019B960494DF}">
-                  <a14:hiddenLine xmlns:a14="http://schemas.microsoft.com/office/drawing/2010/main" xmlns="" w="9525">
+                  <a14:hiddenLine xmlns="" xmlns:a14="http://schemas.microsoft.com/office/drawing/2010/main" w="9525">
                     <a:solidFill>
                       <a:srgbClr val="000000"/>
                     </a:solidFill>
@@ -10166,7 +10171,7 @@
               </a:ln>
               <a:extLst>
                 <a:ext uri="{91240B29-F687-4f45-9708-019B960494DF}">
-                  <a14:hiddenLine xmlns:a14="http://schemas.microsoft.com/office/drawing/2010/main" xmlns="" w="9525">
+                  <a14:hiddenLine xmlns="" xmlns:a14="http://schemas.microsoft.com/office/drawing/2010/main" w="9525">
                     <a:solidFill>
                       <a:srgbClr val="000000"/>
                     </a:solidFill>
@@ -10200,7 +10205,7 @@
               </a:ln>
               <a:extLst>
                 <a:ext uri="{91240B29-F687-4f45-9708-019B960494DF}">
-                  <a14:hiddenLine xmlns:a14="http://schemas.microsoft.com/office/drawing/2010/main" xmlns="" w="9525">
+                  <a14:hiddenLine xmlns="" xmlns:a14="http://schemas.microsoft.com/office/drawing/2010/main" w="9525">
                     <a:solidFill>
                       <a:srgbClr val="000000"/>
                     </a:solidFill>
@@ -10265,7 +10270,7 @@
               </a:ln>
               <a:extLst>
                 <a:ext uri="{91240B29-F687-4f45-9708-019B960494DF}">
-                  <a14:hiddenLine xmlns:a14="http://schemas.microsoft.com/office/drawing/2010/main" xmlns="" w="9525">
+                  <a14:hiddenLine xmlns="" xmlns:a14="http://schemas.microsoft.com/office/drawing/2010/main" w="9525">
                     <a:solidFill>
                       <a:srgbClr val="000000"/>
                     </a:solidFill>
@@ -10355,7 +10360,7 @@
               </a:ln>
               <a:extLst>
                 <a:ext uri="{91240B29-F687-4f45-9708-019B960494DF}">
-                  <a14:hiddenLine xmlns:a14="http://schemas.microsoft.com/office/drawing/2010/main" xmlns="" w="9525">
+                  <a14:hiddenLine xmlns="" xmlns:a14="http://schemas.microsoft.com/office/drawing/2010/main" w="9525">
                     <a:solidFill>
                       <a:srgbClr val="000000"/>
                     </a:solidFill>
@@ -10417,7 +10422,7 @@
               </a:ln>
               <a:extLst>
                 <a:ext uri="{91240B29-F687-4f45-9708-019B960494DF}">
-                  <a14:hiddenLine xmlns:a14="http://schemas.microsoft.com/office/drawing/2010/main" xmlns="" w="9525">
+                  <a14:hiddenLine xmlns="" xmlns:a14="http://schemas.microsoft.com/office/drawing/2010/main" w="9525">
                     <a:solidFill>
                       <a:srgbClr val="000000"/>
                     </a:solidFill>
@@ -10507,7 +10512,7 @@
               </a:ln>
               <a:extLst>
                 <a:ext uri="{91240B29-F687-4f45-9708-019B960494DF}">
-                  <a14:hiddenLine xmlns:a14="http://schemas.microsoft.com/office/drawing/2010/main" xmlns="" w="9525">
+                  <a14:hiddenLine xmlns="" xmlns:a14="http://schemas.microsoft.com/office/drawing/2010/main" w="9525">
                     <a:solidFill>
                       <a:srgbClr val="000000"/>
                     </a:solidFill>
@@ -10572,7 +10577,7 @@
               </a:ln>
               <a:extLst>
                 <a:ext uri="{91240B29-F687-4f45-9708-019B960494DF}">
-                  <a14:hiddenLine xmlns:a14="http://schemas.microsoft.com/office/drawing/2010/main" xmlns="" w="9525">
+                  <a14:hiddenLine xmlns="" xmlns:a14="http://schemas.microsoft.com/office/drawing/2010/main" w="9525">
                     <a:solidFill>
                       <a:srgbClr val="000000"/>
                     </a:solidFill>
@@ -10634,7 +10639,7 @@
               </a:ln>
               <a:extLst>
                 <a:ext uri="{91240B29-F687-4f45-9708-019B960494DF}">
-                  <a14:hiddenLine xmlns:a14="http://schemas.microsoft.com/office/drawing/2010/main" xmlns="" w="9525">
+                  <a14:hiddenLine xmlns="" xmlns:a14="http://schemas.microsoft.com/office/drawing/2010/main" w="9525">
                     <a:solidFill>
                       <a:srgbClr val="000000"/>
                     </a:solidFill>
@@ -10724,7 +10729,7 @@
               </a:ln>
               <a:extLst>
                 <a:ext uri="{91240B29-F687-4f45-9708-019B960494DF}">
-                  <a14:hiddenLine xmlns:a14="http://schemas.microsoft.com/office/drawing/2010/main" xmlns="" w="9525">
+                  <a14:hiddenLine xmlns="" xmlns:a14="http://schemas.microsoft.com/office/drawing/2010/main" w="9525">
                     <a:solidFill>
                       <a:srgbClr val="000000"/>
                     </a:solidFill>
@@ -10814,7 +10819,7 @@
               </a:ln>
               <a:extLst>
                 <a:ext uri="{91240B29-F687-4f45-9708-019B960494DF}">
-                  <a14:hiddenLine xmlns:a14="http://schemas.microsoft.com/office/drawing/2010/main" xmlns="" w="9525">
+                  <a14:hiddenLine xmlns="" xmlns:a14="http://schemas.microsoft.com/office/drawing/2010/main" w="9525">
                     <a:solidFill>
                       <a:srgbClr val="000000"/>
                     </a:solidFill>
@@ -10879,7 +10884,7 @@
               </a:ln>
               <a:extLst>
                 <a:ext uri="{91240B29-F687-4f45-9708-019B960494DF}">
-                  <a14:hiddenLine xmlns:a14="http://schemas.microsoft.com/office/drawing/2010/main" xmlns="" w="9525">
+                  <a14:hiddenLine xmlns="" xmlns:a14="http://schemas.microsoft.com/office/drawing/2010/main" w="9525">
                     <a:solidFill>
                       <a:srgbClr val="000000"/>
                     </a:solidFill>
@@ -10999,7 +11004,7 @@
               </a:ln>
               <a:extLst>
                 <a:ext uri="{91240B29-F687-4f45-9708-019B960494DF}">
-                  <a14:hiddenLine xmlns:a14="http://schemas.microsoft.com/office/drawing/2010/main" xmlns="" w="9525">
+                  <a14:hiddenLine xmlns="" xmlns:a14="http://schemas.microsoft.com/office/drawing/2010/main" w="9525">
                     <a:solidFill>
                       <a:srgbClr val="000000"/>
                     </a:solidFill>
@@ -11080,7 +11085,7 @@
               </a:ln>
               <a:extLst>
                 <a:ext uri="{91240B29-F687-4f45-9708-019B960494DF}">
-                  <a14:hiddenLine xmlns:a14="http://schemas.microsoft.com/office/drawing/2010/main" xmlns="" w="9525">
+                  <a14:hiddenLine xmlns="" xmlns:a14="http://schemas.microsoft.com/office/drawing/2010/main" w="9525">
                     <a:solidFill>
                       <a:srgbClr val="000000"/>
                     </a:solidFill>
@@ -11195,7 +11200,7 @@
               </a:ln>
               <a:extLst>
                 <a:ext uri="{91240B29-F687-4f45-9708-019B960494DF}">
-                  <a14:hiddenLine xmlns:a14="http://schemas.microsoft.com/office/drawing/2010/main" xmlns="" w="9525">
+                  <a14:hiddenLine xmlns="" xmlns:a14="http://schemas.microsoft.com/office/drawing/2010/main" w="9525">
                     <a:solidFill>
                       <a:srgbClr val="000000"/>
                     </a:solidFill>
@@ -11285,7 +11290,7 @@
               </a:ln>
               <a:extLst>
                 <a:ext uri="{91240B29-F687-4f45-9708-019B960494DF}">
-                  <a14:hiddenLine xmlns:a14="http://schemas.microsoft.com/office/drawing/2010/main" xmlns="" w="9525">
+                  <a14:hiddenLine xmlns="" xmlns:a14="http://schemas.microsoft.com/office/drawing/2010/main" w="9525">
                     <a:solidFill>
                       <a:srgbClr val="000000"/>
                     </a:solidFill>
@@ -11350,7 +11355,7 @@
               </a:ln>
               <a:extLst>
                 <a:ext uri="{91240B29-F687-4f45-9708-019B960494DF}">
-                  <a14:hiddenLine xmlns:a14="http://schemas.microsoft.com/office/drawing/2010/main" xmlns="" w="9525">
+                  <a14:hiddenLine xmlns="" xmlns:a14="http://schemas.microsoft.com/office/drawing/2010/main" w="9525">
                     <a:solidFill>
                       <a:srgbClr val="000000"/>
                     </a:solidFill>
@@ -11440,7 +11445,7 @@
               </a:ln>
               <a:extLst>
                 <a:ext uri="{91240B29-F687-4f45-9708-019B960494DF}">
-                  <a14:hiddenLine xmlns:a14="http://schemas.microsoft.com/office/drawing/2010/main" xmlns="" w="9525">
+                  <a14:hiddenLine xmlns="" xmlns:a14="http://schemas.microsoft.com/office/drawing/2010/main" w="9525">
                     <a:solidFill>
                       <a:srgbClr val="000000"/>
                     </a:solidFill>
@@ -11508,7 +11513,7 @@
               </a:ln>
               <a:extLst>
                 <a:ext uri="{91240B29-F687-4f45-9708-019B960494DF}">
-                  <a14:hiddenLine xmlns:a14="http://schemas.microsoft.com/office/drawing/2010/main" xmlns="" w="9525">
+                  <a14:hiddenLine xmlns="" xmlns:a14="http://schemas.microsoft.com/office/drawing/2010/main" w="9525">
                     <a:solidFill>
                       <a:srgbClr val="000000"/>
                     </a:solidFill>
@@ -11598,7 +11603,7 @@
               </a:ln>
               <a:extLst>
                 <a:ext uri="{91240B29-F687-4f45-9708-019B960494DF}">
-                  <a14:hiddenLine xmlns:a14="http://schemas.microsoft.com/office/drawing/2010/main" xmlns="" w="9525">
+                  <a14:hiddenLine xmlns="" xmlns:a14="http://schemas.microsoft.com/office/drawing/2010/main" w="9525">
                     <a:solidFill>
                       <a:srgbClr val="000000"/>
                     </a:solidFill>
@@ -11666,7 +11671,7 @@
               </a:ln>
               <a:extLst>
                 <a:ext uri="{91240B29-F687-4f45-9708-019B960494DF}">
-                  <a14:hiddenLine xmlns:a14="http://schemas.microsoft.com/office/drawing/2010/main" xmlns="" w="9525">
+                  <a14:hiddenLine xmlns="" xmlns:a14="http://schemas.microsoft.com/office/drawing/2010/main" w="9525">
                     <a:solidFill>
                       <a:srgbClr val="000000"/>
                     </a:solidFill>
@@ -11756,7 +11761,7 @@
               </a:ln>
               <a:extLst>
                 <a:ext uri="{91240B29-F687-4f45-9708-019B960494DF}">
-                  <a14:hiddenLine xmlns:a14="http://schemas.microsoft.com/office/drawing/2010/main" xmlns="" w="9525">
+                  <a14:hiddenLine xmlns="" xmlns:a14="http://schemas.microsoft.com/office/drawing/2010/main" w="9525">
                     <a:solidFill>
                       <a:srgbClr val="000000"/>
                     </a:solidFill>
@@ -11790,7 +11795,7 @@
               </a:ln>
               <a:extLst>
                 <a:ext uri="{91240B29-F687-4f45-9708-019B960494DF}">
-                  <a14:hiddenLine xmlns:a14="http://schemas.microsoft.com/office/drawing/2010/main" xmlns="" w="9525">
+                  <a14:hiddenLine xmlns="" xmlns:a14="http://schemas.microsoft.com/office/drawing/2010/main" w="9525">
                     <a:solidFill>
                       <a:srgbClr val="000000"/>
                     </a:solidFill>
@@ -11931,7 +11936,7 @@
             <a:fld id="{48A87A34-81AB-432B-8DAE-1953F412C126}" type="datetimeFigureOut">
               <a:rPr lang="en-US" dirty="0"/>
               <a:pPr/>
-              <a:t>12/3/2016</a:t>
+              <a:t>12/5/16</a:t>
             </a:fld>
             <a:endParaRPr lang="en-US" dirty="0"/>
           </a:p>
@@ -12513,8 +12518,13 @@
           <a:p>
             <a:r>
               <a:rPr lang="en-US" dirty="0"/>
-              <a:t>Bootstrap CSS – for styling</a:t>
-            </a:r>
+              <a:t>Bootstrap CSS – for </a:t>
+            </a:r>
+            <a:r>
+              <a:rPr lang="en-US" dirty="0" smtClean="0"/>
+              <a:t>styling forms</a:t>
+            </a:r>
+            <a:endParaRPr lang="en-US" dirty="0"/>
           </a:p>
           <a:p>
             <a:r>
@@ -13197,13 +13207,30 @@
           </a:p>
           <a:p>
             <a:r>
-              <a:rPr lang="en-US" dirty="0" err="1"/>
-              <a:t>Mikah</a:t>
-            </a:r>
-            <a:r>
               <a:rPr lang="en-US" dirty="0"/>
-              <a:t>: Got us converted from basic CSS to Bootstrap, did the other few of the original pages shown at the midterm presentation.</a:t>
-            </a:r>
+              <a:t>Mikah: </a:t>
+            </a:r>
+            <a:r>
+              <a:rPr lang="en-US" dirty="0" smtClean="0"/>
+              <a:t>Applied Bootstrap to the form components, </a:t>
+            </a:r>
+            <a:r>
+              <a:rPr lang="en-US" dirty="0"/>
+              <a:t>did the other few of the original </a:t>
+            </a:r>
+            <a:r>
+              <a:rPr lang="en-US" dirty="0" smtClean="0"/>
+              <a:t>webpages </a:t>
+            </a:r>
+            <a:r>
+              <a:rPr lang="en-US" dirty="0"/>
+              <a:t>shown at the midterm presentation</a:t>
+            </a:r>
+            <a:r>
+              <a:rPr lang="en-US" dirty="0" smtClean="0"/>
+              <a:t>. Some front-end and the breadcrumbs.</a:t>
+            </a:r>
+            <a:endParaRPr lang="en-US" dirty="0"/>
           </a:p>
           <a:p>
             <a:r>

--- a/Course project.pptx
+++ b/Course project.pptx
@@ -112,6 +112,11 @@
       </a:defRPr>
     </a:lvl9pPr>
   </p:defaultTextStyle>
+  <p:extLst>
+    <p:ext uri="{EFAFB233-063F-42B5-8137-9DF3F51BA10A}">
+      <p15:sldGuideLst xmlns:p15="http://schemas.microsoft.com/office/powerpoint/2012/main"/>
+    </p:ext>
+  </p:extLst>
 </p:presentation>
 </file>
 
@@ -172,7 +177,7 @@
           <a:noFill/>
           <a:extLst>
             <a:ext uri="{909E8E84-426E-40dd-AFC4-6F175D3DCCD1}">
-              <a14:hiddenFill xmlns:a14="http://schemas.microsoft.com/office/drawing/2010/main" xmlns="">
+              <a14:hiddenFill xmlns="" xmlns:a14="http://schemas.microsoft.com/office/drawing/2010/main">
                 <a:solidFill>
                   <a:srgbClr val="FFFFFF"/>
                 </a:solidFill>
@@ -231,7 +236,7 @@
             </a:ln>
             <a:extLst>
               <a:ext uri="{91240B29-F687-4f45-9708-019B960494DF}">
-                <a14:hiddenLine xmlns:a14="http://schemas.microsoft.com/office/drawing/2010/main" xmlns="" w="9525">
+                <a14:hiddenLine xmlns="" xmlns:a14="http://schemas.microsoft.com/office/drawing/2010/main" w="9525">
                   <a:solidFill>
                     <a:srgbClr val="000000"/>
                   </a:solidFill>
@@ -321,7 +326,7 @@
             </a:ln>
             <a:extLst>
               <a:ext uri="{91240B29-F687-4f45-9708-019B960494DF}">
-                <a14:hiddenLine xmlns:a14="http://schemas.microsoft.com/office/drawing/2010/main" xmlns="" w="9525">
+                <a14:hiddenLine xmlns="" xmlns:a14="http://schemas.microsoft.com/office/drawing/2010/main" w="9525">
                   <a:solidFill>
                     <a:srgbClr val="000000"/>
                   </a:solidFill>
@@ -411,7 +416,7 @@
             </a:ln>
             <a:extLst>
               <a:ext uri="{91240B29-F687-4f45-9708-019B960494DF}">
-                <a14:hiddenLine xmlns:a14="http://schemas.microsoft.com/office/drawing/2010/main" xmlns="" w="9525">
+                <a14:hiddenLine xmlns="" xmlns:a14="http://schemas.microsoft.com/office/drawing/2010/main" w="9525">
                   <a:solidFill>
                     <a:srgbClr val="000000"/>
                   </a:solidFill>
@@ -445,7 +450,7 @@
             </a:ln>
             <a:extLst>
               <a:ext uri="{91240B29-F687-4f45-9708-019B960494DF}">
-                <a14:hiddenLine xmlns:a14="http://schemas.microsoft.com/office/drawing/2010/main" xmlns="" w="9525">
+                <a14:hiddenLine xmlns="" xmlns:a14="http://schemas.microsoft.com/office/drawing/2010/main" w="9525">
                   <a:solidFill>
                     <a:srgbClr val="000000"/>
                   </a:solidFill>
@@ -535,7 +540,7 @@
             </a:ln>
             <a:extLst>
               <a:ext uri="{91240B29-F687-4f45-9708-019B960494DF}">
-                <a14:hiddenLine xmlns:a14="http://schemas.microsoft.com/office/drawing/2010/main" xmlns="" w="9525">
+                <a14:hiddenLine xmlns="" xmlns:a14="http://schemas.microsoft.com/office/drawing/2010/main" w="9525">
                   <a:solidFill>
                     <a:srgbClr val="000000"/>
                   </a:solidFill>
@@ -597,7 +602,7 @@
             </a:ln>
             <a:extLst>
               <a:ext uri="{91240B29-F687-4f45-9708-019B960494DF}">
-                <a14:hiddenLine xmlns:a14="http://schemas.microsoft.com/office/drawing/2010/main" xmlns="" w="9525">
+                <a14:hiddenLine xmlns="" xmlns:a14="http://schemas.microsoft.com/office/drawing/2010/main" w="9525">
                   <a:solidFill>
                     <a:srgbClr val="000000"/>
                   </a:solidFill>
@@ -659,7 +664,7 @@
             </a:ln>
             <a:extLst>
               <a:ext uri="{91240B29-F687-4f45-9708-019B960494DF}">
-                <a14:hiddenLine xmlns:a14="http://schemas.microsoft.com/office/drawing/2010/main" xmlns="" w="9525">
+                <a14:hiddenLine xmlns="" xmlns:a14="http://schemas.microsoft.com/office/drawing/2010/main" w="9525">
                   <a:solidFill>
                     <a:srgbClr val="000000"/>
                   </a:solidFill>
@@ -749,7 +754,7 @@
             </a:ln>
             <a:extLst>
               <a:ext uri="{91240B29-F687-4f45-9708-019B960494DF}">
-                <a14:hiddenLine xmlns:a14="http://schemas.microsoft.com/office/drawing/2010/main" xmlns="" w="9525">
+                <a14:hiddenLine xmlns="" xmlns:a14="http://schemas.microsoft.com/office/drawing/2010/main" w="9525">
                   <a:solidFill>
                     <a:srgbClr val="000000"/>
                   </a:solidFill>
@@ -811,7 +816,7 @@
             </a:ln>
             <a:extLst>
               <a:ext uri="{91240B29-F687-4f45-9708-019B960494DF}">
-                <a14:hiddenLine xmlns:a14="http://schemas.microsoft.com/office/drawing/2010/main" xmlns="" w="9525">
+                <a14:hiddenLine xmlns="" xmlns:a14="http://schemas.microsoft.com/office/drawing/2010/main" w="9525">
                   <a:solidFill>
                     <a:srgbClr val="000000"/>
                   </a:solidFill>
@@ -873,7 +878,7 @@
             </a:ln>
             <a:extLst>
               <a:ext uri="{91240B29-F687-4f45-9708-019B960494DF}">
-                <a14:hiddenLine xmlns:a14="http://schemas.microsoft.com/office/drawing/2010/main" xmlns="" w="9525">
+                <a14:hiddenLine xmlns="" xmlns:a14="http://schemas.microsoft.com/office/drawing/2010/main" w="9525">
                   <a:solidFill>
                     <a:srgbClr val="000000"/>
                   </a:solidFill>
@@ -963,7 +968,7 @@
             </a:ln>
             <a:extLst>
               <a:ext uri="{91240B29-F687-4f45-9708-019B960494DF}">
-                <a14:hiddenLine xmlns:a14="http://schemas.microsoft.com/office/drawing/2010/main" xmlns="" w="9525">
+                <a14:hiddenLine xmlns="" xmlns:a14="http://schemas.microsoft.com/office/drawing/2010/main" w="9525">
                   <a:solidFill>
                     <a:srgbClr val="000000"/>
                   </a:solidFill>
@@ -1053,7 +1058,7 @@
             </a:ln>
             <a:extLst>
               <a:ext uri="{91240B29-F687-4f45-9708-019B960494DF}">
-                <a14:hiddenLine xmlns:a14="http://schemas.microsoft.com/office/drawing/2010/main" xmlns="" w="9525">
+                <a14:hiddenLine xmlns="" xmlns:a14="http://schemas.microsoft.com/office/drawing/2010/main" w="9525">
                   <a:solidFill>
                     <a:srgbClr val="000000"/>
                   </a:solidFill>
@@ -1115,7 +1120,7 @@
             </a:ln>
             <a:extLst>
               <a:ext uri="{91240B29-F687-4f45-9708-019B960494DF}">
-                <a14:hiddenLine xmlns:a14="http://schemas.microsoft.com/office/drawing/2010/main" xmlns="" w="9525">
+                <a14:hiddenLine xmlns="" xmlns:a14="http://schemas.microsoft.com/office/drawing/2010/main" w="9525">
                   <a:solidFill>
                     <a:srgbClr val="000000"/>
                   </a:solidFill>
@@ -1225,7 +1230,7 @@
             </a:ln>
             <a:extLst>
               <a:ext uri="{91240B29-F687-4f45-9708-019B960494DF}">
-                <a14:hiddenLine xmlns:a14="http://schemas.microsoft.com/office/drawing/2010/main" xmlns="" w="9525">
+                <a14:hiddenLine xmlns="" xmlns:a14="http://schemas.microsoft.com/office/drawing/2010/main" w="9525">
                   <a:solidFill>
                     <a:srgbClr val="000000"/>
                   </a:solidFill>
@@ -1287,7 +1292,7 @@
             </a:ln>
             <a:extLst>
               <a:ext uri="{91240B29-F687-4f45-9708-019B960494DF}">
-                <a14:hiddenLine xmlns:a14="http://schemas.microsoft.com/office/drawing/2010/main" xmlns="" w="9525">
+                <a14:hiddenLine xmlns="" xmlns:a14="http://schemas.microsoft.com/office/drawing/2010/main" w="9525">
                   <a:solidFill>
                     <a:srgbClr val="000000"/>
                   </a:solidFill>
@@ -1377,7 +1382,7 @@
             </a:ln>
             <a:extLst>
               <a:ext uri="{91240B29-F687-4f45-9708-019B960494DF}">
-                <a14:hiddenLine xmlns:a14="http://schemas.microsoft.com/office/drawing/2010/main" xmlns="" w="9525">
+                <a14:hiddenLine xmlns="" xmlns:a14="http://schemas.microsoft.com/office/drawing/2010/main" w="9525">
                   <a:solidFill>
                     <a:srgbClr val="000000"/>
                   </a:solidFill>
@@ -1467,7 +1472,7 @@
             </a:ln>
             <a:extLst>
               <a:ext uri="{91240B29-F687-4f45-9708-019B960494DF}">
-                <a14:hiddenLine xmlns:a14="http://schemas.microsoft.com/office/drawing/2010/main" xmlns="" w="9525">
+                <a14:hiddenLine xmlns="" xmlns:a14="http://schemas.microsoft.com/office/drawing/2010/main" w="9525">
                   <a:solidFill>
                     <a:srgbClr val="000000"/>
                   </a:solidFill>
@@ -1529,7 +1534,7 @@
             </a:ln>
             <a:extLst>
               <a:ext uri="{91240B29-F687-4f45-9708-019B960494DF}">
-                <a14:hiddenLine xmlns:a14="http://schemas.microsoft.com/office/drawing/2010/main" xmlns="" w="9525">
+                <a14:hiddenLine xmlns="" xmlns:a14="http://schemas.microsoft.com/office/drawing/2010/main" w="9525">
                   <a:solidFill>
                     <a:srgbClr val="000000"/>
                   </a:solidFill>
@@ -1619,7 +1624,7 @@
             </a:ln>
             <a:extLst>
               <a:ext uri="{91240B29-F687-4f45-9708-019B960494DF}">
-                <a14:hiddenLine xmlns:a14="http://schemas.microsoft.com/office/drawing/2010/main" xmlns="" w="9525">
+                <a14:hiddenLine xmlns="" xmlns:a14="http://schemas.microsoft.com/office/drawing/2010/main" w="9525">
                   <a:solidFill>
                     <a:srgbClr val="000000"/>
                   </a:solidFill>
@@ -1709,7 +1714,7 @@
             </a:ln>
             <a:extLst>
               <a:ext uri="{91240B29-F687-4f45-9708-019B960494DF}">
-                <a14:hiddenLine xmlns:a14="http://schemas.microsoft.com/office/drawing/2010/main" xmlns="" w="9525">
+                <a14:hiddenLine xmlns="" xmlns:a14="http://schemas.microsoft.com/office/drawing/2010/main" w="9525">
                   <a:solidFill>
                     <a:srgbClr val="000000"/>
                   </a:solidFill>
@@ -1765,7 +1770,7 @@
             </a:ln>
             <a:extLst>
               <a:ext uri="{91240B29-F687-4f45-9708-019B960494DF}">
-                <a14:hiddenLine xmlns:a14="http://schemas.microsoft.com/office/drawing/2010/main" xmlns="" w="9525">
+                <a14:hiddenLine xmlns="" xmlns:a14="http://schemas.microsoft.com/office/drawing/2010/main" w="9525">
                   <a:solidFill>
                     <a:srgbClr val="000000"/>
                   </a:solidFill>
@@ -1855,7 +1860,7 @@
             </a:ln>
             <a:extLst>
               <a:ext uri="{91240B29-F687-4f45-9708-019B960494DF}">
-                <a14:hiddenLine xmlns:a14="http://schemas.microsoft.com/office/drawing/2010/main" xmlns="" w="9525">
+                <a14:hiddenLine xmlns="" xmlns:a14="http://schemas.microsoft.com/office/drawing/2010/main" w="9525">
                   <a:solidFill>
                     <a:srgbClr val="000000"/>
                   </a:solidFill>
@@ -1911,7 +1916,7 @@
             </a:ln>
             <a:extLst>
               <a:ext uri="{91240B29-F687-4f45-9708-019B960494DF}">
-                <a14:hiddenLine xmlns:a14="http://schemas.microsoft.com/office/drawing/2010/main" xmlns="" w="9525">
+                <a14:hiddenLine xmlns="" xmlns:a14="http://schemas.microsoft.com/office/drawing/2010/main" w="9525">
                   <a:solidFill>
                     <a:srgbClr val="000000"/>
                   </a:solidFill>
@@ -2001,7 +2006,7 @@
             </a:ln>
             <a:extLst>
               <a:ext uri="{91240B29-F687-4f45-9708-019B960494DF}">
-                <a14:hiddenLine xmlns:a14="http://schemas.microsoft.com/office/drawing/2010/main" xmlns="" w="9525">
+                <a14:hiddenLine xmlns="" xmlns:a14="http://schemas.microsoft.com/office/drawing/2010/main" w="9525">
                   <a:solidFill>
                     <a:srgbClr val="000000"/>
                   </a:solidFill>
@@ -2069,7 +2074,7 @@
             </a:ln>
             <a:extLst>
               <a:ext uri="{91240B29-F687-4f45-9708-019B960494DF}">
-                <a14:hiddenLine xmlns:a14="http://schemas.microsoft.com/office/drawing/2010/main" xmlns="" w="9525">
+                <a14:hiddenLine xmlns="" xmlns:a14="http://schemas.microsoft.com/office/drawing/2010/main" w="9525">
                   <a:solidFill>
                     <a:srgbClr val="000000"/>
                   </a:solidFill>
@@ -2159,7 +2164,7 @@
             </a:ln>
             <a:extLst>
               <a:ext uri="{91240B29-F687-4f45-9708-019B960494DF}">
-                <a14:hiddenLine xmlns:a14="http://schemas.microsoft.com/office/drawing/2010/main" xmlns="" w="9525">
+                <a14:hiddenLine xmlns="" xmlns:a14="http://schemas.microsoft.com/office/drawing/2010/main" w="9525">
                   <a:solidFill>
                     <a:srgbClr val="000000"/>
                   </a:solidFill>
@@ -2227,7 +2232,7 @@
             </a:ln>
             <a:extLst>
               <a:ext uri="{91240B29-F687-4f45-9708-019B960494DF}">
-                <a14:hiddenLine xmlns:a14="http://schemas.microsoft.com/office/drawing/2010/main" xmlns="" w="9525">
+                <a14:hiddenLine xmlns="" xmlns:a14="http://schemas.microsoft.com/office/drawing/2010/main" w="9525">
                   <a:solidFill>
                     <a:srgbClr val="000000"/>
                   </a:solidFill>
@@ -2317,7 +2322,7 @@
             </a:ln>
             <a:extLst>
               <a:ext uri="{91240B29-F687-4f45-9708-019B960494DF}">
-                <a14:hiddenLine xmlns:a14="http://schemas.microsoft.com/office/drawing/2010/main" xmlns="" w="9525">
+                <a14:hiddenLine xmlns="" xmlns:a14="http://schemas.microsoft.com/office/drawing/2010/main" w="9525">
                   <a:solidFill>
                     <a:srgbClr val="000000"/>
                   </a:solidFill>
@@ -2351,7 +2356,7 @@
             </a:ln>
             <a:extLst>
               <a:ext uri="{91240B29-F687-4f45-9708-019B960494DF}">
-                <a14:hiddenLine xmlns:a14="http://schemas.microsoft.com/office/drawing/2010/main" xmlns="" w="9525">
+                <a14:hiddenLine xmlns="" xmlns:a14="http://schemas.microsoft.com/office/drawing/2010/main" w="9525">
                   <a:solidFill>
                     <a:srgbClr val="000000"/>
                   </a:solidFill>
@@ -2441,7 +2446,7 @@
             </a:ln>
             <a:extLst>
               <a:ext uri="{91240B29-F687-4f45-9708-019B960494DF}">
-                <a14:hiddenLine xmlns:a14="http://schemas.microsoft.com/office/drawing/2010/main" xmlns="" w="9525">
+                <a14:hiddenLine xmlns="" xmlns:a14="http://schemas.microsoft.com/office/drawing/2010/main" w="9525">
                   <a:solidFill>
                     <a:srgbClr val="000000"/>
                   </a:solidFill>
@@ -2503,7 +2508,7 @@
             </a:ln>
             <a:extLst>
               <a:ext uri="{91240B29-F687-4f45-9708-019B960494DF}">
-                <a14:hiddenLine xmlns:a14="http://schemas.microsoft.com/office/drawing/2010/main" xmlns="" w="9525">
+                <a14:hiddenLine xmlns="" xmlns:a14="http://schemas.microsoft.com/office/drawing/2010/main" w="9525">
                   <a:solidFill>
                     <a:srgbClr val="000000"/>
                   </a:solidFill>
@@ -2565,7 +2570,7 @@
             </a:ln>
             <a:extLst>
               <a:ext uri="{91240B29-F687-4f45-9708-019B960494DF}">
-                <a14:hiddenLine xmlns:a14="http://schemas.microsoft.com/office/drawing/2010/main" xmlns="" w="9525">
+                <a14:hiddenLine xmlns="" xmlns:a14="http://schemas.microsoft.com/office/drawing/2010/main" w="9525">
                   <a:solidFill>
                     <a:srgbClr val="000000"/>
                   </a:solidFill>
@@ -2655,7 +2660,7 @@
             </a:ln>
             <a:extLst>
               <a:ext uri="{91240B29-F687-4f45-9708-019B960494DF}">
-                <a14:hiddenLine xmlns:a14="http://schemas.microsoft.com/office/drawing/2010/main" xmlns="" w="9525">
+                <a14:hiddenLine xmlns="" xmlns:a14="http://schemas.microsoft.com/office/drawing/2010/main" w="9525">
                   <a:solidFill>
                     <a:srgbClr val="000000"/>
                   </a:solidFill>
@@ -2723,7 +2728,7 @@
             </a:ln>
             <a:extLst>
               <a:ext uri="{91240B29-F687-4f45-9708-019B960494DF}">
-                <a14:hiddenLine xmlns:a14="http://schemas.microsoft.com/office/drawing/2010/main" xmlns="" w="9525">
+                <a14:hiddenLine xmlns="" xmlns:a14="http://schemas.microsoft.com/office/drawing/2010/main" w="9525">
                   <a:solidFill>
                     <a:srgbClr val="000000"/>
                   </a:solidFill>
@@ -2785,7 +2790,7 @@
             </a:ln>
             <a:extLst>
               <a:ext uri="{91240B29-F687-4f45-9708-019B960494DF}">
-                <a14:hiddenLine xmlns:a14="http://schemas.microsoft.com/office/drawing/2010/main" xmlns="" w="9525">
+                <a14:hiddenLine xmlns="" xmlns:a14="http://schemas.microsoft.com/office/drawing/2010/main" w="9525">
                   <a:solidFill>
                     <a:srgbClr val="000000"/>
                   </a:solidFill>
@@ -2875,7 +2880,7 @@
             </a:ln>
             <a:extLst>
               <a:ext uri="{91240B29-F687-4f45-9708-019B960494DF}">
-                <a14:hiddenLine xmlns:a14="http://schemas.microsoft.com/office/drawing/2010/main" xmlns="" w="9525">
+                <a14:hiddenLine xmlns="" xmlns:a14="http://schemas.microsoft.com/office/drawing/2010/main" w="9525">
                   <a:solidFill>
                     <a:srgbClr val="000000"/>
                   </a:solidFill>
@@ -2937,7 +2942,7 @@
             </a:ln>
             <a:extLst>
               <a:ext uri="{91240B29-F687-4f45-9708-019B960494DF}">
-                <a14:hiddenLine xmlns:a14="http://schemas.microsoft.com/office/drawing/2010/main" xmlns="" w="9525">
+                <a14:hiddenLine xmlns="" xmlns:a14="http://schemas.microsoft.com/office/drawing/2010/main" w="9525">
                   <a:solidFill>
                     <a:srgbClr val="000000"/>
                   </a:solidFill>
@@ -3027,7 +3032,7 @@
             </a:ln>
             <a:extLst>
               <a:ext uri="{91240B29-F687-4f45-9708-019B960494DF}">
-                <a14:hiddenLine xmlns:a14="http://schemas.microsoft.com/office/drawing/2010/main" xmlns="" w="9525">
+                <a14:hiddenLine xmlns="" xmlns:a14="http://schemas.microsoft.com/office/drawing/2010/main" w="9525">
                   <a:solidFill>
                     <a:srgbClr val="000000"/>
                   </a:solidFill>
@@ -3089,7 +3094,7 @@
             </a:ln>
             <a:extLst>
               <a:ext uri="{91240B29-F687-4f45-9708-019B960494DF}">
-                <a14:hiddenLine xmlns:a14="http://schemas.microsoft.com/office/drawing/2010/main" xmlns="" w="9525">
+                <a14:hiddenLine xmlns="" xmlns:a14="http://schemas.microsoft.com/office/drawing/2010/main" w="9525">
                   <a:solidFill>
                     <a:srgbClr val="000000"/>
                   </a:solidFill>
@@ -3179,7 +3184,7 @@
             </a:ln>
             <a:extLst>
               <a:ext uri="{91240B29-F687-4f45-9708-019B960494DF}">
-                <a14:hiddenLine xmlns:a14="http://schemas.microsoft.com/office/drawing/2010/main" xmlns="" w="9525">
+                <a14:hiddenLine xmlns="" xmlns:a14="http://schemas.microsoft.com/office/drawing/2010/main" w="9525">
                   <a:solidFill>
                     <a:srgbClr val="000000"/>
                   </a:solidFill>
@@ -3213,7 +3218,7 @@
             </a:ln>
             <a:extLst>
               <a:ext uri="{91240B29-F687-4f45-9708-019B960494DF}">
-                <a14:hiddenLine xmlns:a14="http://schemas.microsoft.com/office/drawing/2010/main" xmlns="" w="9525">
+                <a14:hiddenLine xmlns="" xmlns:a14="http://schemas.microsoft.com/office/drawing/2010/main" w="9525">
                   <a:solidFill>
                     <a:srgbClr val="000000"/>
                   </a:solidFill>
@@ -3278,7 +3283,7 @@
             </a:ln>
             <a:extLst>
               <a:ext uri="{91240B29-F687-4f45-9708-019B960494DF}">
-                <a14:hiddenLine xmlns:a14="http://schemas.microsoft.com/office/drawing/2010/main" xmlns="" w="9525">
+                <a14:hiddenLine xmlns="" xmlns:a14="http://schemas.microsoft.com/office/drawing/2010/main" w="9525">
                   <a:solidFill>
                     <a:srgbClr val="000000"/>
                   </a:solidFill>
@@ -3368,7 +3373,7 @@
             </a:ln>
             <a:extLst>
               <a:ext uri="{91240B29-F687-4f45-9708-019B960494DF}">
-                <a14:hiddenLine xmlns:a14="http://schemas.microsoft.com/office/drawing/2010/main" xmlns="" w="9525">
+                <a14:hiddenLine xmlns="" xmlns:a14="http://schemas.microsoft.com/office/drawing/2010/main" w="9525">
                   <a:solidFill>
                     <a:srgbClr val="000000"/>
                   </a:solidFill>
@@ -3430,7 +3435,7 @@
             </a:ln>
             <a:extLst>
               <a:ext uri="{91240B29-F687-4f45-9708-019B960494DF}">
-                <a14:hiddenLine xmlns:a14="http://schemas.microsoft.com/office/drawing/2010/main" xmlns="" w="9525">
+                <a14:hiddenLine xmlns="" xmlns:a14="http://schemas.microsoft.com/office/drawing/2010/main" w="9525">
                   <a:solidFill>
                     <a:srgbClr val="000000"/>
                   </a:solidFill>
@@ -3520,7 +3525,7 @@
             </a:ln>
             <a:extLst>
               <a:ext uri="{91240B29-F687-4f45-9708-019B960494DF}">
-                <a14:hiddenLine xmlns:a14="http://schemas.microsoft.com/office/drawing/2010/main" xmlns="" w="9525">
+                <a14:hiddenLine xmlns="" xmlns:a14="http://schemas.microsoft.com/office/drawing/2010/main" w="9525">
                   <a:solidFill>
                     <a:srgbClr val="000000"/>
                   </a:solidFill>
@@ -3610,7 +3615,7 @@
             </a:ln>
             <a:extLst>
               <a:ext uri="{91240B29-F687-4f45-9708-019B960494DF}">
-                <a14:hiddenLine xmlns:a14="http://schemas.microsoft.com/office/drawing/2010/main" xmlns="" w="9525">
+                <a14:hiddenLine xmlns="" xmlns:a14="http://schemas.microsoft.com/office/drawing/2010/main" w="9525">
                   <a:solidFill>
                     <a:srgbClr val="000000"/>
                   </a:solidFill>
@@ -3675,7 +3680,7 @@
             </a:ln>
             <a:extLst>
               <a:ext uri="{91240B29-F687-4f45-9708-019B960494DF}">
-                <a14:hiddenLine xmlns:a14="http://schemas.microsoft.com/office/drawing/2010/main" xmlns="" w="9525">
+                <a14:hiddenLine xmlns="" xmlns:a14="http://schemas.microsoft.com/office/drawing/2010/main" w="9525">
                   <a:solidFill>
                     <a:srgbClr val="000000"/>
                   </a:solidFill>
@@ -3737,7 +3742,7 @@
             </a:ln>
             <a:extLst>
               <a:ext uri="{91240B29-F687-4f45-9708-019B960494DF}">
-                <a14:hiddenLine xmlns:a14="http://schemas.microsoft.com/office/drawing/2010/main" xmlns="" w="9525">
+                <a14:hiddenLine xmlns="" xmlns:a14="http://schemas.microsoft.com/office/drawing/2010/main" w="9525">
                   <a:solidFill>
                     <a:srgbClr val="000000"/>
                   </a:solidFill>
@@ -3827,7 +3832,7 @@
             </a:ln>
             <a:extLst>
               <a:ext uri="{91240B29-F687-4f45-9708-019B960494DF}">
-                <a14:hiddenLine xmlns:a14="http://schemas.microsoft.com/office/drawing/2010/main" xmlns="" w="9525">
+                <a14:hiddenLine xmlns="" xmlns:a14="http://schemas.microsoft.com/office/drawing/2010/main" w="9525">
                   <a:solidFill>
                     <a:srgbClr val="000000"/>
                   </a:solidFill>
@@ -3917,7 +3922,7 @@
             </a:ln>
             <a:extLst>
               <a:ext uri="{91240B29-F687-4f45-9708-019B960494DF}">
-                <a14:hiddenLine xmlns:a14="http://schemas.microsoft.com/office/drawing/2010/main" xmlns="" w="9525">
+                <a14:hiddenLine xmlns="" xmlns:a14="http://schemas.microsoft.com/office/drawing/2010/main" w="9525">
                   <a:solidFill>
                     <a:srgbClr val="000000"/>
                   </a:solidFill>
@@ -3979,7 +3984,7 @@
             </a:ln>
             <a:extLst>
               <a:ext uri="{91240B29-F687-4f45-9708-019B960494DF}">
-                <a14:hiddenLine xmlns:a14="http://schemas.microsoft.com/office/drawing/2010/main" xmlns="" w="9525">
+                <a14:hiddenLine xmlns="" xmlns:a14="http://schemas.microsoft.com/office/drawing/2010/main" w="9525">
                   <a:solidFill>
                     <a:srgbClr val="000000"/>
                   </a:solidFill>
@@ -4099,7 +4104,7 @@
             </a:ln>
             <a:extLst>
               <a:ext uri="{91240B29-F687-4f45-9708-019B960494DF}">
-                <a14:hiddenLine xmlns:a14="http://schemas.microsoft.com/office/drawing/2010/main" xmlns="" w="9525">
+                <a14:hiddenLine xmlns="" xmlns:a14="http://schemas.microsoft.com/office/drawing/2010/main" w="9525">
                   <a:solidFill>
                     <a:srgbClr val="000000"/>
                   </a:solidFill>
@@ -4167,7 +4172,7 @@
             </a:ln>
             <a:extLst>
               <a:ext uri="{91240B29-F687-4f45-9708-019B960494DF}">
-                <a14:hiddenLine xmlns:a14="http://schemas.microsoft.com/office/drawing/2010/main" xmlns="" w="9525">
+                <a14:hiddenLine xmlns="" xmlns:a14="http://schemas.microsoft.com/office/drawing/2010/main" w="9525">
                   <a:solidFill>
                     <a:srgbClr val="000000"/>
                   </a:solidFill>
@@ -4257,7 +4262,7 @@
             </a:ln>
             <a:extLst>
               <a:ext uri="{91240B29-F687-4f45-9708-019B960494DF}">
-                <a14:hiddenLine xmlns:a14="http://schemas.microsoft.com/office/drawing/2010/main" xmlns="" w="9525">
+                <a14:hiddenLine xmlns="" xmlns:a14="http://schemas.microsoft.com/office/drawing/2010/main" w="9525">
                   <a:solidFill>
                     <a:srgbClr val="000000"/>
                   </a:solidFill>
@@ -4397,7 +4402,7 @@
           <a:p>
             <a:fld id="{48A87A34-81AB-432B-8DAE-1953F412C126}" type="datetimeFigureOut">
               <a:rPr lang="en-US" dirty="0"/>
-              <a:t>12/3/2016</a:t>
+              <a:t>12/5/2016</a:t>
             </a:fld>
             <a:endParaRPr lang="en-US" dirty="0"/>
           </a:p>
@@ -4659,7 +4664,7 @@
           <a:p>
             <a:fld id="{48A87A34-81AB-432B-8DAE-1953F412C126}" type="datetimeFigureOut">
               <a:rPr lang="en-US" dirty="0"/>
-              <a:t>12/3/2016</a:t>
+              <a:t>12/5/2016</a:t>
             </a:fld>
             <a:endParaRPr lang="en-US" dirty="0"/>
           </a:p>
@@ -4850,7 +4855,7 @@
           <a:p>
             <a:fld id="{48A87A34-81AB-432B-8DAE-1953F412C126}" type="datetimeFigureOut">
               <a:rPr lang="en-US" dirty="0"/>
-              <a:t>12/3/2016</a:t>
+              <a:t>12/5/2016</a:t>
             </a:fld>
             <a:endParaRPr lang="en-US" dirty="0"/>
           </a:p>
@@ -5108,7 +5113,7 @@
           <a:p>
             <a:fld id="{48A87A34-81AB-432B-8DAE-1953F412C126}" type="datetimeFigureOut">
               <a:rPr lang="en-US" dirty="0"/>
-              <a:t>12/3/2016</a:t>
+              <a:t>12/5/2016</a:t>
             </a:fld>
             <a:endParaRPr lang="en-US" dirty="0"/>
           </a:p>
@@ -5537,7 +5542,7 @@
           <a:p>
             <a:fld id="{48A87A34-81AB-432B-8DAE-1953F412C126}" type="datetimeFigureOut">
               <a:rPr lang="en-US" dirty="0"/>
-              <a:t>12/3/2016</a:t>
+              <a:t>12/5/2016</a:t>
             </a:fld>
             <a:endParaRPr lang="en-US" dirty="0"/>
           </a:p>
@@ -6078,7 +6083,7 @@
           <a:p>
             <a:fld id="{48A87A34-81AB-432B-8DAE-1953F412C126}" type="datetimeFigureOut">
               <a:rPr lang="en-US" dirty="0"/>
-              <a:t>12/3/2016</a:t>
+              <a:t>12/5/2016</a:t>
             </a:fld>
             <a:endParaRPr lang="en-US" dirty="0"/>
           </a:p>
@@ -6793,7 +6798,7 @@
           <a:p>
             <a:fld id="{48A87A34-81AB-432B-8DAE-1953F412C126}" type="datetimeFigureOut">
               <a:rPr lang="en-US" dirty="0"/>
-              <a:t>12/3/2016</a:t>
+              <a:t>12/5/2016</a:t>
             </a:fld>
             <a:endParaRPr lang="en-US" dirty="0"/>
           </a:p>
@@ -6958,7 +6963,7 @@
           <a:p>
             <a:fld id="{48A87A34-81AB-432B-8DAE-1953F412C126}" type="datetimeFigureOut">
               <a:rPr lang="en-US" dirty="0"/>
-              <a:t>12/3/2016</a:t>
+              <a:t>12/5/2016</a:t>
             </a:fld>
             <a:endParaRPr lang="en-US" dirty="0"/>
           </a:p>
@@ -7133,7 +7138,7 @@
           <a:p>
             <a:fld id="{48A87A34-81AB-432B-8DAE-1953F412C126}" type="datetimeFigureOut">
               <a:rPr lang="en-US" dirty="0"/>
-              <a:t>12/3/2016</a:t>
+              <a:t>12/5/2016</a:t>
             </a:fld>
             <a:endParaRPr lang="en-US" dirty="0"/>
           </a:p>
@@ -7298,7 +7303,7 @@
           <a:p>
             <a:fld id="{48A87A34-81AB-432B-8DAE-1953F412C126}" type="datetimeFigureOut">
               <a:rPr lang="en-US" dirty="0"/>
-              <a:t>12/3/2016</a:t>
+              <a:t>12/5/2016</a:t>
             </a:fld>
             <a:endParaRPr lang="en-US" dirty="0"/>
           </a:p>
@@ -7543,7 +7548,7 @@
           <a:p>
             <a:fld id="{48A87A34-81AB-432B-8DAE-1953F412C126}" type="datetimeFigureOut">
               <a:rPr lang="en-US" dirty="0"/>
-              <a:t>12/3/2016</a:t>
+              <a:t>12/5/2016</a:t>
             </a:fld>
             <a:endParaRPr lang="en-US" dirty="0"/>
           </a:p>
@@ -7770,7 +7775,7 @@
           <a:p>
             <a:fld id="{48A87A34-81AB-432B-8DAE-1953F412C126}" type="datetimeFigureOut">
               <a:rPr lang="en-US" dirty="0"/>
-              <a:t>12/3/2016</a:t>
+              <a:t>12/5/2016</a:t>
             </a:fld>
             <a:endParaRPr lang="en-US" dirty="0"/>
           </a:p>
@@ -8146,7 +8151,7 @@
           <a:p>
             <a:fld id="{48A87A34-81AB-432B-8DAE-1953F412C126}" type="datetimeFigureOut">
               <a:rPr lang="en-US" dirty="0"/>
-              <a:t>12/3/2016</a:t>
+              <a:t>12/5/2016</a:t>
             </a:fld>
             <a:endParaRPr lang="en-US" dirty="0"/>
           </a:p>
@@ -8259,7 +8264,7 @@
           <a:p>
             <a:fld id="{48A87A34-81AB-432B-8DAE-1953F412C126}" type="datetimeFigureOut">
               <a:rPr lang="en-US" dirty="0"/>
-              <a:t>12/3/2016</a:t>
+              <a:t>12/5/2016</a:t>
             </a:fld>
             <a:endParaRPr lang="en-US" dirty="0"/>
           </a:p>
@@ -8349,7 +8354,7 @@
           <a:p>
             <a:fld id="{48A87A34-81AB-432B-8DAE-1953F412C126}" type="datetimeFigureOut">
               <a:rPr lang="en-US" dirty="0"/>
-              <a:t>12/3/2016</a:t>
+              <a:t>12/5/2016</a:t>
             </a:fld>
             <a:endParaRPr lang="en-US" dirty="0"/>
           </a:p>
@@ -8593,7 +8598,7 @@
           <a:p>
             <a:fld id="{48A87A34-81AB-432B-8DAE-1953F412C126}" type="datetimeFigureOut">
               <a:rPr lang="en-US" dirty="0"/>
-              <a:t>12/3/2016</a:t>
+              <a:t>12/5/2016</a:t>
             </a:fld>
             <a:endParaRPr lang="en-US" dirty="0"/>
           </a:p>
@@ -8868,7 +8873,7 @@
           <a:p>
             <a:fld id="{48A87A34-81AB-432B-8DAE-1953F412C126}" type="datetimeFigureOut">
               <a:rPr lang="en-US" dirty="0"/>
-              <a:t>12/3/2016</a:t>
+              <a:t>12/5/2016</a:t>
             </a:fld>
             <a:endParaRPr lang="en-US" dirty="0"/>
           </a:p>
@@ -8986,7 +8991,7 @@
           <a:noFill/>
           <a:extLst>
             <a:ext uri="{909E8E84-426E-40dd-AFC4-6F175D3DCCD1}">
-              <a14:hiddenFill xmlns:a14="http://schemas.microsoft.com/office/drawing/2010/main" xmlns="">
+              <a14:hiddenFill xmlns="" xmlns:a14="http://schemas.microsoft.com/office/drawing/2010/main">
                 <a:solidFill>
                   <a:srgbClr val="FFFFFF"/>
                 </a:solidFill>
@@ -9060,7 +9065,7 @@
               </a:ln>
               <a:extLst>
                 <a:ext uri="{91240B29-F687-4f45-9708-019B960494DF}">
-                  <a14:hiddenLine xmlns:a14="http://schemas.microsoft.com/office/drawing/2010/main" xmlns="" w="9525">
+                  <a14:hiddenLine xmlns="" xmlns:a14="http://schemas.microsoft.com/office/drawing/2010/main" w="9525">
                     <a:solidFill>
                       <a:srgbClr val="000000"/>
                     </a:solidFill>
@@ -9150,7 +9155,7 @@
               </a:ln>
               <a:extLst>
                 <a:ext uri="{91240B29-F687-4f45-9708-019B960494DF}">
-                  <a14:hiddenLine xmlns:a14="http://schemas.microsoft.com/office/drawing/2010/main" xmlns="" w="9525">
+                  <a14:hiddenLine xmlns="" xmlns:a14="http://schemas.microsoft.com/office/drawing/2010/main" w="9525">
                     <a:solidFill>
                       <a:srgbClr val="000000"/>
                     </a:solidFill>
@@ -9240,7 +9245,7 @@
               </a:ln>
               <a:extLst>
                 <a:ext uri="{91240B29-F687-4f45-9708-019B960494DF}">
-                  <a14:hiddenLine xmlns:a14="http://schemas.microsoft.com/office/drawing/2010/main" xmlns="" w="9525">
+                  <a14:hiddenLine xmlns="" xmlns:a14="http://schemas.microsoft.com/office/drawing/2010/main" w="9525">
                     <a:solidFill>
                       <a:srgbClr val="000000"/>
                     </a:solidFill>
@@ -9302,7 +9307,7 @@
               </a:ln>
               <a:extLst>
                 <a:ext uri="{91240B29-F687-4f45-9708-019B960494DF}">
-                  <a14:hiddenLine xmlns:a14="http://schemas.microsoft.com/office/drawing/2010/main" xmlns="" w="9525">
+                  <a14:hiddenLine xmlns="" xmlns:a14="http://schemas.microsoft.com/office/drawing/2010/main" w="9525">
                     <a:solidFill>
                       <a:srgbClr val="000000"/>
                     </a:solidFill>
@@ -9392,7 +9397,7 @@
               </a:ln>
               <a:extLst>
                 <a:ext uri="{91240B29-F687-4f45-9708-019B960494DF}">
-                  <a14:hiddenLine xmlns:a14="http://schemas.microsoft.com/office/drawing/2010/main" xmlns="" w="9525">
+                  <a14:hiddenLine xmlns="" xmlns:a14="http://schemas.microsoft.com/office/drawing/2010/main" w="9525">
                     <a:solidFill>
                       <a:srgbClr val="000000"/>
                     </a:solidFill>
@@ -9454,7 +9459,7 @@
               </a:ln>
               <a:extLst>
                 <a:ext uri="{91240B29-F687-4f45-9708-019B960494DF}">
-                  <a14:hiddenLine xmlns:a14="http://schemas.microsoft.com/office/drawing/2010/main" xmlns="" w="9525">
+                  <a14:hiddenLine xmlns="" xmlns:a14="http://schemas.microsoft.com/office/drawing/2010/main" w="9525">
                     <a:solidFill>
                       <a:srgbClr val="000000"/>
                     </a:solidFill>
@@ -9516,7 +9521,7 @@
               </a:ln>
               <a:extLst>
                 <a:ext uri="{91240B29-F687-4f45-9708-019B960494DF}">
-                  <a14:hiddenLine xmlns:a14="http://schemas.microsoft.com/office/drawing/2010/main" xmlns="" w="9525">
+                  <a14:hiddenLine xmlns="" xmlns:a14="http://schemas.microsoft.com/office/drawing/2010/main" w="9525">
                     <a:solidFill>
                       <a:srgbClr val="000000"/>
                     </a:solidFill>
@@ -9606,7 +9611,7 @@
               </a:ln>
               <a:extLst>
                 <a:ext uri="{91240B29-F687-4f45-9708-019B960494DF}">
-                  <a14:hiddenLine xmlns:a14="http://schemas.microsoft.com/office/drawing/2010/main" xmlns="" w="9525">
+                  <a14:hiddenLine xmlns="" xmlns:a14="http://schemas.microsoft.com/office/drawing/2010/main" w="9525">
                     <a:solidFill>
                       <a:srgbClr val="000000"/>
                     </a:solidFill>
@@ -9696,7 +9701,7 @@
               </a:ln>
               <a:extLst>
                 <a:ext uri="{91240B29-F687-4f45-9708-019B960494DF}">
-                  <a14:hiddenLine xmlns:a14="http://schemas.microsoft.com/office/drawing/2010/main" xmlns="" w="9525">
+                  <a14:hiddenLine xmlns="" xmlns:a14="http://schemas.microsoft.com/office/drawing/2010/main" w="9525">
                     <a:solidFill>
                       <a:srgbClr val="000000"/>
                     </a:solidFill>
@@ -9758,7 +9763,7 @@
               </a:ln>
               <a:extLst>
                 <a:ext uri="{91240B29-F687-4f45-9708-019B960494DF}">
-                  <a14:hiddenLine xmlns:a14="http://schemas.microsoft.com/office/drawing/2010/main" xmlns="" w="9525">
+                  <a14:hiddenLine xmlns="" xmlns:a14="http://schemas.microsoft.com/office/drawing/2010/main" w="9525">
                     <a:solidFill>
                       <a:srgbClr val="000000"/>
                     </a:solidFill>
@@ -9868,7 +9873,7 @@
               </a:ln>
               <a:extLst>
                 <a:ext uri="{91240B29-F687-4f45-9708-019B960494DF}">
-                  <a14:hiddenLine xmlns:a14="http://schemas.microsoft.com/office/drawing/2010/main" xmlns="" w="9525">
+                  <a14:hiddenLine xmlns="" xmlns:a14="http://schemas.microsoft.com/office/drawing/2010/main" w="9525">
                     <a:solidFill>
                       <a:srgbClr val="000000"/>
                     </a:solidFill>
@@ -9952,7 +9957,7 @@
               </a:ln>
               <a:extLst>
                 <a:ext uri="{91240B29-F687-4f45-9708-019B960494DF}">
-                  <a14:hiddenLine xmlns:a14="http://schemas.microsoft.com/office/drawing/2010/main" xmlns="" w="9525">
+                  <a14:hiddenLine xmlns="" xmlns:a14="http://schemas.microsoft.com/office/drawing/2010/main" w="9525">
                     <a:solidFill>
                       <a:srgbClr val="000000"/>
                     </a:solidFill>
@@ -10014,7 +10019,7 @@
               </a:ln>
               <a:extLst>
                 <a:ext uri="{91240B29-F687-4f45-9708-019B960494DF}">
-                  <a14:hiddenLine xmlns:a14="http://schemas.microsoft.com/office/drawing/2010/main" xmlns="" w="9525">
+                  <a14:hiddenLine xmlns="" xmlns:a14="http://schemas.microsoft.com/office/drawing/2010/main" w="9525">
                     <a:solidFill>
                       <a:srgbClr val="000000"/>
                     </a:solidFill>
@@ -10076,7 +10081,7 @@
               </a:ln>
               <a:extLst>
                 <a:ext uri="{91240B29-F687-4f45-9708-019B960494DF}">
-                  <a14:hiddenLine xmlns:a14="http://schemas.microsoft.com/office/drawing/2010/main" xmlns="" w="9525">
+                  <a14:hiddenLine xmlns="" xmlns:a14="http://schemas.microsoft.com/office/drawing/2010/main" w="9525">
                     <a:solidFill>
                       <a:srgbClr val="000000"/>
                     </a:solidFill>
@@ -10166,7 +10171,7 @@
               </a:ln>
               <a:extLst>
                 <a:ext uri="{91240B29-F687-4f45-9708-019B960494DF}">
-                  <a14:hiddenLine xmlns:a14="http://schemas.microsoft.com/office/drawing/2010/main" xmlns="" w="9525">
+                  <a14:hiddenLine xmlns="" xmlns:a14="http://schemas.microsoft.com/office/drawing/2010/main" w="9525">
                     <a:solidFill>
                       <a:srgbClr val="000000"/>
                     </a:solidFill>
@@ -10200,7 +10205,7 @@
               </a:ln>
               <a:extLst>
                 <a:ext uri="{91240B29-F687-4f45-9708-019B960494DF}">
-                  <a14:hiddenLine xmlns:a14="http://schemas.microsoft.com/office/drawing/2010/main" xmlns="" w="9525">
+                  <a14:hiddenLine xmlns="" xmlns:a14="http://schemas.microsoft.com/office/drawing/2010/main" w="9525">
                     <a:solidFill>
                       <a:srgbClr val="000000"/>
                     </a:solidFill>
@@ -10265,7 +10270,7 @@
               </a:ln>
               <a:extLst>
                 <a:ext uri="{91240B29-F687-4f45-9708-019B960494DF}">
-                  <a14:hiddenLine xmlns:a14="http://schemas.microsoft.com/office/drawing/2010/main" xmlns="" w="9525">
+                  <a14:hiddenLine xmlns="" xmlns:a14="http://schemas.microsoft.com/office/drawing/2010/main" w="9525">
                     <a:solidFill>
                       <a:srgbClr val="000000"/>
                     </a:solidFill>
@@ -10355,7 +10360,7 @@
               </a:ln>
               <a:extLst>
                 <a:ext uri="{91240B29-F687-4f45-9708-019B960494DF}">
-                  <a14:hiddenLine xmlns:a14="http://schemas.microsoft.com/office/drawing/2010/main" xmlns="" w="9525">
+                  <a14:hiddenLine xmlns="" xmlns:a14="http://schemas.microsoft.com/office/drawing/2010/main" w="9525">
                     <a:solidFill>
                       <a:srgbClr val="000000"/>
                     </a:solidFill>
@@ -10417,7 +10422,7 @@
               </a:ln>
               <a:extLst>
                 <a:ext uri="{91240B29-F687-4f45-9708-019B960494DF}">
-                  <a14:hiddenLine xmlns:a14="http://schemas.microsoft.com/office/drawing/2010/main" xmlns="" w="9525">
+                  <a14:hiddenLine xmlns="" xmlns:a14="http://schemas.microsoft.com/office/drawing/2010/main" w="9525">
                     <a:solidFill>
                       <a:srgbClr val="000000"/>
                     </a:solidFill>
@@ -10507,7 +10512,7 @@
               </a:ln>
               <a:extLst>
                 <a:ext uri="{91240B29-F687-4f45-9708-019B960494DF}">
-                  <a14:hiddenLine xmlns:a14="http://schemas.microsoft.com/office/drawing/2010/main" xmlns="" w="9525">
+                  <a14:hiddenLine xmlns="" xmlns:a14="http://schemas.microsoft.com/office/drawing/2010/main" w="9525">
                     <a:solidFill>
                       <a:srgbClr val="000000"/>
                     </a:solidFill>
@@ -10572,7 +10577,7 @@
               </a:ln>
               <a:extLst>
                 <a:ext uri="{91240B29-F687-4f45-9708-019B960494DF}">
-                  <a14:hiddenLine xmlns:a14="http://schemas.microsoft.com/office/drawing/2010/main" xmlns="" w="9525">
+                  <a14:hiddenLine xmlns="" xmlns:a14="http://schemas.microsoft.com/office/drawing/2010/main" w="9525">
                     <a:solidFill>
                       <a:srgbClr val="000000"/>
                     </a:solidFill>
@@ -10634,7 +10639,7 @@
               </a:ln>
               <a:extLst>
                 <a:ext uri="{91240B29-F687-4f45-9708-019B960494DF}">
-                  <a14:hiddenLine xmlns:a14="http://schemas.microsoft.com/office/drawing/2010/main" xmlns="" w="9525">
+                  <a14:hiddenLine xmlns="" xmlns:a14="http://schemas.microsoft.com/office/drawing/2010/main" w="9525">
                     <a:solidFill>
                       <a:srgbClr val="000000"/>
                     </a:solidFill>
@@ -10724,7 +10729,7 @@
               </a:ln>
               <a:extLst>
                 <a:ext uri="{91240B29-F687-4f45-9708-019B960494DF}">
-                  <a14:hiddenLine xmlns:a14="http://schemas.microsoft.com/office/drawing/2010/main" xmlns="" w="9525">
+                  <a14:hiddenLine xmlns="" xmlns:a14="http://schemas.microsoft.com/office/drawing/2010/main" w="9525">
                     <a:solidFill>
                       <a:srgbClr val="000000"/>
                     </a:solidFill>
@@ -10814,7 +10819,7 @@
               </a:ln>
               <a:extLst>
                 <a:ext uri="{91240B29-F687-4f45-9708-019B960494DF}">
-                  <a14:hiddenLine xmlns:a14="http://schemas.microsoft.com/office/drawing/2010/main" xmlns="" w="9525">
+                  <a14:hiddenLine xmlns="" xmlns:a14="http://schemas.microsoft.com/office/drawing/2010/main" w="9525">
                     <a:solidFill>
                       <a:srgbClr val="000000"/>
                     </a:solidFill>
@@ -10879,7 +10884,7 @@
               </a:ln>
               <a:extLst>
                 <a:ext uri="{91240B29-F687-4f45-9708-019B960494DF}">
-                  <a14:hiddenLine xmlns:a14="http://schemas.microsoft.com/office/drawing/2010/main" xmlns="" w="9525">
+                  <a14:hiddenLine xmlns="" xmlns:a14="http://schemas.microsoft.com/office/drawing/2010/main" w="9525">
                     <a:solidFill>
                       <a:srgbClr val="000000"/>
                     </a:solidFill>
@@ -10999,7 +11004,7 @@
               </a:ln>
               <a:extLst>
                 <a:ext uri="{91240B29-F687-4f45-9708-019B960494DF}">
-                  <a14:hiddenLine xmlns:a14="http://schemas.microsoft.com/office/drawing/2010/main" xmlns="" w="9525">
+                  <a14:hiddenLine xmlns="" xmlns:a14="http://schemas.microsoft.com/office/drawing/2010/main" w="9525">
                     <a:solidFill>
                       <a:srgbClr val="000000"/>
                     </a:solidFill>
@@ -11080,7 +11085,7 @@
               </a:ln>
               <a:extLst>
                 <a:ext uri="{91240B29-F687-4f45-9708-019B960494DF}">
-                  <a14:hiddenLine xmlns:a14="http://schemas.microsoft.com/office/drawing/2010/main" xmlns="" w="9525">
+                  <a14:hiddenLine xmlns="" xmlns:a14="http://schemas.microsoft.com/office/drawing/2010/main" w="9525">
                     <a:solidFill>
                       <a:srgbClr val="000000"/>
                     </a:solidFill>
@@ -11195,7 +11200,7 @@
               </a:ln>
               <a:extLst>
                 <a:ext uri="{91240B29-F687-4f45-9708-019B960494DF}">
-                  <a14:hiddenLine xmlns:a14="http://schemas.microsoft.com/office/drawing/2010/main" xmlns="" w="9525">
+                  <a14:hiddenLine xmlns="" xmlns:a14="http://schemas.microsoft.com/office/drawing/2010/main" w="9525">
                     <a:solidFill>
                       <a:srgbClr val="000000"/>
                     </a:solidFill>
@@ -11285,7 +11290,7 @@
               </a:ln>
               <a:extLst>
                 <a:ext uri="{91240B29-F687-4f45-9708-019B960494DF}">
-                  <a14:hiddenLine xmlns:a14="http://schemas.microsoft.com/office/drawing/2010/main" xmlns="" w="9525">
+                  <a14:hiddenLine xmlns="" xmlns:a14="http://schemas.microsoft.com/office/drawing/2010/main" w="9525">
                     <a:solidFill>
                       <a:srgbClr val="000000"/>
                     </a:solidFill>
@@ -11350,7 +11355,7 @@
               </a:ln>
               <a:extLst>
                 <a:ext uri="{91240B29-F687-4f45-9708-019B960494DF}">
-                  <a14:hiddenLine xmlns:a14="http://schemas.microsoft.com/office/drawing/2010/main" xmlns="" w="9525">
+                  <a14:hiddenLine xmlns="" xmlns:a14="http://schemas.microsoft.com/office/drawing/2010/main" w="9525">
                     <a:solidFill>
                       <a:srgbClr val="000000"/>
                     </a:solidFill>
@@ -11440,7 +11445,7 @@
               </a:ln>
               <a:extLst>
                 <a:ext uri="{91240B29-F687-4f45-9708-019B960494DF}">
-                  <a14:hiddenLine xmlns:a14="http://schemas.microsoft.com/office/drawing/2010/main" xmlns="" w="9525">
+                  <a14:hiddenLine xmlns="" xmlns:a14="http://schemas.microsoft.com/office/drawing/2010/main" w="9525">
                     <a:solidFill>
                       <a:srgbClr val="000000"/>
                     </a:solidFill>
@@ -11508,7 +11513,7 @@
               </a:ln>
               <a:extLst>
                 <a:ext uri="{91240B29-F687-4f45-9708-019B960494DF}">
-                  <a14:hiddenLine xmlns:a14="http://schemas.microsoft.com/office/drawing/2010/main" xmlns="" w="9525">
+                  <a14:hiddenLine xmlns="" xmlns:a14="http://schemas.microsoft.com/office/drawing/2010/main" w="9525">
                     <a:solidFill>
                       <a:srgbClr val="000000"/>
                     </a:solidFill>
@@ -11598,7 +11603,7 @@
               </a:ln>
               <a:extLst>
                 <a:ext uri="{91240B29-F687-4f45-9708-019B960494DF}">
-                  <a14:hiddenLine xmlns:a14="http://schemas.microsoft.com/office/drawing/2010/main" xmlns="" w="9525">
+                  <a14:hiddenLine xmlns="" xmlns:a14="http://schemas.microsoft.com/office/drawing/2010/main" w="9525">
                     <a:solidFill>
                       <a:srgbClr val="000000"/>
                     </a:solidFill>
@@ -11666,7 +11671,7 @@
               </a:ln>
               <a:extLst>
                 <a:ext uri="{91240B29-F687-4f45-9708-019B960494DF}">
-                  <a14:hiddenLine xmlns:a14="http://schemas.microsoft.com/office/drawing/2010/main" xmlns="" w="9525">
+                  <a14:hiddenLine xmlns="" xmlns:a14="http://schemas.microsoft.com/office/drawing/2010/main" w="9525">
                     <a:solidFill>
                       <a:srgbClr val="000000"/>
                     </a:solidFill>
@@ -11756,7 +11761,7 @@
               </a:ln>
               <a:extLst>
                 <a:ext uri="{91240B29-F687-4f45-9708-019B960494DF}">
-                  <a14:hiddenLine xmlns:a14="http://schemas.microsoft.com/office/drawing/2010/main" xmlns="" w="9525">
+                  <a14:hiddenLine xmlns="" xmlns:a14="http://schemas.microsoft.com/office/drawing/2010/main" w="9525">
                     <a:solidFill>
                       <a:srgbClr val="000000"/>
                     </a:solidFill>
@@ -11790,7 +11795,7 @@
               </a:ln>
               <a:extLst>
                 <a:ext uri="{91240B29-F687-4f45-9708-019B960494DF}">
-                  <a14:hiddenLine xmlns:a14="http://schemas.microsoft.com/office/drawing/2010/main" xmlns="" w="9525">
+                  <a14:hiddenLine xmlns="" xmlns:a14="http://schemas.microsoft.com/office/drawing/2010/main" w="9525">
                     <a:solidFill>
                       <a:srgbClr val="000000"/>
                     </a:solidFill>
@@ -11931,7 +11936,7 @@
             <a:fld id="{48A87A34-81AB-432B-8DAE-1953F412C126}" type="datetimeFigureOut">
               <a:rPr lang="en-US" dirty="0"/>
               <a:pPr/>
-              <a:t>12/3/2016</a:t>
+              <a:t>12/5/2016</a:t>
             </a:fld>
             <a:endParaRPr lang="en-US" dirty="0"/>
           </a:p>
@@ -13105,7 +13110,7 @@
           <a:p>
             <a:r>
               <a:rPr lang="en-US" dirty="0"/>
-              <a:t>Cloud9 vs other platforms didn’t always behave the same way when rendering styling, so we had trouble nailing down exactly how we wanted the pages to look</a:t>
+              <a:t>Cloud9 vs other platforms didn’t always behave the same way when rendering styling, so we had trouble nailing down exactly how we wanted the pages to look.</a:t>
             </a:r>
           </a:p>
         </p:txBody>

--- a/Course project.pptx
+++ b/Course project.pptx
@@ -1,6 +1,6 @@
 
 <file path=ppt/presentation.xml><?xml version="1.0" encoding="utf-8"?>
-<p:presentation xmlns:a="http://schemas.openxmlformats.org/drawingml/2006/main" xmlns:r="http://schemas.openxmlformats.org/officeDocument/2006/relationships" xmlns:p="http://schemas.openxmlformats.org/presentationml/2006/main" autoCompressPictures="0">
+<p:presentation xmlns:a="http://schemas.openxmlformats.org/drawingml/2006/main" xmlns:r="http://schemas.openxmlformats.org/officeDocument/2006/relationships" xmlns:p="http://schemas.openxmlformats.org/presentationml/2006/main" saveSubsetFonts="1" autoCompressPictures="0">
   <p:sldMasterIdLst>
     <p:sldMasterId id="2147483648" r:id="rId1"/>
   </p:sldMasterIdLst>
@@ -112,6 +112,11 @@
       </a:defRPr>
     </a:lvl9pPr>
   </p:defaultTextStyle>
+  <p:extLst>
+    <p:ext uri="{EFAFB233-063F-42B5-8137-9DF3F51BA10A}">
+      <p15:sldGuideLst xmlns:p15="http://schemas.microsoft.com/office/powerpoint/2012/main"/>
+    </p:ext>
+  </p:extLst>
 </p:presentation>
 </file>
 
@@ -4397,7 +4402,7 @@
           <a:p>
             <a:fld id="{48A87A34-81AB-432B-8DAE-1953F412C126}" type="datetimeFigureOut">
               <a:rPr lang="en-US" dirty="0"/>
-              <a:t>12/3/2016</a:t>
+              <a:t>12/5/2016</a:t>
             </a:fld>
             <a:endParaRPr lang="en-US" dirty="0"/>
           </a:p>
@@ -4659,7 +4664,7 @@
           <a:p>
             <a:fld id="{48A87A34-81AB-432B-8DAE-1953F412C126}" type="datetimeFigureOut">
               <a:rPr lang="en-US" dirty="0"/>
-              <a:t>12/3/2016</a:t>
+              <a:t>12/5/2016</a:t>
             </a:fld>
             <a:endParaRPr lang="en-US" dirty="0"/>
           </a:p>
@@ -4850,7 +4855,7 @@
           <a:p>
             <a:fld id="{48A87A34-81AB-432B-8DAE-1953F412C126}" type="datetimeFigureOut">
               <a:rPr lang="en-US" dirty="0"/>
-              <a:t>12/3/2016</a:t>
+              <a:t>12/5/2016</a:t>
             </a:fld>
             <a:endParaRPr lang="en-US" dirty="0"/>
           </a:p>
@@ -5108,7 +5113,7 @@
           <a:p>
             <a:fld id="{48A87A34-81AB-432B-8DAE-1953F412C126}" type="datetimeFigureOut">
               <a:rPr lang="en-US" dirty="0"/>
-              <a:t>12/3/2016</a:t>
+              <a:t>12/5/2016</a:t>
             </a:fld>
             <a:endParaRPr lang="en-US" dirty="0"/>
           </a:p>
@@ -5537,7 +5542,7 @@
           <a:p>
             <a:fld id="{48A87A34-81AB-432B-8DAE-1953F412C126}" type="datetimeFigureOut">
               <a:rPr lang="en-US" dirty="0"/>
-              <a:t>12/3/2016</a:t>
+              <a:t>12/5/2016</a:t>
             </a:fld>
             <a:endParaRPr lang="en-US" dirty="0"/>
           </a:p>
@@ -6078,7 +6083,7 @@
           <a:p>
             <a:fld id="{48A87A34-81AB-432B-8DAE-1953F412C126}" type="datetimeFigureOut">
               <a:rPr lang="en-US" dirty="0"/>
-              <a:t>12/3/2016</a:t>
+              <a:t>12/5/2016</a:t>
             </a:fld>
             <a:endParaRPr lang="en-US" dirty="0"/>
           </a:p>
@@ -6793,7 +6798,7 @@
           <a:p>
             <a:fld id="{48A87A34-81AB-432B-8DAE-1953F412C126}" type="datetimeFigureOut">
               <a:rPr lang="en-US" dirty="0"/>
-              <a:t>12/3/2016</a:t>
+              <a:t>12/5/2016</a:t>
             </a:fld>
             <a:endParaRPr lang="en-US" dirty="0"/>
           </a:p>
@@ -6958,7 +6963,7 @@
           <a:p>
             <a:fld id="{48A87A34-81AB-432B-8DAE-1953F412C126}" type="datetimeFigureOut">
               <a:rPr lang="en-US" dirty="0"/>
-              <a:t>12/3/2016</a:t>
+              <a:t>12/5/2016</a:t>
             </a:fld>
             <a:endParaRPr lang="en-US" dirty="0"/>
           </a:p>
@@ -7133,7 +7138,7 @@
           <a:p>
             <a:fld id="{48A87A34-81AB-432B-8DAE-1953F412C126}" type="datetimeFigureOut">
               <a:rPr lang="en-US" dirty="0"/>
-              <a:t>12/3/2016</a:t>
+              <a:t>12/5/2016</a:t>
             </a:fld>
             <a:endParaRPr lang="en-US" dirty="0"/>
           </a:p>
@@ -7298,7 +7303,7 @@
           <a:p>
             <a:fld id="{48A87A34-81AB-432B-8DAE-1953F412C126}" type="datetimeFigureOut">
               <a:rPr lang="en-US" dirty="0"/>
-              <a:t>12/3/2016</a:t>
+              <a:t>12/5/2016</a:t>
             </a:fld>
             <a:endParaRPr lang="en-US" dirty="0"/>
           </a:p>
@@ -7543,7 +7548,7 @@
           <a:p>
             <a:fld id="{48A87A34-81AB-432B-8DAE-1953F412C126}" type="datetimeFigureOut">
               <a:rPr lang="en-US" dirty="0"/>
-              <a:t>12/3/2016</a:t>
+              <a:t>12/5/2016</a:t>
             </a:fld>
             <a:endParaRPr lang="en-US" dirty="0"/>
           </a:p>
@@ -7770,7 +7775,7 @@
           <a:p>
             <a:fld id="{48A87A34-81AB-432B-8DAE-1953F412C126}" type="datetimeFigureOut">
               <a:rPr lang="en-US" dirty="0"/>
-              <a:t>12/3/2016</a:t>
+              <a:t>12/5/2016</a:t>
             </a:fld>
             <a:endParaRPr lang="en-US" dirty="0"/>
           </a:p>
@@ -8146,7 +8151,7 @@
           <a:p>
             <a:fld id="{48A87A34-81AB-432B-8DAE-1953F412C126}" type="datetimeFigureOut">
               <a:rPr lang="en-US" dirty="0"/>
-              <a:t>12/3/2016</a:t>
+              <a:t>12/5/2016</a:t>
             </a:fld>
             <a:endParaRPr lang="en-US" dirty="0"/>
           </a:p>
@@ -8259,7 +8264,7 @@
           <a:p>
             <a:fld id="{48A87A34-81AB-432B-8DAE-1953F412C126}" type="datetimeFigureOut">
               <a:rPr lang="en-US" dirty="0"/>
-              <a:t>12/3/2016</a:t>
+              <a:t>12/5/2016</a:t>
             </a:fld>
             <a:endParaRPr lang="en-US" dirty="0"/>
           </a:p>
@@ -8349,7 +8354,7 @@
           <a:p>
             <a:fld id="{48A87A34-81AB-432B-8DAE-1953F412C126}" type="datetimeFigureOut">
               <a:rPr lang="en-US" dirty="0"/>
-              <a:t>12/3/2016</a:t>
+              <a:t>12/5/2016</a:t>
             </a:fld>
             <a:endParaRPr lang="en-US" dirty="0"/>
           </a:p>
@@ -8593,7 +8598,7 @@
           <a:p>
             <a:fld id="{48A87A34-81AB-432B-8DAE-1953F412C126}" type="datetimeFigureOut">
               <a:rPr lang="en-US" dirty="0"/>
-              <a:t>12/3/2016</a:t>
+              <a:t>12/5/2016</a:t>
             </a:fld>
             <a:endParaRPr lang="en-US" dirty="0"/>
           </a:p>
@@ -8868,7 +8873,7 @@
           <a:p>
             <a:fld id="{48A87A34-81AB-432B-8DAE-1953F412C126}" type="datetimeFigureOut">
               <a:rPr lang="en-US" dirty="0"/>
-              <a:t>12/3/2016</a:t>
+              <a:t>12/5/2016</a:t>
             </a:fld>
             <a:endParaRPr lang="en-US" dirty="0"/>
           </a:p>
@@ -11931,7 +11936,7 @@
             <a:fld id="{48A87A34-81AB-432B-8DAE-1953F412C126}" type="datetimeFigureOut">
               <a:rPr lang="en-US" dirty="0"/>
               <a:pPr/>
-              <a:t>12/3/2016</a:t>
+              <a:t>12/5/2016</a:t>
             </a:fld>
             <a:endParaRPr lang="en-US" dirty="0"/>
           </a:p>
@@ -12513,7 +12518,7 @@
           <a:p>
             <a:r>
               <a:rPr lang="en-US" dirty="0"/>
-              <a:t>Bootstrap CSS – for styling</a:t>
+              <a:t>Bootstrap CSS – for styling forms</a:t>
             </a:r>
           </a:p>
           <a:p>
@@ -13105,7 +13110,7 @@
           <a:p>
             <a:r>
               <a:rPr lang="en-US" dirty="0"/>
-              <a:t>Cloud9 vs other platforms didn’t always behave the same way when rendering styling, so we had trouble nailing down exactly how we wanted the pages to look</a:t>
+              <a:t>Cloud9 vs other platforms didn’t always behave the same way when rendering styling, so we had trouble nailing down exactly how we wanted the pages to look.</a:t>
             </a:r>
           </a:p>
         </p:txBody>
@@ -13197,12 +13202,8 @@
           </a:p>
           <a:p>
             <a:r>
-              <a:rPr lang="en-US" dirty="0" err="1"/>
-              <a:t>Mikah</a:t>
-            </a:r>
-            <a:r>
               <a:rPr lang="en-US" dirty="0"/>
-              <a:t>: Got us converted from basic CSS to Bootstrap, did the other few of the original pages shown at the midterm presentation.</a:t>
+              <a:t>Mikah: Applied Bootstrap to the form components, did the other few of the original webpages shown at the midterm presentation. Some front-end and the breadcrumbs.</a:t>
             </a:r>
           </a:p>
           <a:p>

--- a/Course project.pptx
+++ b/Course project.pptx
@@ -14,6 +14,7 @@
     <p:sldId id="261" r:id="rId8"/>
     <p:sldId id="263" r:id="rId9"/>
     <p:sldId id="264" r:id="rId10"/>
+    <p:sldId id="265" r:id="rId11"/>
   </p:sldIdLst>
   <p:sldSz cx="12192000" cy="6858000"/>
   <p:notesSz cx="6858000" cy="9144000"/>
@@ -177,7 +178,7 @@
           <a:noFill/>
           <a:extLst>
             <a:ext uri="{909E8E84-426E-40dd-AFC4-6F175D3DCCD1}">
-              <a14:hiddenFill xmlns:a14="http://schemas.microsoft.com/office/drawing/2010/main" xmlns="">
+              <a14:hiddenFill xmlns="" xmlns:a14="http://schemas.microsoft.com/office/drawing/2010/main">
                 <a:solidFill>
                   <a:srgbClr val="FFFFFF"/>
                 </a:solidFill>
@@ -236,7 +237,7 @@
             </a:ln>
             <a:extLst>
               <a:ext uri="{91240B29-F687-4f45-9708-019B960494DF}">
-                <a14:hiddenLine xmlns:a14="http://schemas.microsoft.com/office/drawing/2010/main" xmlns="" w="9525">
+                <a14:hiddenLine xmlns="" xmlns:a14="http://schemas.microsoft.com/office/drawing/2010/main" w="9525">
                   <a:solidFill>
                     <a:srgbClr val="000000"/>
                   </a:solidFill>
@@ -326,7 +327,7 @@
             </a:ln>
             <a:extLst>
               <a:ext uri="{91240B29-F687-4f45-9708-019B960494DF}">
-                <a14:hiddenLine xmlns:a14="http://schemas.microsoft.com/office/drawing/2010/main" xmlns="" w="9525">
+                <a14:hiddenLine xmlns="" xmlns:a14="http://schemas.microsoft.com/office/drawing/2010/main" w="9525">
                   <a:solidFill>
                     <a:srgbClr val="000000"/>
                   </a:solidFill>
@@ -416,7 +417,7 @@
             </a:ln>
             <a:extLst>
               <a:ext uri="{91240B29-F687-4f45-9708-019B960494DF}">
-                <a14:hiddenLine xmlns:a14="http://schemas.microsoft.com/office/drawing/2010/main" xmlns="" w="9525">
+                <a14:hiddenLine xmlns="" xmlns:a14="http://schemas.microsoft.com/office/drawing/2010/main" w="9525">
                   <a:solidFill>
                     <a:srgbClr val="000000"/>
                   </a:solidFill>
@@ -450,7 +451,7 @@
             </a:ln>
             <a:extLst>
               <a:ext uri="{91240B29-F687-4f45-9708-019B960494DF}">
-                <a14:hiddenLine xmlns:a14="http://schemas.microsoft.com/office/drawing/2010/main" xmlns="" w="9525">
+                <a14:hiddenLine xmlns="" xmlns:a14="http://schemas.microsoft.com/office/drawing/2010/main" w="9525">
                   <a:solidFill>
                     <a:srgbClr val="000000"/>
                   </a:solidFill>
@@ -540,7 +541,7 @@
             </a:ln>
             <a:extLst>
               <a:ext uri="{91240B29-F687-4f45-9708-019B960494DF}">
-                <a14:hiddenLine xmlns:a14="http://schemas.microsoft.com/office/drawing/2010/main" xmlns="" w="9525">
+                <a14:hiddenLine xmlns="" xmlns:a14="http://schemas.microsoft.com/office/drawing/2010/main" w="9525">
                   <a:solidFill>
                     <a:srgbClr val="000000"/>
                   </a:solidFill>
@@ -602,7 +603,7 @@
             </a:ln>
             <a:extLst>
               <a:ext uri="{91240B29-F687-4f45-9708-019B960494DF}">
-                <a14:hiddenLine xmlns:a14="http://schemas.microsoft.com/office/drawing/2010/main" xmlns="" w="9525">
+                <a14:hiddenLine xmlns="" xmlns:a14="http://schemas.microsoft.com/office/drawing/2010/main" w="9525">
                   <a:solidFill>
                     <a:srgbClr val="000000"/>
                   </a:solidFill>
@@ -664,7 +665,7 @@
             </a:ln>
             <a:extLst>
               <a:ext uri="{91240B29-F687-4f45-9708-019B960494DF}">
-                <a14:hiddenLine xmlns:a14="http://schemas.microsoft.com/office/drawing/2010/main" xmlns="" w="9525">
+                <a14:hiddenLine xmlns="" xmlns:a14="http://schemas.microsoft.com/office/drawing/2010/main" w="9525">
                   <a:solidFill>
                     <a:srgbClr val="000000"/>
                   </a:solidFill>
@@ -754,7 +755,7 @@
             </a:ln>
             <a:extLst>
               <a:ext uri="{91240B29-F687-4f45-9708-019B960494DF}">
-                <a14:hiddenLine xmlns:a14="http://schemas.microsoft.com/office/drawing/2010/main" xmlns="" w="9525">
+                <a14:hiddenLine xmlns="" xmlns:a14="http://schemas.microsoft.com/office/drawing/2010/main" w="9525">
                   <a:solidFill>
                     <a:srgbClr val="000000"/>
                   </a:solidFill>
@@ -816,7 +817,7 @@
             </a:ln>
             <a:extLst>
               <a:ext uri="{91240B29-F687-4f45-9708-019B960494DF}">
-                <a14:hiddenLine xmlns:a14="http://schemas.microsoft.com/office/drawing/2010/main" xmlns="" w="9525">
+                <a14:hiddenLine xmlns="" xmlns:a14="http://schemas.microsoft.com/office/drawing/2010/main" w="9525">
                   <a:solidFill>
                     <a:srgbClr val="000000"/>
                   </a:solidFill>
@@ -878,7 +879,7 @@
             </a:ln>
             <a:extLst>
               <a:ext uri="{91240B29-F687-4f45-9708-019B960494DF}">
-                <a14:hiddenLine xmlns:a14="http://schemas.microsoft.com/office/drawing/2010/main" xmlns="" w="9525">
+                <a14:hiddenLine xmlns="" xmlns:a14="http://schemas.microsoft.com/office/drawing/2010/main" w="9525">
                   <a:solidFill>
                     <a:srgbClr val="000000"/>
                   </a:solidFill>
@@ -968,7 +969,7 @@
             </a:ln>
             <a:extLst>
               <a:ext uri="{91240B29-F687-4f45-9708-019B960494DF}">
-                <a14:hiddenLine xmlns:a14="http://schemas.microsoft.com/office/drawing/2010/main" xmlns="" w="9525">
+                <a14:hiddenLine xmlns="" xmlns:a14="http://schemas.microsoft.com/office/drawing/2010/main" w="9525">
                   <a:solidFill>
                     <a:srgbClr val="000000"/>
                   </a:solidFill>
@@ -1058,7 +1059,7 @@
             </a:ln>
             <a:extLst>
               <a:ext uri="{91240B29-F687-4f45-9708-019B960494DF}">
-                <a14:hiddenLine xmlns:a14="http://schemas.microsoft.com/office/drawing/2010/main" xmlns="" w="9525">
+                <a14:hiddenLine xmlns="" xmlns:a14="http://schemas.microsoft.com/office/drawing/2010/main" w="9525">
                   <a:solidFill>
                     <a:srgbClr val="000000"/>
                   </a:solidFill>
@@ -1120,7 +1121,7 @@
             </a:ln>
             <a:extLst>
               <a:ext uri="{91240B29-F687-4f45-9708-019B960494DF}">
-                <a14:hiddenLine xmlns:a14="http://schemas.microsoft.com/office/drawing/2010/main" xmlns="" w="9525">
+                <a14:hiddenLine xmlns="" xmlns:a14="http://schemas.microsoft.com/office/drawing/2010/main" w="9525">
                   <a:solidFill>
                     <a:srgbClr val="000000"/>
                   </a:solidFill>
@@ -1230,7 +1231,7 @@
             </a:ln>
             <a:extLst>
               <a:ext uri="{91240B29-F687-4f45-9708-019B960494DF}">
-                <a14:hiddenLine xmlns:a14="http://schemas.microsoft.com/office/drawing/2010/main" xmlns="" w="9525">
+                <a14:hiddenLine xmlns="" xmlns:a14="http://schemas.microsoft.com/office/drawing/2010/main" w="9525">
                   <a:solidFill>
                     <a:srgbClr val="000000"/>
                   </a:solidFill>
@@ -1292,7 +1293,7 @@
             </a:ln>
             <a:extLst>
               <a:ext uri="{91240B29-F687-4f45-9708-019B960494DF}">
-                <a14:hiddenLine xmlns:a14="http://schemas.microsoft.com/office/drawing/2010/main" xmlns="" w="9525">
+                <a14:hiddenLine xmlns="" xmlns:a14="http://schemas.microsoft.com/office/drawing/2010/main" w="9525">
                   <a:solidFill>
                     <a:srgbClr val="000000"/>
                   </a:solidFill>
@@ -1382,7 +1383,7 @@
             </a:ln>
             <a:extLst>
               <a:ext uri="{91240B29-F687-4f45-9708-019B960494DF}">
-                <a14:hiddenLine xmlns:a14="http://schemas.microsoft.com/office/drawing/2010/main" xmlns="" w="9525">
+                <a14:hiddenLine xmlns="" xmlns:a14="http://schemas.microsoft.com/office/drawing/2010/main" w="9525">
                   <a:solidFill>
                     <a:srgbClr val="000000"/>
                   </a:solidFill>
@@ -1472,7 +1473,7 @@
             </a:ln>
             <a:extLst>
               <a:ext uri="{91240B29-F687-4f45-9708-019B960494DF}">
-                <a14:hiddenLine xmlns:a14="http://schemas.microsoft.com/office/drawing/2010/main" xmlns="" w="9525">
+                <a14:hiddenLine xmlns="" xmlns:a14="http://schemas.microsoft.com/office/drawing/2010/main" w="9525">
                   <a:solidFill>
                     <a:srgbClr val="000000"/>
                   </a:solidFill>
@@ -1534,7 +1535,7 @@
             </a:ln>
             <a:extLst>
               <a:ext uri="{91240B29-F687-4f45-9708-019B960494DF}">
-                <a14:hiddenLine xmlns:a14="http://schemas.microsoft.com/office/drawing/2010/main" xmlns="" w="9525">
+                <a14:hiddenLine xmlns="" xmlns:a14="http://schemas.microsoft.com/office/drawing/2010/main" w="9525">
                   <a:solidFill>
                     <a:srgbClr val="000000"/>
                   </a:solidFill>
@@ -1624,7 +1625,7 @@
             </a:ln>
             <a:extLst>
               <a:ext uri="{91240B29-F687-4f45-9708-019B960494DF}">
-                <a14:hiddenLine xmlns:a14="http://schemas.microsoft.com/office/drawing/2010/main" xmlns="" w="9525">
+                <a14:hiddenLine xmlns="" xmlns:a14="http://schemas.microsoft.com/office/drawing/2010/main" w="9525">
                   <a:solidFill>
                     <a:srgbClr val="000000"/>
                   </a:solidFill>
@@ -1714,7 +1715,7 @@
             </a:ln>
             <a:extLst>
               <a:ext uri="{91240B29-F687-4f45-9708-019B960494DF}">
-                <a14:hiddenLine xmlns:a14="http://schemas.microsoft.com/office/drawing/2010/main" xmlns="" w="9525">
+                <a14:hiddenLine xmlns="" xmlns:a14="http://schemas.microsoft.com/office/drawing/2010/main" w="9525">
                   <a:solidFill>
                     <a:srgbClr val="000000"/>
                   </a:solidFill>
@@ -1770,7 +1771,7 @@
             </a:ln>
             <a:extLst>
               <a:ext uri="{91240B29-F687-4f45-9708-019B960494DF}">
-                <a14:hiddenLine xmlns:a14="http://schemas.microsoft.com/office/drawing/2010/main" xmlns="" w="9525">
+                <a14:hiddenLine xmlns="" xmlns:a14="http://schemas.microsoft.com/office/drawing/2010/main" w="9525">
                   <a:solidFill>
                     <a:srgbClr val="000000"/>
                   </a:solidFill>
@@ -1860,7 +1861,7 @@
             </a:ln>
             <a:extLst>
               <a:ext uri="{91240B29-F687-4f45-9708-019B960494DF}">
-                <a14:hiddenLine xmlns:a14="http://schemas.microsoft.com/office/drawing/2010/main" xmlns="" w="9525">
+                <a14:hiddenLine xmlns="" xmlns:a14="http://schemas.microsoft.com/office/drawing/2010/main" w="9525">
                   <a:solidFill>
                     <a:srgbClr val="000000"/>
                   </a:solidFill>
@@ -1916,7 +1917,7 @@
             </a:ln>
             <a:extLst>
               <a:ext uri="{91240B29-F687-4f45-9708-019B960494DF}">
-                <a14:hiddenLine xmlns:a14="http://schemas.microsoft.com/office/drawing/2010/main" xmlns="" w="9525">
+                <a14:hiddenLine xmlns="" xmlns:a14="http://schemas.microsoft.com/office/drawing/2010/main" w="9525">
                   <a:solidFill>
                     <a:srgbClr val="000000"/>
                   </a:solidFill>
@@ -2006,7 +2007,7 @@
             </a:ln>
             <a:extLst>
               <a:ext uri="{91240B29-F687-4f45-9708-019B960494DF}">
-                <a14:hiddenLine xmlns:a14="http://schemas.microsoft.com/office/drawing/2010/main" xmlns="" w="9525">
+                <a14:hiddenLine xmlns="" xmlns:a14="http://schemas.microsoft.com/office/drawing/2010/main" w="9525">
                   <a:solidFill>
                     <a:srgbClr val="000000"/>
                   </a:solidFill>
@@ -2074,7 +2075,7 @@
             </a:ln>
             <a:extLst>
               <a:ext uri="{91240B29-F687-4f45-9708-019B960494DF}">
-                <a14:hiddenLine xmlns:a14="http://schemas.microsoft.com/office/drawing/2010/main" xmlns="" w="9525">
+                <a14:hiddenLine xmlns="" xmlns:a14="http://schemas.microsoft.com/office/drawing/2010/main" w="9525">
                   <a:solidFill>
                     <a:srgbClr val="000000"/>
                   </a:solidFill>
@@ -2164,7 +2165,7 @@
             </a:ln>
             <a:extLst>
               <a:ext uri="{91240B29-F687-4f45-9708-019B960494DF}">
-                <a14:hiddenLine xmlns:a14="http://schemas.microsoft.com/office/drawing/2010/main" xmlns="" w="9525">
+                <a14:hiddenLine xmlns="" xmlns:a14="http://schemas.microsoft.com/office/drawing/2010/main" w="9525">
                   <a:solidFill>
                     <a:srgbClr val="000000"/>
                   </a:solidFill>
@@ -2232,7 +2233,7 @@
             </a:ln>
             <a:extLst>
               <a:ext uri="{91240B29-F687-4f45-9708-019B960494DF}">
-                <a14:hiddenLine xmlns:a14="http://schemas.microsoft.com/office/drawing/2010/main" xmlns="" w="9525">
+                <a14:hiddenLine xmlns="" xmlns:a14="http://schemas.microsoft.com/office/drawing/2010/main" w="9525">
                   <a:solidFill>
                     <a:srgbClr val="000000"/>
                   </a:solidFill>
@@ -2322,7 +2323,7 @@
             </a:ln>
             <a:extLst>
               <a:ext uri="{91240B29-F687-4f45-9708-019B960494DF}">
-                <a14:hiddenLine xmlns:a14="http://schemas.microsoft.com/office/drawing/2010/main" xmlns="" w="9525">
+                <a14:hiddenLine xmlns="" xmlns:a14="http://schemas.microsoft.com/office/drawing/2010/main" w="9525">
                   <a:solidFill>
                     <a:srgbClr val="000000"/>
                   </a:solidFill>
@@ -2356,7 +2357,7 @@
             </a:ln>
             <a:extLst>
               <a:ext uri="{91240B29-F687-4f45-9708-019B960494DF}">
-                <a14:hiddenLine xmlns:a14="http://schemas.microsoft.com/office/drawing/2010/main" xmlns="" w="9525">
+                <a14:hiddenLine xmlns="" xmlns:a14="http://schemas.microsoft.com/office/drawing/2010/main" w="9525">
                   <a:solidFill>
                     <a:srgbClr val="000000"/>
                   </a:solidFill>
@@ -2446,7 +2447,7 @@
             </a:ln>
             <a:extLst>
               <a:ext uri="{91240B29-F687-4f45-9708-019B960494DF}">
-                <a14:hiddenLine xmlns:a14="http://schemas.microsoft.com/office/drawing/2010/main" xmlns="" w="9525">
+                <a14:hiddenLine xmlns="" xmlns:a14="http://schemas.microsoft.com/office/drawing/2010/main" w="9525">
                   <a:solidFill>
                     <a:srgbClr val="000000"/>
                   </a:solidFill>
@@ -2508,7 +2509,7 @@
             </a:ln>
             <a:extLst>
               <a:ext uri="{91240B29-F687-4f45-9708-019B960494DF}">
-                <a14:hiddenLine xmlns:a14="http://schemas.microsoft.com/office/drawing/2010/main" xmlns="" w="9525">
+                <a14:hiddenLine xmlns="" xmlns:a14="http://schemas.microsoft.com/office/drawing/2010/main" w="9525">
                   <a:solidFill>
                     <a:srgbClr val="000000"/>
                   </a:solidFill>
@@ -2570,7 +2571,7 @@
             </a:ln>
             <a:extLst>
               <a:ext uri="{91240B29-F687-4f45-9708-019B960494DF}">
-                <a14:hiddenLine xmlns:a14="http://schemas.microsoft.com/office/drawing/2010/main" xmlns="" w="9525">
+                <a14:hiddenLine xmlns="" xmlns:a14="http://schemas.microsoft.com/office/drawing/2010/main" w="9525">
                   <a:solidFill>
                     <a:srgbClr val="000000"/>
                   </a:solidFill>
@@ -2660,7 +2661,7 @@
             </a:ln>
             <a:extLst>
               <a:ext uri="{91240B29-F687-4f45-9708-019B960494DF}">
-                <a14:hiddenLine xmlns:a14="http://schemas.microsoft.com/office/drawing/2010/main" xmlns="" w="9525">
+                <a14:hiddenLine xmlns="" xmlns:a14="http://schemas.microsoft.com/office/drawing/2010/main" w="9525">
                   <a:solidFill>
                     <a:srgbClr val="000000"/>
                   </a:solidFill>
@@ -2728,7 +2729,7 @@
             </a:ln>
             <a:extLst>
               <a:ext uri="{91240B29-F687-4f45-9708-019B960494DF}">
-                <a14:hiddenLine xmlns:a14="http://schemas.microsoft.com/office/drawing/2010/main" xmlns="" w="9525">
+                <a14:hiddenLine xmlns="" xmlns:a14="http://schemas.microsoft.com/office/drawing/2010/main" w="9525">
                   <a:solidFill>
                     <a:srgbClr val="000000"/>
                   </a:solidFill>
@@ -2790,7 +2791,7 @@
             </a:ln>
             <a:extLst>
               <a:ext uri="{91240B29-F687-4f45-9708-019B960494DF}">
-                <a14:hiddenLine xmlns:a14="http://schemas.microsoft.com/office/drawing/2010/main" xmlns="" w="9525">
+                <a14:hiddenLine xmlns="" xmlns:a14="http://schemas.microsoft.com/office/drawing/2010/main" w="9525">
                   <a:solidFill>
                     <a:srgbClr val="000000"/>
                   </a:solidFill>
@@ -2880,7 +2881,7 @@
             </a:ln>
             <a:extLst>
               <a:ext uri="{91240B29-F687-4f45-9708-019B960494DF}">
-                <a14:hiddenLine xmlns:a14="http://schemas.microsoft.com/office/drawing/2010/main" xmlns="" w="9525">
+                <a14:hiddenLine xmlns="" xmlns:a14="http://schemas.microsoft.com/office/drawing/2010/main" w="9525">
                   <a:solidFill>
                     <a:srgbClr val="000000"/>
                   </a:solidFill>
@@ -2942,7 +2943,7 @@
             </a:ln>
             <a:extLst>
               <a:ext uri="{91240B29-F687-4f45-9708-019B960494DF}">
-                <a14:hiddenLine xmlns:a14="http://schemas.microsoft.com/office/drawing/2010/main" xmlns="" w="9525">
+                <a14:hiddenLine xmlns="" xmlns:a14="http://schemas.microsoft.com/office/drawing/2010/main" w="9525">
                   <a:solidFill>
                     <a:srgbClr val="000000"/>
                   </a:solidFill>
@@ -3032,7 +3033,7 @@
             </a:ln>
             <a:extLst>
               <a:ext uri="{91240B29-F687-4f45-9708-019B960494DF}">
-                <a14:hiddenLine xmlns:a14="http://schemas.microsoft.com/office/drawing/2010/main" xmlns="" w="9525">
+                <a14:hiddenLine xmlns="" xmlns:a14="http://schemas.microsoft.com/office/drawing/2010/main" w="9525">
                   <a:solidFill>
                     <a:srgbClr val="000000"/>
                   </a:solidFill>
@@ -3094,7 +3095,7 @@
             </a:ln>
             <a:extLst>
               <a:ext uri="{91240B29-F687-4f45-9708-019B960494DF}">
-                <a14:hiddenLine xmlns:a14="http://schemas.microsoft.com/office/drawing/2010/main" xmlns="" w="9525">
+                <a14:hiddenLine xmlns="" xmlns:a14="http://schemas.microsoft.com/office/drawing/2010/main" w="9525">
                   <a:solidFill>
                     <a:srgbClr val="000000"/>
                   </a:solidFill>
@@ -3184,7 +3185,7 @@
             </a:ln>
             <a:extLst>
               <a:ext uri="{91240B29-F687-4f45-9708-019B960494DF}">
-                <a14:hiddenLine xmlns:a14="http://schemas.microsoft.com/office/drawing/2010/main" xmlns="" w="9525">
+                <a14:hiddenLine xmlns="" xmlns:a14="http://schemas.microsoft.com/office/drawing/2010/main" w="9525">
                   <a:solidFill>
                     <a:srgbClr val="000000"/>
                   </a:solidFill>
@@ -3218,7 +3219,7 @@
             </a:ln>
             <a:extLst>
               <a:ext uri="{91240B29-F687-4f45-9708-019B960494DF}">
-                <a14:hiddenLine xmlns:a14="http://schemas.microsoft.com/office/drawing/2010/main" xmlns="" w="9525">
+                <a14:hiddenLine xmlns="" xmlns:a14="http://schemas.microsoft.com/office/drawing/2010/main" w="9525">
                   <a:solidFill>
                     <a:srgbClr val="000000"/>
                   </a:solidFill>
@@ -3283,7 +3284,7 @@
             </a:ln>
             <a:extLst>
               <a:ext uri="{91240B29-F687-4f45-9708-019B960494DF}">
-                <a14:hiddenLine xmlns:a14="http://schemas.microsoft.com/office/drawing/2010/main" xmlns="" w="9525">
+                <a14:hiddenLine xmlns="" xmlns:a14="http://schemas.microsoft.com/office/drawing/2010/main" w="9525">
                   <a:solidFill>
                     <a:srgbClr val="000000"/>
                   </a:solidFill>
@@ -3373,7 +3374,7 @@
             </a:ln>
             <a:extLst>
               <a:ext uri="{91240B29-F687-4f45-9708-019B960494DF}">
-                <a14:hiddenLine xmlns:a14="http://schemas.microsoft.com/office/drawing/2010/main" xmlns="" w="9525">
+                <a14:hiddenLine xmlns="" xmlns:a14="http://schemas.microsoft.com/office/drawing/2010/main" w="9525">
                   <a:solidFill>
                     <a:srgbClr val="000000"/>
                   </a:solidFill>
@@ -3435,7 +3436,7 @@
             </a:ln>
             <a:extLst>
               <a:ext uri="{91240B29-F687-4f45-9708-019B960494DF}">
-                <a14:hiddenLine xmlns:a14="http://schemas.microsoft.com/office/drawing/2010/main" xmlns="" w="9525">
+                <a14:hiddenLine xmlns="" xmlns:a14="http://schemas.microsoft.com/office/drawing/2010/main" w="9525">
                   <a:solidFill>
                     <a:srgbClr val="000000"/>
                   </a:solidFill>
@@ -3525,7 +3526,7 @@
             </a:ln>
             <a:extLst>
               <a:ext uri="{91240B29-F687-4f45-9708-019B960494DF}">
-                <a14:hiddenLine xmlns:a14="http://schemas.microsoft.com/office/drawing/2010/main" xmlns="" w="9525">
+                <a14:hiddenLine xmlns="" xmlns:a14="http://schemas.microsoft.com/office/drawing/2010/main" w="9525">
                   <a:solidFill>
                     <a:srgbClr val="000000"/>
                   </a:solidFill>
@@ -3615,7 +3616,7 @@
             </a:ln>
             <a:extLst>
               <a:ext uri="{91240B29-F687-4f45-9708-019B960494DF}">
-                <a14:hiddenLine xmlns:a14="http://schemas.microsoft.com/office/drawing/2010/main" xmlns="" w="9525">
+                <a14:hiddenLine xmlns="" xmlns:a14="http://schemas.microsoft.com/office/drawing/2010/main" w="9525">
                   <a:solidFill>
                     <a:srgbClr val="000000"/>
                   </a:solidFill>
@@ -3680,7 +3681,7 @@
             </a:ln>
             <a:extLst>
               <a:ext uri="{91240B29-F687-4f45-9708-019B960494DF}">
-                <a14:hiddenLine xmlns:a14="http://schemas.microsoft.com/office/drawing/2010/main" xmlns="" w="9525">
+                <a14:hiddenLine xmlns="" xmlns:a14="http://schemas.microsoft.com/office/drawing/2010/main" w="9525">
                   <a:solidFill>
                     <a:srgbClr val="000000"/>
                   </a:solidFill>
@@ -3742,7 +3743,7 @@
             </a:ln>
             <a:extLst>
               <a:ext uri="{91240B29-F687-4f45-9708-019B960494DF}">
-                <a14:hiddenLine xmlns:a14="http://schemas.microsoft.com/office/drawing/2010/main" xmlns="" w="9525">
+                <a14:hiddenLine xmlns="" xmlns:a14="http://schemas.microsoft.com/office/drawing/2010/main" w="9525">
                   <a:solidFill>
                     <a:srgbClr val="000000"/>
                   </a:solidFill>
@@ -3832,7 +3833,7 @@
             </a:ln>
             <a:extLst>
               <a:ext uri="{91240B29-F687-4f45-9708-019B960494DF}">
-                <a14:hiddenLine xmlns:a14="http://schemas.microsoft.com/office/drawing/2010/main" xmlns="" w="9525">
+                <a14:hiddenLine xmlns="" xmlns:a14="http://schemas.microsoft.com/office/drawing/2010/main" w="9525">
                   <a:solidFill>
                     <a:srgbClr val="000000"/>
                   </a:solidFill>
@@ -3922,7 +3923,7 @@
             </a:ln>
             <a:extLst>
               <a:ext uri="{91240B29-F687-4f45-9708-019B960494DF}">
-                <a14:hiddenLine xmlns:a14="http://schemas.microsoft.com/office/drawing/2010/main" xmlns="" w="9525">
+                <a14:hiddenLine xmlns="" xmlns:a14="http://schemas.microsoft.com/office/drawing/2010/main" w="9525">
                   <a:solidFill>
                     <a:srgbClr val="000000"/>
                   </a:solidFill>
@@ -3984,7 +3985,7 @@
             </a:ln>
             <a:extLst>
               <a:ext uri="{91240B29-F687-4f45-9708-019B960494DF}">
-                <a14:hiddenLine xmlns:a14="http://schemas.microsoft.com/office/drawing/2010/main" xmlns="" w="9525">
+                <a14:hiddenLine xmlns="" xmlns:a14="http://schemas.microsoft.com/office/drawing/2010/main" w="9525">
                   <a:solidFill>
                     <a:srgbClr val="000000"/>
                   </a:solidFill>
@@ -4104,7 +4105,7 @@
             </a:ln>
             <a:extLst>
               <a:ext uri="{91240B29-F687-4f45-9708-019B960494DF}">
-                <a14:hiddenLine xmlns:a14="http://schemas.microsoft.com/office/drawing/2010/main" xmlns="" w="9525">
+                <a14:hiddenLine xmlns="" xmlns:a14="http://schemas.microsoft.com/office/drawing/2010/main" w="9525">
                   <a:solidFill>
                     <a:srgbClr val="000000"/>
                   </a:solidFill>
@@ -4172,7 +4173,7 @@
             </a:ln>
             <a:extLst>
               <a:ext uri="{91240B29-F687-4f45-9708-019B960494DF}">
-                <a14:hiddenLine xmlns:a14="http://schemas.microsoft.com/office/drawing/2010/main" xmlns="" w="9525">
+                <a14:hiddenLine xmlns="" xmlns:a14="http://schemas.microsoft.com/office/drawing/2010/main" w="9525">
                   <a:solidFill>
                     <a:srgbClr val="000000"/>
                   </a:solidFill>
@@ -4262,7 +4263,7 @@
             </a:ln>
             <a:extLst>
               <a:ext uri="{91240B29-F687-4f45-9708-019B960494DF}">
-                <a14:hiddenLine xmlns:a14="http://schemas.microsoft.com/office/drawing/2010/main" xmlns="" w="9525">
+                <a14:hiddenLine xmlns="" xmlns:a14="http://schemas.microsoft.com/office/drawing/2010/main" w="9525">
                   <a:solidFill>
                     <a:srgbClr val="000000"/>
                   </a:solidFill>
@@ -4402,7 +4403,7 @@
           <a:p>
             <a:fld id="{48A87A34-81AB-432B-8DAE-1953F412C126}" type="datetimeFigureOut">
               <a:rPr lang="en-US" dirty="0"/>
-              <a:t>12/5/2016</a:t>
+              <a:t>12/6/16</a:t>
             </a:fld>
             <a:endParaRPr lang="en-US" dirty="0"/>
           </a:p>
@@ -4664,7 +4665,7 @@
           <a:p>
             <a:fld id="{48A87A34-81AB-432B-8DAE-1953F412C126}" type="datetimeFigureOut">
               <a:rPr lang="en-US" dirty="0"/>
-              <a:t>12/5/2016</a:t>
+              <a:t>12/6/16</a:t>
             </a:fld>
             <a:endParaRPr lang="en-US" dirty="0"/>
           </a:p>
@@ -4855,7 +4856,7 @@
           <a:p>
             <a:fld id="{48A87A34-81AB-432B-8DAE-1953F412C126}" type="datetimeFigureOut">
               <a:rPr lang="en-US" dirty="0"/>
-              <a:t>12/5/2016</a:t>
+              <a:t>12/6/16</a:t>
             </a:fld>
             <a:endParaRPr lang="en-US" dirty="0"/>
           </a:p>
@@ -5113,7 +5114,7 @@
           <a:p>
             <a:fld id="{48A87A34-81AB-432B-8DAE-1953F412C126}" type="datetimeFigureOut">
               <a:rPr lang="en-US" dirty="0"/>
-              <a:t>12/5/2016</a:t>
+              <a:t>12/6/16</a:t>
             </a:fld>
             <a:endParaRPr lang="en-US" dirty="0"/>
           </a:p>
@@ -5542,7 +5543,7 @@
           <a:p>
             <a:fld id="{48A87A34-81AB-432B-8DAE-1953F412C126}" type="datetimeFigureOut">
               <a:rPr lang="en-US" dirty="0"/>
-              <a:t>12/5/2016</a:t>
+              <a:t>12/6/16</a:t>
             </a:fld>
             <a:endParaRPr lang="en-US" dirty="0"/>
           </a:p>
@@ -6083,7 +6084,7 @@
           <a:p>
             <a:fld id="{48A87A34-81AB-432B-8DAE-1953F412C126}" type="datetimeFigureOut">
               <a:rPr lang="en-US" dirty="0"/>
-              <a:t>12/5/2016</a:t>
+              <a:t>12/6/16</a:t>
             </a:fld>
             <a:endParaRPr lang="en-US" dirty="0"/>
           </a:p>
@@ -6798,7 +6799,7 @@
           <a:p>
             <a:fld id="{48A87A34-81AB-432B-8DAE-1953F412C126}" type="datetimeFigureOut">
               <a:rPr lang="en-US" dirty="0"/>
-              <a:t>12/5/2016</a:t>
+              <a:t>12/6/16</a:t>
             </a:fld>
             <a:endParaRPr lang="en-US" dirty="0"/>
           </a:p>
@@ -6963,7 +6964,7 @@
           <a:p>
             <a:fld id="{48A87A34-81AB-432B-8DAE-1953F412C126}" type="datetimeFigureOut">
               <a:rPr lang="en-US" dirty="0"/>
-              <a:t>12/5/2016</a:t>
+              <a:t>12/6/16</a:t>
             </a:fld>
             <a:endParaRPr lang="en-US" dirty="0"/>
           </a:p>
@@ -7138,7 +7139,7 @@
           <a:p>
             <a:fld id="{48A87A34-81AB-432B-8DAE-1953F412C126}" type="datetimeFigureOut">
               <a:rPr lang="en-US" dirty="0"/>
-              <a:t>12/5/2016</a:t>
+              <a:t>12/6/16</a:t>
             </a:fld>
             <a:endParaRPr lang="en-US" dirty="0"/>
           </a:p>
@@ -7303,7 +7304,7 @@
           <a:p>
             <a:fld id="{48A87A34-81AB-432B-8DAE-1953F412C126}" type="datetimeFigureOut">
               <a:rPr lang="en-US" dirty="0"/>
-              <a:t>12/5/2016</a:t>
+              <a:t>12/6/16</a:t>
             </a:fld>
             <a:endParaRPr lang="en-US" dirty="0"/>
           </a:p>
@@ -7548,7 +7549,7 @@
           <a:p>
             <a:fld id="{48A87A34-81AB-432B-8DAE-1953F412C126}" type="datetimeFigureOut">
               <a:rPr lang="en-US" dirty="0"/>
-              <a:t>12/5/2016</a:t>
+              <a:t>12/6/16</a:t>
             </a:fld>
             <a:endParaRPr lang="en-US" dirty="0"/>
           </a:p>
@@ -7775,7 +7776,7 @@
           <a:p>
             <a:fld id="{48A87A34-81AB-432B-8DAE-1953F412C126}" type="datetimeFigureOut">
               <a:rPr lang="en-US" dirty="0"/>
-              <a:t>12/5/2016</a:t>
+              <a:t>12/6/16</a:t>
             </a:fld>
             <a:endParaRPr lang="en-US" dirty="0"/>
           </a:p>
@@ -8151,7 +8152,7 @@
           <a:p>
             <a:fld id="{48A87A34-81AB-432B-8DAE-1953F412C126}" type="datetimeFigureOut">
               <a:rPr lang="en-US" dirty="0"/>
-              <a:t>12/5/2016</a:t>
+              <a:t>12/6/16</a:t>
             </a:fld>
             <a:endParaRPr lang="en-US" dirty="0"/>
           </a:p>
@@ -8264,7 +8265,7 @@
           <a:p>
             <a:fld id="{48A87A34-81AB-432B-8DAE-1953F412C126}" type="datetimeFigureOut">
               <a:rPr lang="en-US" dirty="0"/>
-              <a:t>12/5/2016</a:t>
+              <a:t>12/6/16</a:t>
             </a:fld>
             <a:endParaRPr lang="en-US" dirty="0"/>
           </a:p>
@@ -8354,7 +8355,7 @@
           <a:p>
             <a:fld id="{48A87A34-81AB-432B-8DAE-1953F412C126}" type="datetimeFigureOut">
               <a:rPr lang="en-US" dirty="0"/>
-              <a:t>12/5/2016</a:t>
+              <a:t>12/6/16</a:t>
             </a:fld>
             <a:endParaRPr lang="en-US" dirty="0"/>
           </a:p>
@@ -8598,7 +8599,7 @@
           <a:p>
             <a:fld id="{48A87A34-81AB-432B-8DAE-1953F412C126}" type="datetimeFigureOut">
               <a:rPr lang="en-US" dirty="0"/>
-              <a:t>12/5/2016</a:t>
+              <a:t>12/6/16</a:t>
             </a:fld>
             <a:endParaRPr lang="en-US" dirty="0"/>
           </a:p>
@@ -8873,7 +8874,7 @@
           <a:p>
             <a:fld id="{48A87A34-81AB-432B-8DAE-1953F412C126}" type="datetimeFigureOut">
               <a:rPr lang="en-US" dirty="0"/>
-              <a:t>12/5/2016</a:t>
+              <a:t>12/6/16</a:t>
             </a:fld>
             <a:endParaRPr lang="en-US" dirty="0"/>
           </a:p>
@@ -8991,7 +8992,7 @@
           <a:noFill/>
           <a:extLst>
             <a:ext uri="{909E8E84-426E-40dd-AFC4-6F175D3DCCD1}">
-              <a14:hiddenFill xmlns:a14="http://schemas.microsoft.com/office/drawing/2010/main" xmlns="">
+              <a14:hiddenFill xmlns="" xmlns:a14="http://schemas.microsoft.com/office/drawing/2010/main">
                 <a:solidFill>
                   <a:srgbClr val="FFFFFF"/>
                 </a:solidFill>
@@ -9065,7 +9066,7 @@
               </a:ln>
               <a:extLst>
                 <a:ext uri="{91240B29-F687-4f45-9708-019B960494DF}">
-                  <a14:hiddenLine xmlns:a14="http://schemas.microsoft.com/office/drawing/2010/main" xmlns="" w="9525">
+                  <a14:hiddenLine xmlns="" xmlns:a14="http://schemas.microsoft.com/office/drawing/2010/main" w="9525">
                     <a:solidFill>
                       <a:srgbClr val="000000"/>
                     </a:solidFill>
@@ -9155,7 +9156,7 @@
               </a:ln>
               <a:extLst>
                 <a:ext uri="{91240B29-F687-4f45-9708-019B960494DF}">
-                  <a14:hiddenLine xmlns:a14="http://schemas.microsoft.com/office/drawing/2010/main" xmlns="" w="9525">
+                  <a14:hiddenLine xmlns="" xmlns:a14="http://schemas.microsoft.com/office/drawing/2010/main" w="9525">
                     <a:solidFill>
                       <a:srgbClr val="000000"/>
                     </a:solidFill>
@@ -9245,7 +9246,7 @@
               </a:ln>
               <a:extLst>
                 <a:ext uri="{91240B29-F687-4f45-9708-019B960494DF}">
-                  <a14:hiddenLine xmlns:a14="http://schemas.microsoft.com/office/drawing/2010/main" xmlns="" w="9525">
+                  <a14:hiddenLine xmlns="" xmlns:a14="http://schemas.microsoft.com/office/drawing/2010/main" w="9525">
                     <a:solidFill>
                       <a:srgbClr val="000000"/>
                     </a:solidFill>
@@ -9307,7 +9308,7 @@
               </a:ln>
               <a:extLst>
                 <a:ext uri="{91240B29-F687-4f45-9708-019B960494DF}">
-                  <a14:hiddenLine xmlns:a14="http://schemas.microsoft.com/office/drawing/2010/main" xmlns="" w="9525">
+                  <a14:hiddenLine xmlns="" xmlns:a14="http://schemas.microsoft.com/office/drawing/2010/main" w="9525">
                     <a:solidFill>
                       <a:srgbClr val="000000"/>
                     </a:solidFill>
@@ -9397,7 +9398,7 @@
               </a:ln>
               <a:extLst>
                 <a:ext uri="{91240B29-F687-4f45-9708-019B960494DF}">
-                  <a14:hiddenLine xmlns:a14="http://schemas.microsoft.com/office/drawing/2010/main" xmlns="" w="9525">
+                  <a14:hiddenLine xmlns="" xmlns:a14="http://schemas.microsoft.com/office/drawing/2010/main" w="9525">
                     <a:solidFill>
                       <a:srgbClr val="000000"/>
                     </a:solidFill>
@@ -9459,7 +9460,7 @@
               </a:ln>
               <a:extLst>
                 <a:ext uri="{91240B29-F687-4f45-9708-019B960494DF}">
-                  <a14:hiddenLine xmlns:a14="http://schemas.microsoft.com/office/drawing/2010/main" xmlns="" w="9525">
+                  <a14:hiddenLine xmlns="" xmlns:a14="http://schemas.microsoft.com/office/drawing/2010/main" w="9525">
                     <a:solidFill>
                       <a:srgbClr val="000000"/>
                     </a:solidFill>
@@ -9521,7 +9522,7 @@
               </a:ln>
               <a:extLst>
                 <a:ext uri="{91240B29-F687-4f45-9708-019B960494DF}">
-                  <a14:hiddenLine xmlns:a14="http://schemas.microsoft.com/office/drawing/2010/main" xmlns="" w="9525">
+                  <a14:hiddenLine xmlns="" xmlns:a14="http://schemas.microsoft.com/office/drawing/2010/main" w="9525">
                     <a:solidFill>
                       <a:srgbClr val="000000"/>
                     </a:solidFill>
@@ -9611,7 +9612,7 @@
               </a:ln>
               <a:extLst>
                 <a:ext uri="{91240B29-F687-4f45-9708-019B960494DF}">
-                  <a14:hiddenLine xmlns:a14="http://schemas.microsoft.com/office/drawing/2010/main" xmlns="" w="9525">
+                  <a14:hiddenLine xmlns="" xmlns:a14="http://schemas.microsoft.com/office/drawing/2010/main" w="9525">
                     <a:solidFill>
                       <a:srgbClr val="000000"/>
                     </a:solidFill>
@@ -9701,7 +9702,7 @@
               </a:ln>
               <a:extLst>
                 <a:ext uri="{91240B29-F687-4f45-9708-019B960494DF}">
-                  <a14:hiddenLine xmlns:a14="http://schemas.microsoft.com/office/drawing/2010/main" xmlns="" w="9525">
+                  <a14:hiddenLine xmlns="" xmlns:a14="http://schemas.microsoft.com/office/drawing/2010/main" w="9525">
                     <a:solidFill>
                       <a:srgbClr val="000000"/>
                     </a:solidFill>
@@ -9763,7 +9764,7 @@
               </a:ln>
               <a:extLst>
                 <a:ext uri="{91240B29-F687-4f45-9708-019B960494DF}">
-                  <a14:hiddenLine xmlns:a14="http://schemas.microsoft.com/office/drawing/2010/main" xmlns="" w="9525">
+                  <a14:hiddenLine xmlns="" xmlns:a14="http://schemas.microsoft.com/office/drawing/2010/main" w="9525">
                     <a:solidFill>
                       <a:srgbClr val="000000"/>
                     </a:solidFill>
@@ -9873,7 +9874,7 @@
               </a:ln>
               <a:extLst>
                 <a:ext uri="{91240B29-F687-4f45-9708-019B960494DF}">
-                  <a14:hiddenLine xmlns:a14="http://schemas.microsoft.com/office/drawing/2010/main" xmlns="" w="9525">
+                  <a14:hiddenLine xmlns="" xmlns:a14="http://schemas.microsoft.com/office/drawing/2010/main" w="9525">
                     <a:solidFill>
                       <a:srgbClr val="000000"/>
                     </a:solidFill>
@@ -9957,7 +9958,7 @@
               </a:ln>
               <a:extLst>
                 <a:ext uri="{91240B29-F687-4f45-9708-019B960494DF}">
-                  <a14:hiddenLine xmlns:a14="http://schemas.microsoft.com/office/drawing/2010/main" xmlns="" w="9525">
+                  <a14:hiddenLine xmlns="" xmlns:a14="http://schemas.microsoft.com/office/drawing/2010/main" w="9525">
                     <a:solidFill>
                       <a:srgbClr val="000000"/>
                     </a:solidFill>
@@ -10019,7 +10020,7 @@
               </a:ln>
               <a:extLst>
                 <a:ext uri="{91240B29-F687-4f45-9708-019B960494DF}">
-                  <a14:hiddenLine xmlns:a14="http://schemas.microsoft.com/office/drawing/2010/main" xmlns="" w="9525">
+                  <a14:hiddenLine xmlns="" xmlns:a14="http://schemas.microsoft.com/office/drawing/2010/main" w="9525">
                     <a:solidFill>
                       <a:srgbClr val="000000"/>
                     </a:solidFill>
@@ -10081,7 +10082,7 @@
               </a:ln>
               <a:extLst>
                 <a:ext uri="{91240B29-F687-4f45-9708-019B960494DF}">
-                  <a14:hiddenLine xmlns:a14="http://schemas.microsoft.com/office/drawing/2010/main" xmlns="" w="9525">
+                  <a14:hiddenLine xmlns="" xmlns:a14="http://schemas.microsoft.com/office/drawing/2010/main" w="9525">
                     <a:solidFill>
                       <a:srgbClr val="000000"/>
                     </a:solidFill>
@@ -10171,7 +10172,7 @@
               </a:ln>
               <a:extLst>
                 <a:ext uri="{91240B29-F687-4f45-9708-019B960494DF}">
-                  <a14:hiddenLine xmlns:a14="http://schemas.microsoft.com/office/drawing/2010/main" xmlns="" w="9525">
+                  <a14:hiddenLine xmlns="" xmlns:a14="http://schemas.microsoft.com/office/drawing/2010/main" w="9525">
                     <a:solidFill>
                       <a:srgbClr val="000000"/>
                     </a:solidFill>
@@ -10205,7 +10206,7 @@
               </a:ln>
               <a:extLst>
                 <a:ext uri="{91240B29-F687-4f45-9708-019B960494DF}">
-                  <a14:hiddenLine xmlns:a14="http://schemas.microsoft.com/office/drawing/2010/main" xmlns="" w="9525">
+                  <a14:hiddenLine xmlns="" xmlns:a14="http://schemas.microsoft.com/office/drawing/2010/main" w="9525">
                     <a:solidFill>
                       <a:srgbClr val="000000"/>
                     </a:solidFill>
@@ -10270,7 +10271,7 @@
               </a:ln>
               <a:extLst>
                 <a:ext uri="{91240B29-F687-4f45-9708-019B960494DF}">
-                  <a14:hiddenLine xmlns:a14="http://schemas.microsoft.com/office/drawing/2010/main" xmlns="" w="9525">
+                  <a14:hiddenLine xmlns="" xmlns:a14="http://schemas.microsoft.com/office/drawing/2010/main" w="9525">
                     <a:solidFill>
                       <a:srgbClr val="000000"/>
                     </a:solidFill>
@@ -10360,7 +10361,7 @@
               </a:ln>
               <a:extLst>
                 <a:ext uri="{91240B29-F687-4f45-9708-019B960494DF}">
-                  <a14:hiddenLine xmlns:a14="http://schemas.microsoft.com/office/drawing/2010/main" xmlns="" w="9525">
+                  <a14:hiddenLine xmlns="" xmlns:a14="http://schemas.microsoft.com/office/drawing/2010/main" w="9525">
                     <a:solidFill>
                       <a:srgbClr val="000000"/>
                     </a:solidFill>
@@ -10422,7 +10423,7 @@
               </a:ln>
               <a:extLst>
                 <a:ext uri="{91240B29-F687-4f45-9708-019B960494DF}">
-                  <a14:hiddenLine xmlns:a14="http://schemas.microsoft.com/office/drawing/2010/main" xmlns="" w="9525">
+                  <a14:hiddenLine xmlns="" xmlns:a14="http://schemas.microsoft.com/office/drawing/2010/main" w="9525">
                     <a:solidFill>
                       <a:srgbClr val="000000"/>
                     </a:solidFill>
@@ -10512,7 +10513,7 @@
               </a:ln>
               <a:extLst>
                 <a:ext uri="{91240B29-F687-4f45-9708-019B960494DF}">
-                  <a14:hiddenLine xmlns:a14="http://schemas.microsoft.com/office/drawing/2010/main" xmlns="" w="9525">
+                  <a14:hiddenLine xmlns="" xmlns:a14="http://schemas.microsoft.com/office/drawing/2010/main" w="9525">
                     <a:solidFill>
                       <a:srgbClr val="000000"/>
                     </a:solidFill>
@@ -10577,7 +10578,7 @@
               </a:ln>
               <a:extLst>
                 <a:ext uri="{91240B29-F687-4f45-9708-019B960494DF}">
-                  <a14:hiddenLine xmlns:a14="http://schemas.microsoft.com/office/drawing/2010/main" xmlns="" w="9525">
+                  <a14:hiddenLine xmlns="" xmlns:a14="http://schemas.microsoft.com/office/drawing/2010/main" w="9525">
                     <a:solidFill>
                       <a:srgbClr val="000000"/>
                     </a:solidFill>
@@ -10639,7 +10640,7 @@
               </a:ln>
               <a:extLst>
                 <a:ext uri="{91240B29-F687-4f45-9708-019B960494DF}">
-                  <a14:hiddenLine xmlns:a14="http://schemas.microsoft.com/office/drawing/2010/main" xmlns="" w="9525">
+                  <a14:hiddenLine xmlns="" xmlns:a14="http://schemas.microsoft.com/office/drawing/2010/main" w="9525">
                     <a:solidFill>
                       <a:srgbClr val="000000"/>
                     </a:solidFill>
@@ -10729,7 +10730,7 @@
               </a:ln>
               <a:extLst>
                 <a:ext uri="{91240B29-F687-4f45-9708-019B960494DF}">
-                  <a14:hiddenLine xmlns:a14="http://schemas.microsoft.com/office/drawing/2010/main" xmlns="" w="9525">
+                  <a14:hiddenLine xmlns="" xmlns:a14="http://schemas.microsoft.com/office/drawing/2010/main" w="9525">
                     <a:solidFill>
                       <a:srgbClr val="000000"/>
                     </a:solidFill>
@@ -10819,7 +10820,7 @@
               </a:ln>
               <a:extLst>
                 <a:ext uri="{91240B29-F687-4f45-9708-019B960494DF}">
-                  <a14:hiddenLine xmlns:a14="http://schemas.microsoft.com/office/drawing/2010/main" xmlns="" w="9525">
+                  <a14:hiddenLine xmlns="" xmlns:a14="http://schemas.microsoft.com/office/drawing/2010/main" w="9525">
                     <a:solidFill>
                       <a:srgbClr val="000000"/>
                     </a:solidFill>
@@ -10884,7 +10885,7 @@
               </a:ln>
               <a:extLst>
                 <a:ext uri="{91240B29-F687-4f45-9708-019B960494DF}">
-                  <a14:hiddenLine xmlns:a14="http://schemas.microsoft.com/office/drawing/2010/main" xmlns="" w="9525">
+                  <a14:hiddenLine xmlns="" xmlns:a14="http://schemas.microsoft.com/office/drawing/2010/main" w="9525">
                     <a:solidFill>
                       <a:srgbClr val="000000"/>
                     </a:solidFill>
@@ -11004,7 +11005,7 @@
               </a:ln>
               <a:extLst>
                 <a:ext uri="{91240B29-F687-4f45-9708-019B960494DF}">
-                  <a14:hiddenLine xmlns:a14="http://schemas.microsoft.com/office/drawing/2010/main" xmlns="" w="9525">
+                  <a14:hiddenLine xmlns="" xmlns:a14="http://schemas.microsoft.com/office/drawing/2010/main" w="9525">
                     <a:solidFill>
                       <a:srgbClr val="000000"/>
                     </a:solidFill>
@@ -11085,7 +11086,7 @@
               </a:ln>
               <a:extLst>
                 <a:ext uri="{91240B29-F687-4f45-9708-019B960494DF}">
-                  <a14:hiddenLine xmlns:a14="http://schemas.microsoft.com/office/drawing/2010/main" xmlns="" w="9525">
+                  <a14:hiddenLine xmlns="" xmlns:a14="http://schemas.microsoft.com/office/drawing/2010/main" w="9525">
                     <a:solidFill>
                       <a:srgbClr val="000000"/>
                     </a:solidFill>
@@ -11200,7 +11201,7 @@
               </a:ln>
               <a:extLst>
                 <a:ext uri="{91240B29-F687-4f45-9708-019B960494DF}">
-                  <a14:hiddenLine xmlns:a14="http://schemas.microsoft.com/office/drawing/2010/main" xmlns="" w="9525">
+                  <a14:hiddenLine xmlns="" xmlns:a14="http://schemas.microsoft.com/office/drawing/2010/main" w="9525">
                     <a:solidFill>
                       <a:srgbClr val="000000"/>
                     </a:solidFill>
@@ -11290,7 +11291,7 @@
               </a:ln>
               <a:extLst>
                 <a:ext uri="{91240B29-F687-4f45-9708-019B960494DF}">
-                  <a14:hiddenLine xmlns:a14="http://schemas.microsoft.com/office/drawing/2010/main" xmlns="" w="9525">
+                  <a14:hiddenLine xmlns="" xmlns:a14="http://schemas.microsoft.com/office/drawing/2010/main" w="9525">
                     <a:solidFill>
                       <a:srgbClr val="000000"/>
                     </a:solidFill>
@@ -11355,7 +11356,7 @@
               </a:ln>
               <a:extLst>
                 <a:ext uri="{91240B29-F687-4f45-9708-019B960494DF}">
-                  <a14:hiddenLine xmlns:a14="http://schemas.microsoft.com/office/drawing/2010/main" xmlns="" w="9525">
+                  <a14:hiddenLine xmlns="" xmlns:a14="http://schemas.microsoft.com/office/drawing/2010/main" w="9525">
                     <a:solidFill>
                       <a:srgbClr val="000000"/>
                     </a:solidFill>
@@ -11445,7 +11446,7 @@
               </a:ln>
               <a:extLst>
                 <a:ext uri="{91240B29-F687-4f45-9708-019B960494DF}">
-                  <a14:hiddenLine xmlns:a14="http://schemas.microsoft.com/office/drawing/2010/main" xmlns="" w="9525">
+                  <a14:hiddenLine xmlns="" xmlns:a14="http://schemas.microsoft.com/office/drawing/2010/main" w="9525">
                     <a:solidFill>
                       <a:srgbClr val="000000"/>
                     </a:solidFill>
@@ -11513,7 +11514,7 @@
               </a:ln>
               <a:extLst>
                 <a:ext uri="{91240B29-F687-4f45-9708-019B960494DF}">
-                  <a14:hiddenLine xmlns:a14="http://schemas.microsoft.com/office/drawing/2010/main" xmlns="" w="9525">
+                  <a14:hiddenLine xmlns="" xmlns:a14="http://schemas.microsoft.com/office/drawing/2010/main" w="9525">
                     <a:solidFill>
                       <a:srgbClr val="000000"/>
                     </a:solidFill>
@@ -11603,7 +11604,7 @@
               </a:ln>
               <a:extLst>
                 <a:ext uri="{91240B29-F687-4f45-9708-019B960494DF}">
-                  <a14:hiddenLine xmlns:a14="http://schemas.microsoft.com/office/drawing/2010/main" xmlns="" w="9525">
+                  <a14:hiddenLine xmlns="" xmlns:a14="http://schemas.microsoft.com/office/drawing/2010/main" w="9525">
                     <a:solidFill>
                       <a:srgbClr val="000000"/>
                     </a:solidFill>
@@ -11671,7 +11672,7 @@
               </a:ln>
               <a:extLst>
                 <a:ext uri="{91240B29-F687-4f45-9708-019B960494DF}">
-                  <a14:hiddenLine xmlns:a14="http://schemas.microsoft.com/office/drawing/2010/main" xmlns="" w="9525">
+                  <a14:hiddenLine xmlns="" xmlns:a14="http://schemas.microsoft.com/office/drawing/2010/main" w="9525">
                     <a:solidFill>
                       <a:srgbClr val="000000"/>
                     </a:solidFill>
@@ -11761,7 +11762,7 @@
               </a:ln>
               <a:extLst>
                 <a:ext uri="{91240B29-F687-4f45-9708-019B960494DF}">
-                  <a14:hiddenLine xmlns:a14="http://schemas.microsoft.com/office/drawing/2010/main" xmlns="" w="9525">
+                  <a14:hiddenLine xmlns="" xmlns:a14="http://schemas.microsoft.com/office/drawing/2010/main" w="9525">
                     <a:solidFill>
                       <a:srgbClr val="000000"/>
                     </a:solidFill>
@@ -11795,7 +11796,7 @@
               </a:ln>
               <a:extLst>
                 <a:ext uri="{91240B29-F687-4f45-9708-019B960494DF}">
-                  <a14:hiddenLine xmlns:a14="http://schemas.microsoft.com/office/drawing/2010/main" xmlns="" w="9525">
+                  <a14:hiddenLine xmlns="" xmlns:a14="http://schemas.microsoft.com/office/drawing/2010/main" w="9525">
                     <a:solidFill>
                       <a:srgbClr val="000000"/>
                     </a:solidFill>
@@ -11936,7 +11937,7 @@
             <a:fld id="{48A87A34-81AB-432B-8DAE-1953F412C126}" type="datetimeFigureOut">
               <a:rPr lang="en-US" dirty="0"/>
               <a:pPr/>
-              <a:t>12/5/2016</a:t>
+              <a:t>12/6/16</a:t>
             </a:fld>
             <a:endParaRPr lang="en-US" dirty="0"/>
           </a:p>
@@ -12450,6 +12451,93 @@
 </p:sld>
 </file>
 
+<file path=ppt/slides/slide10.xml><?xml version="1.0" encoding="utf-8"?>
+<p:sld xmlns:a="http://schemas.openxmlformats.org/drawingml/2006/main" xmlns:r="http://schemas.openxmlformats.org/officeDocument/2006/relationships" xmlns:p="http://schemas.openxmlformats.org/presentationml/2006/main">
+  <p:cSld>
+    <p:spTree>
+      <p:nvGrpSpPr>
+        <p:cNvPr id="1" name=""/>
+        <p:cNvGrpSpPr/>
+        <p:nvPr/>
+      </p:nvGrpSpPr>
+      <p:grpSpPr>
+        <a:xfrm>
+          <a:off x="0" y="0"/>
+          <a:ext cx="0" cy="0"/>
+          <a:chOff x="0" y="0"/>
+          <a:chExt cx="0" cy="0"/>
+        </a:xfrm>
+      </p:grpSpPr>
+      <p:sp>
+        <p:nvSpPr>
+          <p:cNvPr id="2" name="Title 1"/>
+          <p:cNvSpPr>
+            <a:spLocks noGrp="1"/>
+          </p:cNvSpPr>
+          <p:nvPr>
+            <p:ph type="title"/>
+          </p:nvPr>
+        </p:nvSpPr>
+        <p:spPr/>
+        <p:txBody>
+          <a:bodyPr/>
+          <a:lstStyle/>
+          <a:p>
+            <a:r>
+              <a:rPr lang="en-US" dirty="0" smtClean="0"/>
+              <a:t>Demonstration</a:t>
+            </a:r>
+            <a:endParaRPr lang="en-US" dirty="0"/>
+          </a:p>
+        </p:txBody>
+      </p:sp>
+      <p:sp>
+        <p:nvSpPr>
+          <p:cNvPr id="3" name="Content Placeholder 2"/>
+          <p:cNvSpPr>
+            <a:spLocks noGrp="1"/>
+          </p:cNvSpPr>
+          <p:nvPr>
+            <p:ph idx="1"/>
+          </p:nvPr>
+        </p:nvSpPr>
+        <p:spPr/>
+        <p:txBody>
+          <a:bodyPr/>
+          <a:lstStyle/>
+          <a:p>
+            <a:pPr marL="0" indent="0">
+              <a:buNone/>
+            </a:pPr>
+            <a:r>
+              <a:rPr lang="en-US" dirty="0">
+                <a:hlinkClick r:id="rId2"/>
+              </a:rPr>
+              <a:t>https://que-drblondie.c9users.io/CS372Project/</a:t>
+            </a:r>
+            <a:r>
+              <a:rPr lang="en-US" dirty="0" err="1">
+                <a:hlinkClick r:id="rId2"/>
+              </a:rPr>
+              <a:t>homepage.php</a:t>
+            </a:r>
+            <a:endParaRPr lang="en-US" dirty="0"/>
+          </a:p>
+        </p:txBody>
+      </p:sp>
+    </p:spTree>
+    <p:extLst>
+      <p:ext uri="{BB962C8B-B14F-4D97-AF65-F5344CB8AC3E}">
+        <p14:creationId xmlns:p14="http://schemas.microsoft.com/office/powerpoint/2010/main" val="82572895"/>
+      </p:ext>
+    </p:extLst>
+  </p:cSld>
+  <p:clrMapOvr>
+    <a:masterClrMapping/>
+  </p:clrMapOvr>
+</p:sld>
+</file>
+
 <file path=ppt/slides/slide2.xml><?xml version="1.0" encoding="utf-8"?>
 <p:sld xmlns:a="http://schemas.openxmlformats.org/drawingml/2006/main" xmlns:r="http://schemas.openxmlformats.org/officeDocument/2006/relationships" xmlns:p="http://schemas.openxmlformats.org/presentationml/2006/main">
   <p:cSld>

--- a/Course project.pptx
+++ b/Course project.pptx
@@ -12,9 +12,9 @@
     <p:sldId id="260" r:id="rId6"/>
     <p:sldId id="262" r:id="rId7"/>
     <p:sldId id="261" r:id="rId8"/>
-    <p:sldId id="263" r:id="rId9"/>
-    <p:sldId id="264" r:id="rId10"/>
-    <p:sldId id="265" r:id="rId11"/>
+    <p:sldId id="265" r:id="rId9"/>
+    <p:sldId id="263" r:id="rId10"/>
+    <p:sldId id="264" r:id="rId11"/>
   </p:sldIdLst>
   <p:sldSz cx="12192000" cy="6858000"/>
   <p:notesSz cx="6858000" cy="9144000"/>
@@ -178,7 +178,7 @@
           <a:noFill/>
           <a:extLst>
             <a:ext uri="{909E8E84-426E-40dd-AFC4-6F175D3DCCD1}">
-              <a14:hiddenFill xmlns="" xmlns:a14="http://schemas.microsoft.com/office/drawing/2010/main">
+              <a14:hiddenFill xmlns:a14="http://schemas.microsoft.com/office/drawing/2010/main" xmlns="">
                 <a:solidFill>
                   <a:srgbClr val="FFFFFF"/>
                 </a:solidFill>
@@ -237,7 +237,7 @@
             </a:ln>
             <a:extLst>
               <a:ext uri="{91240B29-F687-4f45-9708-019B960494DF}">
-                <a14:hiddenLine xmlns="" xmlns:a14="http://schemas.microsoft.com/office/drawing/2010/main" w="9525">
+                <a14:hiddenLine xmlns:a14="http://schemas.microsoft.com/office/drawing/2010/main" xmlns="" w="9525">
                   <a:solidFill>
                     <a:srgbClr val="000000"/>
                   </a:solidFill>
@@ -327,7 +327,7 @@
             </a:ln>
             <a:extLst>
               <a:ext uri="{91240B29-F687-4f45-9708-019B960494DF}">
-                <a14:hiddenLine xmlns="" xmlns:a14="http://schemas.microsoft.com/office/drawing/2010/main" w="9525">
+                <a14:hiddenLine xmlns:a14="http://schemas.microsoft.com/office/drawing/2010/main" xmlns="" w="9525">
                   <a:solidFill>
                     <a:srgbClr val="000000"/>
                   </a:solidFill>
@@ -417,7 +417,7 @@
             </a:ln>
             <a:extLst>
               <a:ext uri="{91240B29-F687-4f45-9708-019B960494DF}">
-                <a14:hiddenLine xmlns="" xmlns:a14="http://schemas.microsoft.com/office/drawing/2010/main" w="9525">
+                <a14:hiddenLine xmlns:a14="http://schemas.microsoft.com/office/drawing/2010/main" xmlns="" w="9525">
                   <a:solidFill>
                     <a:srgbClr val="000000"/>
                   </a:solidFill>
@@ -451,7 +451,7 @@
             </a:ln>
             <a:extLst>
               <a:ext uri="{91240B29-F687-4f45-9708-019B960494DF}">
-                <a14:hiddenLine xmlns="" xmlns:a14="http://schemas.microsoft.com/office/drawing/2010/main" w="9525">
+                <a14:hiddenLine xmlns:a14="http://schemas.microsoft.com/office/drawing/2010/main" xmlns="" w="9525">
                   <a:solidFill>
                     <a:srgbClr val="000000"/>
                   </a:solidFill>
@@ -541,7 +541,7 @@
             </a:ln>
             <a:extLst>
               <a:ext uri="{91240B29-F687-4f45-9708-019B960494DF}">
-                <a14:hiddenLine xmlns="" xmlns:a14="http://schemas.microsoft.com/office/drawing/2010/main" w="9525">
+                <a14:hiddenLine xmlns:a14="http://schemas.microsoft.com/office/drawing/2010/main" xmlns="" w="9525">
                   <a:solidFill>
                     <a:srgbClr val="000000"/>
                   </a:solidFill>
@@ -603,7 +603,7 @@
             </a:ln>
             <a:extLst>
               <a:ext uri="{91240B29-F687-4f45-9708-019B960494DF}">
-                <a14:hiddenLine xmlns="" xmlns:a14="http://schemas.microsoft.com/office/drawing/2010/main" w="9525">
+                <a14:hiddenLine xmlns:a14="http://schemas.microsoft.com/office/drawing/2010/main" xmlns="" w="9525">
                   <a:solidFill>
                     <a:srgbClr val="000000"/>
                   </a:solidFill>
@@ -665,7 +665,7 @@
             </a:ln>
             <a:extLst>
               <a:ext uri="{91240B29-F687-4f45-9708-019B960494DF}">
-                <a14:hiddenLine xmlns="" xmlns:a14="http://schemas.microsoft.com/office/drawing/2010/main" w="9525">
+                <a14:hiddenLine xmlns:a14="http://schemas.microsoft.com/office/drawing/2010/main" xmlns="" w="9525">
                   <a:solidFill>
                     <a:srgbClr val="000000"/>
                   </a:solidFill>
@@ -755,7 +755,7 @@
             </a:ln>
             <a:extLst>
               <a:ext uri="{91240B29-F687-4f45-9708-019B960494DF}">
-                <a14:hiddenLine xmlns="" xmlns:a14="http://schemas.microsoft.com/office/drawing/2010/main" w="9525">
+                <a14:hiddenLine xmlns:a14="http://schemas.microsoft.com/office/drawing/2010/main" xmlns="" w="9525">
                   <a:solidFill>
                     <a:srgbClr val="000000"/>
                   </a:solidFill>
@@ -817,7 +817,7 @@
             </a:ln>
             <a:extLst>
               <a:ext uri="{91240B29-F687-4f45-9708-019B960494DF}">
-                <a14:hiddenLine xmlns="" xmlns:a14="http://schemas.microsoft.com/office/drawing/2010/main" w="9525">
+                <a14:hiddenLine xmlns:a14="http://schemas.microsoft.com/office/drawing/2010/main" xmlns="" w="9525">
                   <a:solidFill>
                     <a:srgbClr val="000000"/>
                   </a:solidFill>
@@ -879,7 +879,7 @@
             </a:ln>
             <a:extLst>
               <a:ext uri="{91240B29-F687-4f45-9708-019B960494DF}">
-                <a14:hiddenLine xmlns="" xmlns:a14="http://schemas.microsoft.com/office/drawing/2010/main" w="9525">
+                <a14:hiddenLine xmlns:a14="http://schemas.microsoft.com/office/drawing/2010/main" xmlns="" w="9525">
                   <a:solidFill>
                     <a:srgbClr val="000000"/>
                   </a:solidFill>
@@ -969,7 +969,7 @@
             </a:ln>
             <a:extLst>
               <a:ext uri="{91240B29-F687-4f45-9708-019B960494DF}">
-                <a14:hiddenLine xmlns="" xmlns:a14="http://schemas.microsoft.com/office/drawing/2010/main" w="9525">
+                <a14:hiddenLine xmlns:a14="http://schemas.microsoft.com/office/drawing/2010/main" xmlns="" w="9525">
                   <a:solidFill>
                     <a:srgbClr val="000000"/>
                   </a:solidFill>
@@ -1059,7 +1059,7 @@
             </a:ln>
             <a:extLst>
               <a:ext uri="{91240B29-F687-4f45-9708-019B960494DF}">
-                <a14:hiddenLine xmlns="" xmlns:a14="http://schemas.microsoft.com/office/drawing/2010/main" w="9525">
+                <a14:hiddenLine xmlns:a14="http://schemas.microsoft.com/office/drawing/2010/main" xmlns="" w="9525">
                   <a:solidFill>
                     <a:srgbClr val="000000"/>
                   </a:solidFill>
@@ -1121,7 +1121,7 @@
             </a:ln>
             <a:extLst>
               <a:ext uri="{91240B29-F687-4f45-9708-019B960494DF}">
-                <a14:hiddenLine xmlns="" xmlns:a14="http://schemas.microsoft.com/office/drawing/2010/main" w="9525">
+                <a14:hiddenLine xmlns:a14="http://schemas.microsoft.com/office/drawing/2010/main" xmlns="" w="9525">
                   <a:solidFill>
                     <a:srgbClr val="000000"/>
                   </a:solidFill>
@@ -1231,7 +1231,7 @@
             </a:ln>
             <a:extLst>
               <a:ext uri="{91240B29-F687-4f45-9708-019B960494DF}">
-                <a14:hiddenLine xmlns="" xmlns:a14="http://schemas.microsoft.com/office/drawing/2010/main" w="9525">
+                <a14:hiddenLine xmlns:a14="http://schemas.microsoft.com/office/drawing/2010/main" xmlns="" w="9525">
                   <a:solidFill>
                     <a:srgbClr val="000000"/>
                   </a:solidFill>
@@ -1293,7 +1293,7 @@
             </a:ln>
             <a:extLst>
               <a:ext uri="{91240B29-F687-4f45-9708-019B960494DF}">
-                <a14:hiddenLine xmlns="" xmlns:a14="http://schemas.microsoft.com/office/drawing/2010/main" w="9525">
+                <a14:hiddenLine xmlns:a14="http://schemas.microsoft.com/office/drawing/2010/main" xmlns="" w="9525">
                   <a:solidFill>
                     <a:srgbClr val="000000"/>
                   </a:solidFill>
@@ -1383,7 +1383,7 @@
             </a:ln>
             <a:extLst>
               <a:ext uri="{91240B29-F687-4f45-9708-019B960494DF}">
-                <a14:hiddenLine xmlns="" xmlns:a14="http://schemas.microsoft.com/office/drawing/2010/main" w="9525">
+                <a14:hiddenLine xmlns:a14="http://schemas.microsoft.com/office/drawing/2010/main" xmlns="" w="9525">
                   <a:solidFill>
                     <a:srgbClr val="000000"/>
                   </a:solidFill>
@@ -1473,7 +1473,7 @@
             </a:ln>
             <a:extLst>
               <a:ext uri="{91240B29-F687-4f45-9708-019B960494DF}">
-                <a14:hiddenLine xmlns="" xmlns:a14="http://schemas.microsoft.com/office/drawing/2010/main" w="9525">
+                <a14:hiddenLine xmlns:a14="http://schemas.microsoft.com/office/drawing/2010/main" xmlns="" w="9525">
                   <a:solidFill>
                     <a:srgbClr val="000000"/>
                   </a:solidFill>
@@ -1535,7 +1535,7 @@
             </a:ln>
             <a:extLst>
               <a:ext uri="{91240B29-F687-4f45-9708-019B960494DF}">
-                <a14:hiddenLine xmlns="" xmlns:a14="http://schemas.microsoft.com/office/drawing/2010/main" w="9525">
+                <a14:hiddenLine xmlns:a14="http://schemas.microsoft.com/office/drawing/2010/main" xmlns="" w="9525">
                   <a:solidFill>
                     <a:srgbClr val="000000"/>
                   </a:solidFill>
@@ -1625,7 +1625,7 @@
             </a:ln>
             <a:extLst>
               <a:ext uri="{91240B29-F687-4f45-9708-019B960494DF}">
-                <a14:hiddenLine xmlns="" xmlns:a14="http://schemas.microsoft.com/office/drawing/2010/main" w="9525">
+                <a14:hiddenLine xmlns:a14="http://schemas.microsoft.com/office/drawing/2010/main" xmlns="" w="9525">
                   <a:solidFill>
                     <a:srgbClr val="000000"/>
                   </a:solidFill>
@@ -1715,7 +1715,7 @@
             </a:ln>
             <a:extLst>
               <a:ext uri="{91240B29-F687-4f45-9708-019B960494DF}">
-                <a14:hiddenLine xmlns="" xmlns:a14="http://schemas.microsoft.com/office/drawing/2010/main" w="9525">
+                <a14:hiddenLine xmlns:a14="http://schemas.microsoft.com/office/drawing/2010/main" xmlns="" w="9525">
                   <a:solidFill>
                     <a:srgbClr val="000000"/>
                   </a:solidFill>
@@ -1771,7 +1771,7 @@
             </a:ln>
             <a:extLst>
               <a:ext uri="{91240B29-F687-4f45-9708-019B960494DF}">
-                <a14:hiddenLine xmlns="" xmlns:a14="http://schemas.microsoft.com/office/drawing/2010/main" w="9525">
+                <a14:hiddenLine xmlns:a14="http://schemas.microsoft.com/office/drawing/2010/main" xmlns="" w="9525">
                   <a:solidFill>
                     <a:srgbClr val="000000"/>
                   </a:solidFill>
@@ -1861,7 +1861,7 @@
             </a:ln>
             <a:extLst>
               <a:ext uri="{91240B29-F687-4f45-9708-019B960494DF}">
-                <a14:hiddenLine xmlns="" xmlns:a14="http://schemas.microsoft.com/office/drawing/2010/main" w="9525">
+                <a14:hiddenLine xmlns:a14="http://schemas.microsoft.com/office/drawing/2010/main" xmlns="" w="9525">
                   <a:solidFill>
                     <a:srgbClr val="000000"/>
                   </a:solidFill>
@@ -1917,7 +1917,7 @@
             </a:ln>
             <a:extLst>
               <a:ext uri="{91240B29-F687-4f45-9708-019B960494DF}">
-                <a14:hiddenLine xmlns="" xmlns:a14="http://schemas.microsoft.com/office/drawing/2010/main" w="9525">
+                <a14:hiddenLine xmlns:a14="http://schemas.microsoft.com/office/drawing/2010/main" xmlns="" w="9525">
                   <a:solidFill>
                     <a:srgbClr val="000000"/>
                   </a:solidFill>
@@ -2007,7 +2007,7 @@
             </a:ln>
             <a:extLst>
               <a:ext uri="{91240B29-F687-4f45-9708-019B960494DF}">
-                <a14:hiddenLine xmlns="" xmlns:a14="http://schemas.microsoft.com/office/drawing/2010/main" w="9525">
+                <a14:hiddenLine xmlns:a14="http://schemas.microsoft.com/office/drawing/2010/main" xmlns="" w="9525">
                   <a:solidFill>
                     <a:srgbClr val="000000"/>
                   </a:solidFill>
@@ -2075,7 +2075,7 @@
             </a:ln>
             <a:extLst>
               <a:ext uri="{91240B29-F687-4f45-9708-019B960494DF}">
-                <a14:hiddenLine xmlns="" xmlns:a14="http://schemas.microsoft.com/office/drawing/2010/main" w="9525">
+                <a14:hiddenLine xmlns:a14="http://schemas.microsoft.com/office/drawing/2010/main" xmlns="" w="9525">
                   <a:solidFill>
                     <a:srgbClr val="000000"/>
                   </a:solidFill>
@@ -2165,7 +2165,7 @@
             </a:ln>
             <a:extLst>
               <a:ext uri="{91240B29-F687-4f45-9708-019B960494DF}">
-                <a14:hiddenLine xmlns="" xmlns:a14="http://schemas.microsoft.com/office/drawing/2010/main" w="9525">
+                <a14:hiddenLine xmlns:a14="http://schemas.microsoft.com/office/drawing/2010/main" xmlns="" w="9525">
                   <a:solidFill>
                     <a:srgbClr val="000000"/>
                   </a:solidFill>
@@ -2233,7 +2233,7 @@
             </a:ln>
             <a:extLst>
               <a:ext uri="{91240B29-F687-4f45-9708-019B960494DF}">
-                <a14:hiddenLine xmlns="" xmlns:a14="http://schemas.microsoft.com/office/drawing/2010/main" w="9525">
+                <a14:hiddenLine xmlns:a14="http://schemas.microsoft.com/office/drawing/2010/main" xmlns="" w="9525">
                   <a:solidFill>
                     <a:srgbClr val="000000"/>
                   </a:solidFill>
@@ -2323,7 +2323,7 @@
             </a:ln>
             <a:extLst>
               <a:ext uri="{91240B29-F687-4f45-9708-019B960494DF}">
-                <a14:hiddenLine xmlns="" xmlns:a14="http://schemas.microsoft.com/office/drawing/2010/main" w="9525">
+                <a14:hiddenLine xmlns:a14="http://schemas.microsoft.com/office/drawing/2010/main" xmlns="" w="9525">
                   <a:solidFill>
                     <a:srgbClr val="000000"/>
                   </a:solidFill>
@@ -2357,7 +2357,7 @@
             </a:ln>
             <a:extLst>
               <a:ext uri="{91240B29-F687-4f45-9708-019B960494DF}">
-                <a14:hiddenLine xmlns="" xmlns:a14="http://schemas.microsoft.com/office/drawing/2010/main" w="9525">
+                <a14:hiddenLine xmlns:a14="http://schemas.microsoft.com/office/drawing/2010/main" xmlns="" w="9525">
                   <a:solidFill>
                     <a:srgbClr val="000000"/>
                   </a:solidFill>
@@ -2447,7 +2447,7 @@
             </a:ln>
             <a:extLst>
               <a:ext uri="{91240B29-F687-4f45-9708-019B960494DF}">
-                <a14:hiddenLine xmlns="" xmlns:a14="http://schemas.microsoft.com/office/drawing/2010/main" w="9525">
+                <a14:hiddenLine xmlns:a14="http://schemas.microsoft.com/office/drawing/2010/main" xmlns="" w="9525">
                   <a:solidFill>
                     <a:srgbClr val="000000"/>
                   </a:solidFill>
@@ -2509,7 +2509,7 @@
             </a:ln>
             <a:extLst>
               <a:ext uri="{91240B29-F687-4f45-9708-019B960494DF}">
-                <a14:hiddenLine xmlns="" xmlns:a14="http://schemas.microsoft.com/office/drawing/2010/main" w="9525">
+                <a14:hiddenLine xmlns:a14="http://schemas.microsoft.com/office/drawing/2010/main" xmlns="" w="9525">
                   <a:solidFill>
                     <a:srgbClr val="000000"/>
                   </a:solidFill>
@@ -2571,7 +2571,7 @@
             </a:ln>
             <a:extLst>
               <a:ext uri="{91240B29-F687-4f45-9708-019B960494DF}">
-                <a14:hiddenLine xmlns="" xmlns:a14="http://schemas.microsoft.com/office/drawing/2010/main" w="9525">
+                <a14:hiddenLine xmlns:a14="http://schemas.microsoft.com/office/drawing/2010/main" xmlns="" w="9525">
                   <a:solidFill>
                     <a:srgbClr val="000000"/>
                   </a:solidFill>
@@ -2661,7 +2661,7 @@
             </a:ln>
             <a:extLst>
               <a:ext uri="{91240B29-F687-4f45-9708-019B960494DF}">
-                <a14:hiddenLine xmlns="" xmlns:a14="http://schemas.microsoft.com/office/drawing/2010/main" w="9525">
+                <a14:hiddenLine xmlns:a14="http://schemas.microsoft.com/office/drawing/2010/main" xmlns="" w="9525">
                   <a:solidFill>
                     <a:srgbClr val="000000"/>
                   </a:solidFill>
@@ -2729,7 +2729,7 @@
             </a:ln>
             <a:extLst>
               <a:ext uri="{91240B29-F687-4f45-9708-019B960494DF}">
-                <a14:hiddenLine xmlns="" xmlns:a14="http://schemas.microsoft.com/office/drawing/2010/main" w="9525">
+                <a14:hiddenLine xmlns:a14="http://schemas.microsoft.com/office/drawing/2010/main" xmlns="" w="9525">
                   <a:solidFill>
                     <a:srgbClr val="000000"/>
                   </a:solidFill>
@@ -2791,7 +2791,7 @@
             </a:ln>
             <a:extLst>
               <a:ext uri="{91240B29-F687-4f45-9708-019B960494DF}">
-                <a14:hiddenLine xmlns="" xmlns:a14="http://schemas.microsoft.com/office/drawing/2010/main" w="9525">
+                <a14:hiddenLine xmlns:a14="http://schemas.microsoft.com/office/drawing/2010/main" xmlns="" w="9525">
                   <a:solidFill>
                     <a:srgbClr val="000000"/>
                   </a:solidFill>
@@ -2881,7 +2881,7 @@
             </a:ln>
             <a:extLst>
               <a:ext uri="{91240B29-F687-4f45-9708-019B960494DF}">
-                <a14:hiddenLine xmlns="" xmlns:a14="http://schemas.microsoft.com/office/drawing/2010/main" w="9525">
+                <a14:hiddenLine xmlns:a14="http://schemas.microsoft.com/office/drawing/2010/main" xmlns="" w="9525">
                   <a:solidFill>
                     <a:srgbClr val="000000"/>
                   </a:solidFill>
@@ -2943,7 +2943,7 @@
             </a:ln>
             <a:extLst>
               <a:ext uri="{91240B29-F687-4f45-9708-019B960494DF}">
-                <a14:hiddenLine xmlns="" xmlns:a14="http://schemas.microsoft.com/office/drawing/2010/main" w="9525">
+                <a14:hiddenLine xmlns:a14="http://schemas.microsoft.com/office/drawing/2010/main" xmlns="" w="9525">
                   <a:solidFill>
                     <a:srgbClr val="000000"/>
                   </a:solidFill>
@@ -3033,7 +3033,7 @@
             </a:ln>
             <a:extLst>
               <a:ext uri="{91240B29-F687-4f45-9708-019B960494DF}">
-                <a14:hiddenLine xmlns="" xmlns:a14="http://schemas.microsoft.com/office/drawing/2010/main" w="9525">
+                <a14:hiddenLine xmlns:a14="http://schemas.microsoft.com/office/drawing/2010/main" xmlns="" w="9525">
                   <a:solidFill>
                     <a:srgbClr val="000000"/>
                   </a:solidFill>
@@ -3095,7 +3095,7 @@
             </a:ln>
             <a:extLst>
               <a:ext uri="{91240B29-F687-4f45-9708-019B960494DF}">
-                <a14:hiddenLine xmlns="" xmlns:a14="http://schemas.microsoft.com/office/drawing/2010/main" w="9525">
+                <a14:hiddenLine xmlns:a14="http://schemas.microsoft.com/office/drawing/2010/main" xmlns="" w="9525">
                   <a:solidFill>
                     <a:srgbClr val="000000"/>
                   </a:solidFill>
@@ -3185,7 +3185,7 @@
             </a:ln>
             <a:extLst>
               <a:ext uri="{91240B29-F687-4f45-9708-019B960494DF}">
-                <a14:hiddenLine xmlns="" xmlns:a14="http://schemas.microsoft.com/office/drawing/2010/main" w="9525">
+                <a14:hiddenLine xmlns:a14="http://schemas.microsoft.com/office/drawing/2010/main" xmlns="" w="9525">
                   <a:solidFill>
                     <a:srgbClr val="000000"/>
                   </a:solidFill>
@@ -3219,7 +3219,7 @@
             </a:ln>
             <a:extLst>
               <a:ext uri="{91240B29-F687-4f45-9708-019B960494DF}">
-                <a14:hiddenLine xmlns="" xmlns:a14="http://schemas.microsoft.com/office/drawing/2010/main" w="9525">
+                <a14:hiddenLine xmlns:a14="http://schemas.microsoft.com/office/drawing/2010/main" xmlns="" w="9525">
                   <a:solidFill>
                     <a:srgbClr val="000000"/>
                   </a:solidFill>
@@ -3284,7 +3284,7 @@
             </a:ln>
             <a:extLst>
               <a:ext uri="{91240B29-F687-4f45-9708-019B960494DF}">
-                <a14:hiddenLine xmlns="" xmlns:a14="http://schemas.microsoft.com/office/drawing/2010/main" w="9525">
+                <a14:hiddenLine xmlns:a14="http://schemas.microsoft.com/office/drawing/2010/main" xmlns="" w="9525">
                   <a:solidFill>
                     <a:srgbClr val="000000"/>
                   </a:solidFill>
@@ -3374,7 +3374,7 @@
             </a:ln>
             <a:extLst>
               <a:ext uri="{91240B29-F687-4f45-9708-019B960494DF}">
-                <a14:hiddenLine xmlns="" xmlns:a14="http://schemas.microsoft.com/office/drawing/2010/main" w="9525">
+                <a14:hiddenLine xmlns:a14="http://schemas.microsoft.com/office/drawing/2010/main" xmlns="" w="9525">
                   <a:solidFill>
                     <a:srgbClr val="000000"/>
                   </a:solidFill>
@@ -3436,7 +3436,7 @@
             </a:ln>
             <a:extLst>
               <a:ext uri="{91240B29-F687-4f45-9708-019B960494DF}">
-                <a14:hiddenLine xmlns="" xmlns:a14="http://schemas.microsoft.com/office/drawing/2010/main" w="9525">
+                <a14:hiddenLine xmlns:a14="http://schemas.microsoft.com/office/drawing/2010/main" xmlns="" w="9525">
                   <a:solidFill>
                     <a:srgbClr val="000000"/>
                   </a:solidFill>
@@ -3526,7 +3526,7 @@
             </a:ln>
             <a:extLst>
               <a:ext uri="{91240B29-F687-4f45-9708-019B960494DF}">
-                <a14:hiddenLine xmlns="" xmlns:a14="http://schemas.microsoft.com/office/drawing/2010/main" w="9525">
+                <a14:hiddenLine xmlns:a14="http://schemas.microsoft.com/office/drawing/2010/main" xmlns="" w="9525">
                   <a:solidFill>
                     <a:srgbClr val="000000"/>
                   </a:solidFill>
@@ -3616,7 +3616,7 @@
             </a:ln>
             <a:extLst>
               <a:ext uri="{91240B29-F687-4f45-9708-019B960494DF}">
-                <a14:hiddenLine xmlns="" xmlns:a14="http://schemas.microsoft.com/office/drawing/2010/main" w="9525">
+                <a14:hiddenLine xmlns:a14="http://schemas.microsoft.com/office/drawing/2010/main" xmlns="" w="9525">
                   <a:solidFill>
                     <a:srgbClr val="000000"/>
                   </a:solidFill>
@@ -3681,7 +3681,7 @@
             </a:ln>
             <a:extLst>
               <a:ext uri="{91240B29-F687-4f45-9708-019B960494DF}">
-                <a14:hiddenLine xmlns="" xmlns:a14="http://schemas.microsoft.com/office/drawing/2010/main" w="9525">
+                <a14:hiddenLine xmlns:a14="http://schemas.microsoft.com/office/drawing/2010/main" xmlns="" w="9525">
                   <a:solidFill>
                     <a:srgbClr val="000000"/>
                   </a:solidFill>
@@ -3743,7 +3743,7 @@
             </a:ln>
             <a:extLst>
               <a:ext uri="{91240B29-F687-4f45-9708-019B960494DF}">
-                <a14:hiddenLine xmlns="" xmlns:a14="http://schemas.microsoft.com/office/drawing/2010/main" w="9525">
+                <a14:hiddenLine xmlns:a14="http://schemas.microsoft.com/office/drawing/2010/main" xmlns="" w="9525">
                   <a:solidFill>
                     <a:srgbClr val="000000"/>
                   </a:solidFill>
@@ -3833,7 +3833,7 @@
             </a:ln>
             <a:extLst>
               <a:ext uri="{91240B29-F687-4f45-9708-019B960494DF}">
-                <a14:hiddenLine xmlns="" xmlns:a14="http://schemas.microsoft.com/office/drawing/2010/main" w="9525">
+                <a14:hiddenLine xmlns:a14="http://schemas.microsoft.com/office/drawing/2010/main" xmlns="" w="9525">
                   <a:solidFill>
                     <a:srgbClr val="000000"/>
                   </a:solidFill>
@@ -3923,7 +3923,7 @@
             </a:ln>
             <a:extLst>
               <a:ext uri="{91240B29-F687-4f45-9708-019B960494DF}">
-                <a14:hiddenLine xmlns="" xmlns:a14="http://schemas.microsoft.com/office/drawing/2010/main" w="9525">
+                <a14:hiddenLine xmlns:a14="http://schemas.microsoft.com/office/drawing/2010/main" xmlns="" w="9525">
                   <a:solidFill>
                     <a:srgbClr val="000000"/>
                   </a:solidFill>
@@ -3985,7 +3985,7 @@
             </a:ln>
             <a:extLst>
               <a:ext uri="{91240B29-F687-4f45-9708-019B960494DF}">
-                <a14:hiddenLine xmlns="" xmlns:a14="http://schemas.microsoft.com/office/drawing/2010/main" w="9525">
+                <a14:hiddenLine xmlns:a14="http://schemas.microsoft.com/office/drawing/2010/main" xmlns="" w="9525">
                   <a:solidFill>
                     <a:srgbClr val="000000"/>
                   </a:solidFill>
@@ -4105,7 +4105,7 @@
             </a:ln>
             <a:extLst>
               <a:ext uri="{91240B29-F687-4f45-9708-019B960494DF}">
-                <a14:hiddenLine xmlns="" xmlns:a14="http://schemas.microsoft.com/office/drawing/2010/main" w="9525">
+                <a14:hiddenLine xmlns:a14="http://schemas.microsoft.com/office/drawing/2010/main" xmlns="" w="9525">
                   <a:solidFill>
                     <a:srgbClr val="000000"/>
                   </a:solidFill>
@@ -4173,7 +4173,7 @@
             </a:ln>
             <a:extLst>
               <a:ext uri="{91240B29-F687-4f45-9708-019B960494DF}">
-                <a14:hiddenLine xmlns="" xmlns:a14="http://schemas.microsoft.com/office/drawing/2010/main" w="9525">
+                <a14:hiddenLine xmlns:a14="http://schemas.microsoft.com/office/drawing/2010/main" xmlns="" w="9525">
                   <a:solidFill>
                     <a:srgbClr val="000000"/>
                   </a:solidFill>
@@ -4263,7 +4263,7 @@
             </a:ln>
             <a:extLst>
               <a:ext uri="{91240B29-F687-4f45-9708-019B960494DF}">
-                <a14:hiddenLine xmlns="" xmlns:a14="http://schemas.microsoft.com/office/drawing/2010/main" w="9525">
+                <a14:hiddenLine xmlns:a14="http://schemas.microsoft.com/office/drawing/2010/main" xmlns="" w="9525">
                   <a:solidFill>
                     <a:srgbClr val="000000"/>
                   </a:solidFill>
@@ -8992,7 +8992,7 @@
           <a:noFill/>
           <a:extLst>
             <a:ext uri="{909E8E84-426E-40dd-AFC4-6F175D3DCCD1}">
-              <a14:hiddenFill xmlns="" xmlns:a14="http://schemas.microsoft.com/office/drawing/2010/main">
+              <a14:hiddenFill xmlns:a14="http://schemas.microsoft.com/office/drawing/2010/main" xmlns="">
                 <a:solidFill>
                   <a:srgbClr val="FFFFFF"/>
                 </a:solidFill>
@@ -9066,7 +9066,7 @@
               </a:ln>
               <a:extLst>
                 <a:ext uri="{91240B29-F687-4f45-9708-019B960494DF}">
-                  <a14:hiddenLine xmlns="" xmlns:a14="http://schemas.microsoft.com/office/drawing/2010/main" w="9525">
+                  <a14:hiddenLine xmlns:a14="http://schemas.microsoft.com/office/drawing/2010/main" xmlns="" w="9525">
                     <a:solidFill>
                       <a:srgbClr val="000000"/>
                     </a:solidFill>
@@ -9156,7 +9156,7 @@
               </a:ln>
               <a:extLst>
                 <a:ext uri="{91240B29-F687-4f45-9708-019B960494DF}">
-                  <a14:hiddenLine xmlns="" xmlns:a14="http://schemas.microsoft.com/office/drawing/2010/main" w="9525">
+                  <a14:hiddenLine xmlns:a14="http://schemas.microsoft.com/office/drawing/2010/main" xmlns="" w="9525">
                     <a:solidFill>
                       <a:srgbClr val="000000"/>
                     </a:solidFill>
@@ -9246,7 +9246,7 @@
               </a:ln>
               <a:extLst>
                 <a:ext uri="{91240B29-F687-4f45-9708-019B960494DF}">
-                  <a14:hiddenLine xmlns="" xmlns:a14="http://schemas.microsoft.com/office/drawing/2010/main" w="9525">
+                  <a14:hiddenLine xmlns:a14="http://schemas.microsoft.com/office/drawing/2010/main" xmlns="" w="9525">
                     <a:solidFill>
                       <a:srgbClr val="000000"/>
                     </a:solidFill>
@@ -9308,7 +9308,7 @@
               </a:ln>
               <a:extLst>
                 <a:ext uri="{91240B29-F687-4f45-9708-019B960494DF}">
-                  <a14:hiddenLine xmlns="" xmlns:a14="http://schemas.microsoft.com/office/drawing/2010/main" w="9525">
+                  <a14:hiddenLine xmlns:a14="http://schemas.microsoft.com/office/drawing/2010/main" xmlns="" w="9525">
                     <a:solidFill>
                       <a:srgbClr val="000000"/>
                     </a:solidFill>
@@ -9398,7 +9398,7 @@
               </a:ln>
               <a:extLst>
                 <a:ext uri="{91240B29-F687-4f45-9708-019B960494DF}">
-                  <a14:hiddenLine xmlns="" xmlns:a14="http://schemas.microsoft.com/office/drawing/2010/main" w="9525">
+                  <a14:hiddenLine xmlns:a14="http://schemas.microsoft.com/office/drawing/2010/main" xmlns="" w="9525">
                     <a:solidFill>
                       <a:srgbClr val="000000"/>
                     </a:solidFill>
@@ -9460,7 +9460,7 @@
               </a:ln>
               <a:extLst>
                 <a:ext uri="{91240B29-F687-4f45-9708-019B960494DF}">
-                  <a14:hiddenLine xmlns="" xmlns:a14="http://schemas.microsoft.com/office/drawing/2010/main" w="9525">
+                  <a14:hiddenLine xmlns:a14="http://schemas.microsoft.com/office/drawing/2010/main" xmlns="" w="9525">
                     <a:solidFill>
                       <a:srgbClr val="000000"/>
                     </a:solidFill>
@@ -9522,7 +9522,7 @@
               </a:ln>
               <a:extLst>
                 <a:ext uri="{91240B29-F687-4f45-9708-019B960494DF}">
-                  <a14:hiddenLine xmlns="" xmlns:a14="http://schemas.microsoft.com/office/drawing/2010/main" w="9525">
+                  <a14:hiddenLine xmlns:a14="http://schemas.microsoft.com/office/drawing/2010/main" xmlns="" w="9525">
                     <a:solidFill>
                       <a:srgbClr val="000000"/>
                     </a:solidFill>
@@ -9612,7 +9612,7 @@
               </a:ln>
               <a:extLst>
                 <a:ext uri="{91240B29-F687-4f45-9708-019B960494DF}">
-                  <a14:hiddenLine xmlns="" xmlns:a14="http://schemas.microsoft.com/office/drawing/2010/main" w="9525">
+                  <a14:hiddenLine xmlns:a14="http://schemas.microsoft.com/office/drawing/2010/main" xmlns="" w="9525">
                     <a:solidFill>
                       <a:srgbClr val="000000"/>
                     </a:solidFill>
@@ -9702,7 +9702,7 @@
               </a:ln>
               <a:extLst>
                 <a:ext uri="{91240B29-F687-4f45-9708-019B960494DF}">
-                  <a14:hiddenLine xmlns="" xmlns:a14="http://schemas.microsoft.com/office/drawing/2010/main" w="9525">
+                  <a14:hiddenLine xmlns:a14="http://schemas.microsoft.com/office/drawing/2010/main" xmlns="" w="9525">
                     <a:solidFill>
                       <a:srgbClr val="000000"/>
                     </a:solidFill>
@@ -9764,7 +9764,7 @@
               </a:ln>
               <a:extLst>
                 <a:ext uri="{91240B29-F687-4f45-9708-019B960494DF}">
-                  <a14:hiddenLine xmlns="" xmlns:a14="http://schemas.microsoft.com/office/drawing/2010/main" w="9525">
+                  <a14:hiddenLine xmlns:a14="http://schemas.microsoft.com/office/drawing/2010/main" xmlns="" w="9525">
                     <a:solidFill>
                       <a:srgbClr val="000000"/>
                     </a:solidFill>
@@ -9874,7 +9874,7 @@
               </a:ln>
               <a:extLst>
                 <a:ext uri="{91240B29-F687-4f45-9708-019B960494DF}">
-                  <a14:hiddenLine xmlns="" xmlns:a14="http://schemas.microsoft.com/office/drawing/2010/main" w="9525">
+                  <a14:hiddenLine xmlns:a14="http://schemas.microsoft.com/office/drawing/2010/main" xmlns="" w="9525">
                     <a:solidFill>
                       <a:srgbClr val="000000"/>
                     </a:solidFill>
@@ -9958,7 +9958,7 @@
               </a:ln>
               <a:extLst>
                 <a:ext uri="{91240B29-F687-4f45-9708-019B960494DF}">
-                  <a14:hiddenLine xmlns="" xmlns:a14="http://schemas.microsoft.com/office/drawing/2010/main" w="9525">
+                  <a14:hiddenLine xmlns:a14="http://schemas.microsoft.com/office/drawing/2010/main" xmlns="" w="9525">
                     <a:solidFill>
                       <a:srgbClr val="000000"/>
                     </a:solidFill>
@@ -10020,7 +10020,7 @@
               </a:ln>
               <a:extLst>
                 <a:ext uri="{91240B29-F687-4f45-9708-019B960494DF}">
-                  <a14:hiddenLine xmlns="" xmlns:a14="http://schemas.microsoft.com/office/drawing/2010/main" w="9525">
+                  <a14:hiddenLine xmlns:a14="http://schemas.microsoft.com/office/drawing/2010/main" xmlns="" w="9525">
                     <a:solidFill>
                       <a:srgbClr val="000000"/>
                     </a:solidFill>
@@ -10082,7 +10082,7 @@
               </a:ln>
               <a:extLst>
                 <a:ext uri="{91240B29-F687-4f45-9708-019B960494DF}">
-                  <a14:hiddenLine xmlns="" xmlns:a14="http://schemas.microsoft.com/office/drawing/2010/main" w="9525">
+                  <a14:hiddenLine xmlns:a14="http://schemas.microsoft.com/office/drawing/2010/main" xmlns="" w="9525">
                     <a:solidFill>
                       <a:srgbClr val="000000"/>
                     </a:solidFill>
@@ -10172,7 +10172,7 @@
               </a:ln>
               <a:extLst>
                 <a:ext uri="{91240B29-F687-4f45-9708-019B960494DF}">
-                  <a14:hiddenLine xmlns="" xmlns:a14="http://schemas.microsoft.com/office/drawing/2010/main" w="9525">
+                  <a14:hiddenLine xmlns:a14="http://schemas.microsoft.com/office/drawing/2010/main" xmlns="" w="9525">
                     <a:solidFill>
                       <a:srgbClr val="000000"/>
                     </a:solidFill>
@@ -10206,7 +10206,7 @@
               </a:ln>
               <a:extLst>
                 <a:ext uri="{91240B29-F687-4f45-9708-019B960494DF}">
-                  <a14:hiddenLine xmlns="" xmlns:a14="http://schemas.microsoft.com/office/drawing/2010/main" w="9525">
+                  <a14:hiddenLine xmlns:a14="http://schemas.microsoft.com/office/drawing/2010/main" xmlns="" w="9525">
                     <a:solidFill>
                       <a:srgbClr val="000000"/>
                     </a:solidFill>
@@ -10271,7 +10271,7 @@
               </a:ln>
               <a:extLst>
                 <a:ext uri="{91240B29-F687-4f45-9708-019B960494DF}">
-                  <a14:hiddenLine xmlns="" xmlns:a14="http://schemas.microsoft.com/office/drawing/2010/main" w="9525">
+                  <a14:hiddenLine xmlns:a14="http://schemas.microsoft.com/office/drawing/2010/main" xmlns="" w="9525">
                     <a:solidFill>
                       <a:srgbClr val="000000"/>
                     </a:solidFill>
@@ -10361,7 +10361,7 @@
               </a:ln>
               <a:extLst>
                 <a:ext uri="{91240B29-F687-4f45-9708-019B960494DF}">
-                  <a14:hiddenLine xmlns="" xmlns:a14="http://schemas.microsoft.com/office/drawing/2010/main" w="9525">
+                  <a14:hiddenLine xmlns:a14="http://schemas.microsoft.com/office/drawing/2010/main" xmlns="" w="9525">
                     <a:solidFill>
                       <a:srgbClr val="000000"/>
                     </a:solidFill>
@@ -10423,7 +10423,7 @@
               </a:ln>
               <a:extLst>
                 <a:ext uri="{91240B29-F687-4f45-9708-019B960494DF}">
-                  <a14:hiddenLine xmlns="" xmlns:a14="http://schemas.microsoft.com/office/drawing/2010/main" w="9525">
+                  <a14:hiddenLine xmlns:a14="http://schemas.microsoft.com/office/drawing/2010/main" xmlns="" w="9525">
                     <a:solidFill>
                       <a:srgbClr val="000000"/>
                     </a:solidFill>
@@ -10513,7 +10513,7 @@
               </a:ln>
               <a:extLst>
                 <a:ext uri="{91240B29-F687-4f45-9708-019B960494DF}">
-                  <a14:hiddenLine xmlns="" xmlns:a14="http://schemas.microsoft.com/office/drawing/2010/main" w="9525">
+                  <a14:hiddenLine xmlns:a14="http://schemas.microsoft.com/office/drawing/2010/main" xmlns="" w="9525">
                     <a:solidFill>
                       <a:srgbClr val="000000"/>
                     </a:solidFill>
@@ -10578,7 +10578,7 @@
               </a:ln>
               <a:extLst>
                 <a:ext uri="{91240B29-F687-4f45-9708-019B960494DF}">
-                  <a14:hiddenLine xmlns="" xmlns:a14="http://schemas.microsoft.com/office/drawing/2010/main" w="9525">
+                  <a14:hiddenLine xmlns:a14="http://schemas.microsoft.com/office/drawing/2010/main" xmlns="" w="9525">
                     <a:solidFill>
                       <a:srgbClr val="000000"/>
                     </a:solidFill>
@@ -10640,7 +10640,7 @@
               </a:ln>
               <a:extLst>
                 <a:ext uri="{91240B29-F687-4f45-9708-019B960494DF}">
-                  <a14:hiddenLine xmlns="" xmlns:a14="http://schemas.microsoft.com/office/drawing/2010/main" w="9525">
+                  <a14:hiddenLine xmlns:a14="http://schemas.microsoft.com/office/drawing/2010/main" xmlns="" w="9525">
                     <a:solidFill>
                       <a:srgbClr val="000000"/>
                     </a:solidFill>
@@ -10730,7 +10730,7 @@
               </a:ln>
               <a:extLst>
                 <a:ext uri="{91240B29-F687-4f45-9708-019B960494DF}">
-                  <a14:hiddenLine xmlns="" xmlns:a14="http://schemas.microsoft.com/office/drawing/2010/main" w="9525">
+                  <a14:hiddenLine xmlns:a14="http://schemas.microsoft.com/office/drawing/2010/main" xmlns="" w="9525">
                     <a:solidFill>
                       <a:srgbClr val="000000"/>
                     </a:solidFill>
@@ -10820,7 +10820,7 @@
               </a:ln>
               <a:extLst>
                 <a:ext uri="{91240B29-F687-4f45-9708-019B960494DF}">
-                  <a14:hiddenLine xmlns="" xmlns:a14="http://schemas.microsoft.com/office/drawing/2010/main" w="9525">
+                  <a14:hiddenLine xmlns:a14="http://schemas.microsoft.com/office/drawing/2010/main" xmlns="" w="9525">
                     <a:solidFill>
                       <a:srgbClr val="000000"/>
                     </a:solidFill>
@@ -10885,7 +10885,7 @@
               </a:ln>
               <a:extLst>
                 <a:ext uri="{91240B29-F687-4f45-9708-019B960494DF}">
-                  <a14:hiddenLine xmlns="" xmlns:a14="http://schemas.microsoft.com/office/drawing/2010/main" w="9525">
+                  <a14:hiddenLine xmlns:a14="http://schemas.microsoft.com/office/drawing/2010/main" xmlns="" w="9525">
                     <a:solidFill>
                       <a:srgbClr val="000000"/>
                     </a:solidFill>
@@ -11005,7 +11005,7 @@
               </a:ln>
               <a:extLst>
                 <a:ext uri="{91240B29-F687-4f45-9708-019B960494DF}">
-                  <a14:hiddenLine xmlns="" xmlns:a14="http://schemas.microsoft.com/office/drawing/2010/main" w="9525">
+                  <a14:hiddenLine xmlns:a14="http://schemas.microsoft.com/office/drawing/2010/main" xmlns="" w="9525">
                     <a:solidFill>
                       <a:srgbClr val="000000"/>
                     </a:solidFill>
@@ -11086,7 +11086,7 @@
               </a:ln>
               <a:extLst>
                 <a:ext uri="{91240B29-F687-4f45-9708-019B960494DF}">
-                  <a14:hiddenLine xmlns="" xmlns:a14="http://schemas.microsoft.com/office/drawing/2010/main" w="9525">
+                  <a14:hiddenLine xmlns:a14="http://schemas.microsoft.com/office/drawing/2010/main" xmlns="" w="9525">
                     <a:solidFill>
                       <a:srgbClr val="000000"/>
                     </a:solidFill>
@@ -11201,7 +11201,7 @@
               </a:ln>
               <a:extLst>
                 <a:ext uri="{91240B29-F687-4f45-9708-019B960494DF}">
-                  <a14:hiddenLine xmlns="" xmlns:a14="http://schemas.microsoft.com/office/drawing/2010/main" w="9525">
+                  <a14:hiddenLine xmlns:a14="http://schemas.microsoft.com/office/drawing/2010/main" xmlns="" w="9525">
                     <a:solidFill>
                       <a:srgbClr val="000000"/>
                     </a:solidFill>
@@ -11291,7 +11291,7 @@
               </a:ln>
               <a:extLst>
                 <a:ext uri="{91240B29-F687-4f45-9708-019B960494DF}">
-                  <a14:hiddenLine xmlns="" xmlns:a14="http://schemas.microsoft.com/office/drawing/2010/main" w="9525">
+                  <a14:hiddenLine xmlns:a14="http://schemas.microsoft.com/office/drawing/2010/main" xmlns="" w="9525">
                     <a:solidFill>
                       <a:srgbClr val="000000"/>
                     </a:solidFill>
@@ -11356,7 +11356,7 @@
               </a:ln>
               <a:extLst>
                 <a:ext uri="{91240B29-F687-4f45-9708-019B960494DF}">
-                  <a14:hiddenLine xmlns="" xmlns:a14="http://schemas.microsoft.com/office/drawing/2010/main" w="9525">
+                  <a14:hiddenLine xmlns:a14="http://schemas.microsoft.com/office/drawing/2010/main" xmlns="" w="9525">
                     <a:solidFill>
                       <a:srgbClr val="000000"/>
                     </a:solidFill>
@@ -11446,7 +11446,7 @@
               </a:ln>
               <a:extLst>
                 <a:ext uri="{91240B29-F687-4f45-9708-019B960494DF}">
-                  <a14:hiddenLine xmlns="" xmlns:a14="http://schemas.microsoft.com/office/drawing/2010/main" w="9525">
+                  <a14:hiddenLine xmlns:a14="http://schemas.microsoft.com/office/drawing/2010/main" xmlns="" w="9525">
                     <a:solidFill>
                       <a:srgbClr val="000000"/>
                     </a:solidFill>
@@ -11514,7 +11514,7 @@
               </a:ln>
               <a:extLst>
                 <a:ext uri="{91240B29-F687-4f45-9708-019B960494DF}">
-                  <a14:hiddenLine xmlns="" xmlns:a14="http://schemas.microsoft.com/office/drawing/2010/main" w="9525">
+                  <a14:hiddenLine xmlns:a14="http://schemas.microsoft.com/office/drawing/2010/main" xmlns="" w="9525">
                     <a:solidFill>
                       <a:srgbClr val="000000"/>
                     </a:solidFill>
@@ -11604,7 +11604,7 @@
               </a:ln>
               <a:extLst>
                 <a:ext uri="{91240B29-F687-4f45-9708-019B960494DF}">
-                  <a14:hiddenLine xmlns="" xmlns:a14="http://schemas.microsoft.com/office/drawing/2010/main" w="9525">
+                  <a14:hiddenLine xmlns:a14="http://schemas.microsoft.com/office/drawing/2010/main" xmlns="" w="9525">
                     <a:solidFill>
                       <a:srgbClr val="000000"/>
                     </a:solidFill>
@@ -11672,7 +11672,7 @@
               </a:ln>
               <a:extLst>
                 <a:ext uri="{91240B29-F687-4f45-9708-019B960494DF}">
-                  <a14:hiddenLine xmlns="" xmlns:a14="http://schemas.microsoft.com/office/drawing/2010/main" w="9525">
+                  <a14:hiddenLine xmlns:a14="http://schemas.microsoft.com/office/drawing/2010/main" xmlns="" w="9525">
                     <a:solidFill>
                       <a:srgbClr val="000000"/>
                     </a:solidFill>
@@ -11762,7 +11762,7 @@
               </a:ln>
               <a:extLst>
                 <a:ext uri="{91240B29-F687-4f45-9708-019B960494DF}">
-                  <a14:hiddenLine xmlns="" xmlns:a14="http://schemas.microsoft.com/office/drawing/2010/main" w="9525">
+                  <a14:hiddenLine xmlns:a14="http://schemas.microsoft.com/office/drawing/2010/main" xmlns="" w="9525">
                     <a:solidFill>
                       <a:srgbClr val="000000"/>
                     </a:solidFill>
@@ -11796,7 +11796,7 @@
               </a:ln>
               <a:extLst>
                 <a:ext uri="{91240B29-F687-4f45-9708-019B960494DF}">
-                  <a14:hiddenLine xmlns="" xmlns:a14="http://schemas.microsoft.com/office/drawing/2010/main" w="9525">
+                  <a14:hiddenLine xmlns:a14="http://schemas.microsoft.com/office/drawing/2010/main" xmlns="" w="9525">
                     <a:solidFill>
                       <a:srgbClr val="000000"/>
                     </a:solidFill>
@@ -12484,10 +12484,9 @@
           <a:lstStyle/>
           <a:p>
             <a:r>
-              <a:rPr lang="en-US" dirty="0" smtClean="0"/>
-              <a:t>Demonstration</a:t>
-            </a:r>
-            <a:endParaRPr lang="en-US" dirty="0"/>
+              <a:rPr lang="en-US" dirty="0"/>
+              <a:t>Individual contributions</a:t>
+            </a:r>
           </a:p>
         </p:txBody>
       </p:sp>
@@ -12501,34 +12500,47 @@
             <p:ph idx="1"/>
           </p:nvPr>
         </p:nvSpPr>
-        <p:spPr/>
+        <p:spPr>
+          <a:xfrm>
+            <a:off x="1141412" y="2249486"/>
+            <a:ext cx="9905999" cy="4089529"/>
+          </a:xfrm>
+        </p:spPr>
         <p:txBody>
-          <a:bodyPr/>
+          <a:bodyPr>
+            <a:normAutofit fontScale="92500" lnSpcReduction="10000"/>
+          </a:bodyPr>
           <a:lstStyle/>
           <a:p>
-            <a:pPr marL="0" indent="0">
-              <a:buNone/>
-            </a:pPr>
-            <a:r>
-              <a:rPr lang="en-US" dirty="0">
-                <a:hlinkClick r:id="rId2"/>
-              </a:rPr>
-              <a:t>https://que-drblondie.c9users.io/CS372Project/</a:t>
-            </a:r>
-            <a:r>
-              <a:rPr lang="en-US" dirty="0" err="1">
-                <a:hlinkClick r:id="rId2"/>
-              </a:rPr>
-              <a:t>homepage.php</a:t>
-            </a:r>
-            <a:endParaRPr lang="en-US" dirty="0"/>
+            <a:r>
+              <a:rPr lang="en-US" dirty="0"/>
+              <a:t>Alex: Did almost all the backend work, moved us from pure HTML files to PHP and helped the rest of us get Cloud9 to work properly with the backend.</a:t>
+            </a:r>
+          </a:p>
+          <a:p>
+            <a:r>
+              <a:rPr lang="en-US" dirty="0"/>
+              <a:t>Grace: Did the original planning of requirements and layout and coded original few pages with the basic site layout the rest of the site was built on. Also did almost all the validation work and readability/styling issues of code and actual pages. </a:t>
+            </a:r>
+          </a:p>
+          <a:p>
+            <a:r>
+              <a:rPr lang="en-US" dirty="0"/>
+              <a:t>Mikah: Applied Bootstrap to the form components, did the other few of the original webpages shown at the midterm presentation. Some front-end and the breadcrumbs.</a:t>
+            </a:r>
+          </a:p>
+          <a:p>
+            <a:r>
+              <a:rPr lang="en-US" dirty="0"/>
+              <a:t>Daniel: Did most of the testing and bug fixes.  This was a great help, since fresh eyes are almost always the best at tracking bugs, especially in CSS.</a:t>
+            </a:r>
           </a:p>
         </p:txBody>
       </p:sp>
     </p:spTree>
     <p:extLst>
       <p:ext uri="{BB962C8B-B14F-4D97-AF65-F5344CB8AC3E}">
-        <p14:creationId xmlns:p14="http://schemas.microsoft.com/office/powerpoint/2010/main" val="82572895"/>
+        <p14:creationId xmlns:p14="http://schemas.microsoft.com/office/powerpoint/2010/main" val="3405323908"/>
       </p:ext>
     </p:extLst>
   </p:cSld>
@@ -13163,9 +13175,10 @@
           <a:lstStyle/>
           <a:p>
             <a:r>
-              <a:rPr lang="en-US" dirty="0"/>
-              <a:t>issues</a:t>
-            </a:r>
+              <a:rPr lang="en-US" dirty="0" smtClean="0"/>
+              <a:t>Demonstration</a:t>
+            </a:r>
+            <a:endParaRPr lang="en-US" dirty="0"/>
           </a:p>
         </p:txBody>
       </p:sp>
@@ -13184,29 +13197,29 @@
           <a:bodyPr/>
           <a:lstStyle/>
           <a:p>
-            <a:r>
-              <a:rPr lang="en-US" dirty="0"/>
-              <a:t>Communication was an issue, especially at the beginning.  It got better as we were able to meet up more and speak in person about our plans.</a:t>
-            </a:r>
-          </a:p>
-          <a:p>
-            <a:r>
-              <a:rPr lang="en-US" dirty="0"/>
-              <a:t>Time was another big factor, we were all much more busy this semester than we were anticipating when we wrote our requirements.</a:t>
-            </a:r>
-          </a:p>
-          <a:p>
-            <a:r>
-              <a:rPr lang="en-US" dirty="0"/>
-              <a:t>Cloud9 vs other platforms didn’t always behave the same way when rendering styling, so we had trouble nailing down exactly how we wanted the pages to look.</a:t>
-            </a:r>
+            <a:pPr marL="0" indent="0">
+              <a:buNone/>
+            </a:pPr>
+            <a:r>
+              <a:rPr lang="en-US" dirty="0">
+                <a:hlinkClick r:id="rId2"/>
+              </a:rPr>
+              <a:t>https://que-drblondie.c9users.io/CS372Project/</a:t>
+            </a:r>
+            <a:r>
+              <a:rPr lang="en-US" dirty="0" err="1">
+                <a:hlinkClick r:id="rId2"/>
+              </a:rPr>
+              <a:t>homepage.php</a:t>
+            </a:r>
+            <a:endParaRPr lang="en-US" dirty="0"/>
           </a:p>
         </p:txBody>
       </p:sp>
     </p:spTree>
     <p:extLst>
       <p:ext uri="{BB962C8B-B14F-4D97-AF65-F5344CB8AC3E}">
-        <p14:creationId xmlns:p14="http://schemas.microsoft.com/office/powerpoint/2010/main" val="1677773217"/>
+        <p14:creationId xmlns:p14="http://schemas.microsoft.com/office/powerpoint/2010/main" val="82572895"/>
       </p:ext>
     </p:extLst>
   </p:cSld>
@@ -13249,9 +13262,10 @@
           <a:lstStyle/>
           <a:p>
             <a:r>
-              <a:rPr lang="en-US" dirty="0"/>
-              <a:t>Individual contributions</a:t>
-            </a:r>
+              <a:rPr lang="en-US" dirty="0" smtClean="0"/>
+              <a:t>Challenges</a:t>
+            </a:r>
+            <a:endParaRPr lang="en-US" dirty="0"/>
           </a:p>
         </p:txBody>
       </p:sp>
@@ -13265,39 +13279,26 @@
             <p:ph idx="1"/>
           </p:nvPr>
         </p:nvSpPr>
-        <p:spPr>
-          <a:xfrm>
-            <a:off x="1141412" y="2249486"/>
-            <a:ext cx="9905999" cy="4089529"/>
-          </a:xfrm>
-        </p:spPr>
+        <p:spPr/>
         <p:txBody>
-          <a:bodyPr>
-            <a:normAutofit fontScale="92500" lnSpcReduction="10000"/>
-          </a:bodyPr>
+          <a:bodyPr/>
           <a:lstStyle/>
           <a:p>
             <a:r>
               <a:rPr lang="en-US" dirty="0"/>
-              <a:t>Alex: Did almost all the backend work, moved us from pure HTML files to PHP and helped the rest of us get Cloud9 to work properly with the backend.</a:t>
+              <a:t>Communication was an issue, especially at the beginning.  It got better as we were able to meet up more and speak in person about our plans.</a:t>
             </a:r>
           </a:p>
           <a:p>
             <a:r>
               <a:rPr lang="en-US" dirty="0"/>
-              <a:t>Grace: Did the original planning of requirements and layout and coded original few pages with the basic site layout the rest of the site was built on. Also did almost all the validation work and readability/styling issues of code and actual pages. </a:t>
+              <a:t>Time was another big factor, we were all much more busy this semester than we were anticipating when we wrote our requirements.</a:t>
             </a:r>
           </a:p>
           <a:p>
             <a:r>
               <a:rPr lang="en-US" dirty="0"/>
-              <a:t>Mikah: Applied Bootstrap to the form components, did the other few of the original webpages shown at the midterm presentation. Some front-end and the breadcrumbs.</a:t>
-            </a:r>
-          </a:p>
-          <a:p>
-            <a:r>
-              <a:rPr lang="en-US" dirty="0"/>
-              <a:t>Daniel: Did most of the testing and bug fixes.  This was a great help, since fresh eyes are almost always the best at tracking bugs, especially in CSS.</a:t>
+              <a:t>Cloud9 vs other platforms didn’t always behave the same way when rendering styling, so we had trouble nailing down exactly how we wanted the pages to look.</a:t>
             </a:r>
           </a:p>
         </p:txBody>
@@ -13305,7 +13306,7 @@
     </p:spTree>
     <p:extLst>
       <p:ext uri="{BB962C8B-B14F-4D97-AF65-F5344CB8AC3E}">
-        <p14:creationId xmlns:p14="http://schemas.microsoft.com/office/powerpoint/2010/main" val="3405323908"/>
+        <p14:creationId xmlns:p14="http://schemas.microsoft.com/office/powerpoint/2010/main" val="1677773217"/>
       </p:ext>
     </p:extLst>
   </p:cSld>
